--- a/performance de consultas utilizando java persistence api.pptx
+++ b/performance de consultas utilizando java persistence api.pptx
@@ -5,10 +5,10 @@
     <p:sldMasterId id="2147483712" r:id="rId1"/>
   </p:sldMasterIdLst>
   <p:notesMasterIdLst>
-    <p:notesMasterId r:id="rId24"/>
+    <p:notesMasterId r:id="rId28"/>
   </p:notesMasterIdLst>
   <p:handoutMasterIdLst>
-    <p:handoutMasterId r:id="rId25"/>
+    <p:handoutMasterId r:id="rId29"/>
   </p:handoutMasterIdLst>
   <p:sldIdLst>
     <p:sldId id="257" r:id="rId2"/>
@@ -18,21 +18,25 @@
     <p:sldId id="265" r:id="rId6"/>
     <p:sldId id="264" r:id="rId7"/>
     <p:sldId id="261" r:id="rId8"/>
-    <p:sldId id="260" r:id="rId9"/>
-    <p:sldId id="266" r:id="rId10"/>
-    <p:sldId id="267" r:id="rId11"/>
-    <p:sldId id="268" r:id="rId12"/>
-    <p:sldId id="269" r:id="rId13"/>
-    <p:sldId id="270" r:id="rId14"/>
-    <p:sldId id="271" r:id="rId15"/>
-    <p:sldId id="272" r:id="rId16"/>
-    <p:sldId id="273" r:id="rId17"/>
-    <p:sldId id="274" r:id="rId18"/>
-    <p:sldId id="275" r:id="rId19"/>
-    <p:sldId id="276" r:id="rId20"/>
-    <p:sldId id="277" r:id="rId21"/>
-    <p:sldId id="278" r:id="rId22"/>
-    <p:sldId id="279" r:id="rId23"/>
+    <p:sldId id="280" r:id="rId9"/>
+    <p:sldId id="281" r:id="rId10"/>
+    <p:sldId id="282" r:id="rId11"/>
+    <p:sldId id="283" r:id="rId12"/>
+    <p:sldId id="260" r:id="rId13"/>
+    <p:sldId id="266" r:id="rId14"/>
+    <p:sldId id="267" r:id="rId15"/>
+    <p:sldId id="268" r:id="rId16"/>
+    <p:sldId id="269" r:id="rId17"/>
+    <p:sldId id="270" r:id="rId18"/>
+    <p:sldId id="271" r:id="rId19"/>
+    <p:sldId id="272" r:id="rId20"/>
+    <p:sldId id="273" r:id="rId21"/>
+    <p:sldId id="274" r:id="rId22"/>
+    <p:sldId id="275" r:id="rId23"/>
+    <p:sldId id="276" r:id="rId24"/>
+    <p:sldId id="277" r:id="rId25"/>
+    <p:sldId id="278" r:id="rId26"/>
+    <p:sldId id="279" r:id="rId27"/>
   </p:sldIdLst>
   <p:sldSz cx="12192000" cy="6858000"/>
   <p:notesSz cx="6858000" cy="9144000"/>
@@ -143,6 +147,10 @@
             <p14:sldId id="265"/>
             <p14:sldId id="264"/>
             <p14:sldId id="261"/>
+            <p14:sldId id="280"/>
+            <p14:sldId id="281"/>
+            <p14:sldId id="282"/>
+            <p14:sldId id="283"/>
             <p14:sldId id="260"/>
             <p14:sldId id="266"/>
             <p14:sldId id="267"/>
@@ -256,7 +264,7 @@
             <a:pPr rtl="0"/>
             <a:fld id="{0ECB700D-7E1A-49E2-ABAD-092ACBACD43B}" type="datetime1">
               <a:rPr lang="pt-BR" smtClean="0"/>
-              <a:t>30/05/2021</a:t>
+              <a:t>15/08/2022</a:t>
             </a:fld>
             <a:endParaRPr lang="en-US" dirty="0"/>
           </a:p>
@@ -426,7 +434,7 @@
             <a:pPr rtl="0"/>
             <a:fld id="{F3E3353A-A592-44BD-B6AB-B98E47E0DF51}" type="datetime1">
               <a:rPr lang="pt-BR" smtClean="0"/>
-              <a:t>30/05/2021</a:t>
+              <a:t>15/08/2022</a:t>
             </a:fld>
             <a:endParaRPr lang="en-US"/>
           </a:p>
@@ -940,7 +948,7 @@
             <a:pPr rtl="0"/>
             <a:fld id="{00472D23-6933-4398-B088-86D87D4569A8}" type="datetime1">
               <a:rPr lang="pt-BR" smtClean="0"/>
-              <a:t>30/05/2021</a:t>
+              <a:t>15/08/2022</a:t>
             </a:fld>
             <a:endParaRPr lang="en-US" dirty="0"/>
           </a:p>
@@ -1147,7 +1155,7 @@
             <a:pPr rtl="0"/>
             <a:fld id="{C28CAC3A-C360-423D-8EE7-1FC8754818CB}" type="datetime1">
               <a:rPr lang="pt-BR" smtClean="0"/>
-              <a:t>30/05/2021</a:t>
+              <a:t>15/08/2022</a:t>
             </a:fld>
             <a:endParaRPr lang="en-US" dirty="0"/>
           </a:p>
@@ -1513,7 +1521,7 @@
             <a:pPr rtl="0"/>
             <a:fld id="{8BBA3C67-7F45-4D7A-B048-0542E838373B}" type="datetime1">
               <a:rPr lang="pt-BR" smtClean="0"/>
-              <a:t>30/05/2021</a:t>
+              <a:t>15/08/2022</a:t>
             </a:fld>
             <a:endParaRPr lang="en-US" dirty="0"/>
           </a:p>
@@ -1715,7 +1723,7 @@
             <a:pPr rtl="0"/>
             <a:fld id="{D6866A0C-EEE8-4DE1-9ECF-51EC9C0B8BE2}" type="datetime1">
               <a:rPr lang="pt-BR" smtClean="0"/>
-              <a:t>30/05/2021</a:t>
+              <a:t>15/08/2022</a:t>
             </a:fld>
             <a:endParaRPr lang="en-US" dirty="0"/>
           </a:p>
@@ -2031,7 +2039,7 @@
             <a:pPr rtl="0"/>
             <a:fld id="{C9F9B11C-AD18-4A04-821E-C5366FCA14C8}" type="datetime1">
               <a:rPr lang="pt-BR" smtClean="0"/>
-              <a:t>30/05/2021</a:t>
+              <a:t>15/08/2022</a:t>
             </a:fld>
             <a:endParaRPr lang="en-US" dirty="0"/>
           </a:p>
@@ -2288,7 +2296,7 @@
             <a:pPr rtl="0"/>
             <a:fld id="{B34586AC-0217-4567-B29B-23EE9A9222A5}" type="datetime1">
               <a:rPr lang="pt-BR" smtClean="0"/>
-              <a:t>30/05/2021</a:t>
+              <a:t>15/08/2022</a:t>
             </a:fld>
             <a:endParaRPr lang="en-US" dirty="0"/>
           </a:p>
@@ -2714,7 +2722,7 @@
             <a:pPr rtl="0"/>
             <a:fld id="{05EA9A4D-5B4A-4536-B4F3-3781F06B7402}" type="datetime1">
               <a:rPr lang="pt-BR" smtClean="0"/>
-              <a:t>30/05/2021</a:t>
+              <a:t>15/08/2022</a:t>
             </a:fld>
             <a:endParaRPr lang="en-US" dirty="0"/>
           </a:p>
@@ -2841,7 +2849,7 @@
             <a:pPr rtl="0"/>
             <a:fld id="{45D2EFA0-DD31-4334-BD97-CA68CA1EAF7D}" type="datetime1">
               <a:rPr lang="pt-BR" smtClean="0"/>
-              <a:t>30/05/2021</a:t>
+              <a:t>15/08/2022</a:t>
             </a:fld>
             <a:endParaRPr lang="en-US" dirty="0"/>
           </a:p>
@@ -2939,7 +2947,7 @@
             <a:pPr rtl="0"/>
             <a:fld id="{3422C804-0B7D-49A4-9AA4-17093ACFAE26}" type="datetime1">
               <a:rPr lang="pt-BR" smtClean="0"/>
-              <a:t>30/05/2021</a:t>
+              <a:t>15/08/2022</a:t>
             </a:fld>
             <a:endParaRPr lang="en-US" dirty="0"/>
           </a:p>
@@ -3320,7 +3328,7 @@
             <a:pPr rtl="0"/>
             <a:fld id="{F26C5998-667C-4083-8EAC-8B78C6E30EC5}" type="datetime1">
               <a:rPr lang="pt-BR" smtClean="0"/>
-              <a:t>30/05/2021</a:t>
+              <a:t>15/08/2022</a:t>
             </a:fld>
             <a:endParaRPr lang="en-US" dirty="0"/>
           </a:p>
@@ -3618,7 +3626,7 @@
             <a:pPr rtl="0"/>
             <a:fld id="{9CBC8F94-10C4-4E0E-B702-FA76FB225505}" type="datetime1">
               <a:rPr lang="pt-BR" smtClean="0"/>
-              <a:t>30/05/2021</a:t>
+              <a:t>15/08/2022</a:t>
             </a:fld>
             <a:endParaRPr lang="en-US" dirty="0"/>
           </a:p>
@@ -3836,7 +3844,7 @@
             <a:pPr rtl="0"/>
             <a:fld id="{ACCDFDDD-D174-442B-974C-2E7F8D4F71ED}" type="datetime1">
               <a:rPr lang="pt-BR" smtClean="0"/>
-              <a:t>30/05/2021</a:t>
+              <a:t>15/08/2022</a:t>
             </a:fld>
             <a:endParaRPr lang="en-US" dirty="0"/>
           </a:p>
@@ -4569,7 +4577,31 @@
             <a:pPr rtl="0"/>
             <a:r>
               <a:rPr lang="pt-br" dirty="0"/>
-              <a:t>performance de consultas utilizando </a:t>
+              <a:t>Query perfo</a:t>
+            </a:r>
+            <a:r>
+              <a:rPr lang="pt-BR" dirty="0"/>
+              <a:t>r</a:t>
+            </a:r>
+            <a:r>
+              <a:rPr lang="pt-br" dirty="0"/>
+              <a:t>mance </a:t>
+            </a:r>
+            <a:r>
+              <a:rPr lang="pt-br" dirty="0" err="1"/>
+              <a:t>improvement</a:t>
+            </a:r>
+            <a:r>
+              <a:rPr lang="pt-br" dirty="0"/>
+              <a:t> </a:t>
+            </a:r>
+            <a:r>
+              <a:rPr lang="pt-br" dirty="0" err="1"/>
+              <a:t>using</a:t>
+            </a:r>
+            <a:r>
+              <a:rPr lang="pt-br" dirty="0"/>
+              <a:t> </a:t>
             </a:r>
             <a:r>
               <a:rPr lang="pt-br" dirty="0" err="1"/>
@@ -4875,6 +4907,1406 @@
           <p:cNvPr id="2" name="Título 1">
             <a:extLst>
               <a:ext uri="{FF2B5EF4-FFF2-40B4-BE49-F238E27FC236}">
+                <a16:creationId xmlns:a16="http://schemas.microsoft.com/office/drawing/2014/main" id="{5D6A05C2-7EF2-2DA9-A83E-E8511393591A}"/>
+              </a:ext>
+            </a:extLst>
+          </p:cNvPr>
+          <p:cNvSpPr>
+            <a:spLocks noGrp="1"/>
+          </p:cNvSpPr>
+          <p:nvPr>
+            <p:ph type="title"/>
+          </p:nvPr>
+        </p:nvSpPr>
+        <p:spPr/>
+        <p:txBody>
+          <a:bodyPr/>
+          <a:lstStyle/>
+          <a:p>
+            <a:r>
+              <a:rPr lang="pt-BR" dirty="0" err="1"/>
+              <a:t>Lazy</a:t>
+            </a:r>
+            <a:r>
+              <a:rPr lang="pt-BR" dirty="0"/>
+              <a:t> </a:t>
+            </a:r>
+            <a:r>
+              <a:rPr lang="pt-BR" dirty="0" err="1"/>
+              <a:t>loading</a:t>
+            </a:r>
+            <a:r>
+              <a:rPr lang="pt-BR" dirty="0"/>
+              <a:t> x </a:t>
+            </a:r>
+            <a:r>
+              <a:rPr lang="pt-BR" dirty="0" err="1"/>
+              <a:t>eager</a:t>
+            </a:r>
+            <a:r>
+              <a:rPr lang="pt-BR" dirty="0"/>
+              <a:t> </a:t>
+            </a:r>
+            <a:r>
+              <a:rPr lang="pt-BR" dirty="0" err="1"/>
+              <a:t>loading</a:t>
+            </a:r>
+            <a:endParaRPr lang="pt-BR" dirty="0"/>
+          </a:p>
+        </p:txBody>
+      </p:sp>
+      <p:graphicFrame>
+        <p:nvGraphicFramePr>
+          <p:cNvPr id="5" name="Tabela 5">
+            <a:extLst>
+              <a:ext uri="{FF2B5EF4-FFF2-40B4-BE49-F238E27FC236}">
+                <a16:creationId xmlns:a16="http://schemas.microsoft.com/office/drawing/2014/main" id="{98E90C55-961A-9E5A-3AD8-5C055C0C3DEE}"/>
+              </a:ext>
+            </a:extLst>
+          </p:cNvPr>
+          <p:cNvGraphicFramePr>
+            <a:graphicFrameLocks noGrp="1"/>
+          </p:cNvGraphicFramePr>
+          <p:nvPr>
+            <p:ph idx="1"/>
+            <p:extLst>
+              <p:ext uri="{D42A27DB-BD31-4B8C-83A1-F6EECF244321}">
+                <p14:modId xmlns:p14="http://schemas.microsoft.com/office/powerpoint/2010/main" val="750258286"/>
+              </p:ext>
+            </p:extLst>
+          </p:nvPr>
+        </p:nvGraphicFramePr>
+        <p:xfrm>
+          <a:off x="2725616" y="2447072"/>
+          <a:ext cx="5398476" cy="741680"/>
+        </p:xfrm>
+        <a:graphic>
+          <a:graphicData uri="http://schemas.openxmlformats.org/drawingml/2006/table">
+            <a:tbl>
+              <a:tblPr firstRow="1" bandRow="1">
+                <a:tableStyleId>{5C22544A-7EE6-4342-B048-85BDC9FD1C3A}</a:tableStyleId>
+              </a:tblPr>
+              <a:tblGrid>
+                <a:gridCol w="1740876">
+                  <a:extLst>
+                    <a:ext uri="{9D8B030D-6E8A-4147-A177-3AD203B41FA5}">
+                      <a16:colId xmlns:a16="http://schemas.microsoft.com/office/drawing/2014/main" val="945353747"/>
+                    </a:ext>
+                  </a:extLst>
+                </a:gridCol>
+                <a:gridCol w="1978270">
+                  <a:extLst>
+                    <a:ext uri="{9D8B030D-6E8A-4147-A177-3AD203B41FA5}">
+                      <a16:colId xmlns:a16="http://schemas.microsoft.com/office/drawing/2014/main" val="2482886963"/>
+                    </a:ext>
+                  </a:extLst>
+                </a:gridCol>
+                <a:gridCol w="1679330">
+                  <a:extLst>
+                    <a:ext uri="{9D8B030D-6E8A-4147-A177-3AD203B41FA5}">
+                      <a16:colId xmlns:a16="http://schemas.microsoft.com/office/drawing/2014/main" val="3927890537"/>
+                    </a:ext>
+                  </a:extLst>
+                </a:gridCol>
+              </a:tblGrid>
+              <a:tr h="370840">
+                <a:tc>
+                  <a:txBody>
+                    <a:bodyPr/>
+                    <a:lstStyle/>
+                    <a:p>
+                      <a:r>
+                        <a:rPr lang="pt-BR" dirty="0" err="1"/>
+                        <a:t>Id_book</a:t>
+                      </a:r>
+                      <a:r>
+                        <a:rPr lang="pt-BR" dirty="0"/>
+                        <a:t> (PK)</a:t>
+                      </a:r>
+                    </a:p>
+                  </a:txBody>
+                  <a:tcPr>
+                    <a:lnB w="12700" cap="flat" cmpd="sng" algn="ctr">
+                      <a:solidFill>
+                        <a:schemeClr val="tx1"/>
+                      </a:solidFill>
+                      <a:prstDash val="solid"/>
+                      <a:round/>
+                      <a:headEnd type="none" w="med" len="med"/>
+                      <a:tailEnd type="none" w="med" len="med"/>
+                    </a:lnB>
+                    <a:solidFill>
+                      <a:schemeClr val="tx1"/>
+                    </a:solidFill>
+                  </a:tcPr>
+                </a:tc>
+                <a:tc>
+                  <a:txBody>
+                    <a:bodyPr/>
+                    <a:lstStyle/>
+                    <a:p>
+                      <a:r>
+                        <a:rPr lang="pt-BR" dirty="0" err="1"/>
+                        <a:t>name</a:t>
+                      </a:r>
+                      <a:endParaRPr lang="pt-BR" dirty="0"/>
+                    </a:p>
+                  </a:txBody>
+                  <a:tcPr>
+                    <a:lnB w="12700" cap="flat" cmpd="sng" algn="ctr">
+                      <a:solidFill>
+                        <a:schemeClr val="tx1"/>
+                      </a:solidFill>
+                      <a:prstDash val="solid"/>
+                      <a:round/>
+                      <a:headEnd type="none" w="med" len="med"/>
+                      <a:tailEnd type="none" w="med" len="med"/>
+                    </a:lnB>
+                    <a:solidFill>
+                      <a:schemeClr val="tx1"/>
+                    </a:solidFill>
+                  </a:tcPr>
+                </a:tc>
+                <a:tc>
+                  <a:txBody>
+                    <a:bodyPr/>
+                    <a:lstStyle/>
+                    <a:p>
+                      <a:r>
+                        <a:rPr lang="pt-BR" dirty="0" err="1"/>
+                        <a:t>Id_author</a:t>
+                      </a:r>
+                      <a:endParaRPr lang="pt-BR" dirty="0"/>
+                    </a:p>
+                  </a:txBody>
+                  <a:tcPr>
+                    <a:lnB w="12700" cap="flat" cmpd="sng" algn="ctr">
+                      <a:solidFill>
+                        <a:schemeClr val="tx1"/>
+                      </a:solidFill>
+                      <a:prstDash val="solid"/>
+                      <a:round/>
+                      <a:headEnd type="none" w="med" len="med"/>
+                      <a:tailEnd type="none" w="med" len="med"/>
+                    </a:lnB>
+                    <a:solidFill>
+                      <a:schemeClr val="tx1"/>
+                    </a:solidFill>
+                  </a:tcPr>
+                </a:tc>
+                <a:extLst>
+                  <a:ext uri="{0D108BD9-81ED-4DB2-BD59-A6C34878D82A}">
+                    <a16:rowId xmlns:a16="http://schemas.microsoft.com/office/drawing/2014/main" val="164174078"/>
+                  </a:ext>
+                </a:extLst>
+              </a:tr>
+              <a:tr h="370840">
+                <a:tc>
+                  <a:txBody>
+                    <a:bodyPr/>
+                    <a:lstStyle/>
+                    <a:p>
+                      <a:r>
+                        <a:rPr lang="pt-BR" dirty="0"/>
+                        <a:t>1</a:t>
+                      </a:r>
+                    </a:p>
+                  </a:txBody>
+                  <a:tcPr>
+                    <a:lnL w="12700" cap="flat" cmpd="sng" algn="ctr">
+                      <a:solidFill>
+                        <a:schemeClr val="tx1"/>
+                      </a:solidFill>
+                      <a:prstDash val="solid"/>
+                      <a:round/>
+                      <a:headEnd type="none" w="med" len="med"/>
+                      <a:tailEnd type="none" w="med" len="med"/>
+                    </a:lnL>
+                    <a:lnR w="12700" cap="flat" cmpd="sng" algn="ctr">
+                      <a:solidFill>
+                        <a:schemeClr val="tx1"/>
+                      </a:solidFill>
+                      <a:prstDash val="solid"/>
+                      <a:round/>
+                      <a:headEnd type="none" w="med" len="med"/>
+                      <a:tailEnd type="none" w="med" len="med"/>
+                    </a:lnR>
+                    <a:lnT w="12700" cap="flat" cmpd="sng" algn="ctr">
+                      <a:solidFill>
+                        <a:schemeClr val="tx1"/>
+                      </a:solidFill>
+                      <a:prstDash val="solid"/>
+                      <a:round/>
+                      <a:headEnd type="none" w="med" len="med"/>
+                      <a:tailEnd type="none" w="med" len="med"/>
+                    </a:lnT>
+                    <a:lnB w="12700" cap="flat" cmpd="sng" algn="ctr">
+                      <a:solidFill>
+                        <a:schemeClr val="tx1"/>
+                      </a:solidFill>
+                      <a:prstDash val="solid"/>
+                      <a:round/>
+                      <a:headEnd type="none" w="med" len="med"/>
+                      <a:tailEnd type="none" w="med" len="med"/>
+                    </a:lnB>
+                    <a:solidFill>
+                      <a:schemeClr val="bg1">
+                        <a:lumMod val="75000"/>
+                      </a:schemeClr>
+                    </a:solidFill>
+                  </a:tcPr>
+                </a:tc>
+                <a:tc>
+                  <a:txBody>
+                    <a:bodyPr/>
+                    <a:lstStyle/>
+                    <a:p>
+                      <a:r>
+                        <a:rPr lang="pt-BR" dirty="0" err="1"/>
+                        <a:t>Inside</a:t>
+                      </a:r>
+                      <a:r>
+                        <a:rPr lang="pt-BR" dirty="0"/>
+                        <a:t> </a:t>
+                      </a:r>
+                      <a:r>
+                        <a:rPr lang="pt-BR" dirty="0" err="1"/>
+                        <a:t>the</a:t>
+                      </a:r>
+                      <a:r>
+                        <a:rPr lang="pt-BR" dirty="0"/>
+                        <a:t> Shadow</a:t>
+                      </a:r>
+                    </a:p>
+                  </a:txBody>
+                  <a:tcPr>
+                    <a:lnL w="12700" cap="flat" cmpd="sng" algn="ctr">
+                      <a:solidFill>
+                        <a:schemeClr val="tx1"/>
+                      </a:solidFill>
+                      <a:prstDash val="solid"/>
+                      <a:round/>
+                      <a:headEnd type="none" w="med" len="med"/>
+                      <a:tailEnd type="none" w="med" len="med"/>
+                    </a:lnL>
+                    <a:lnR w="12700" cap="flat" cmpd="sng" algn="ctr">
+                      <a:solidFill>
+                        <a:schemeClr val="tx1"/>
+                      </a:solidFill>
+                      <a:prstDash val="solid"/>
+                      <a:round/>
+                      <a:headEnd type="none" w="med" len="med"/>
+                      <a:tailEnd type="none" w="med" len="med"/>
+                    </a:lnR>
+                    <a:lnT w="12700" cap="flat" cmpd="sng" algn="ctr">
+                      <a:solidFill>
+                        <a:schemeClr val="tx1"/>
+                      </a:solidFill>
+                      <a:prstDash val="solid"/>
+                      <a:round/>
+                      <a:headEnd type="none" w="med" len="med"/>
+                      <a:tailEnd type="none" w="med" len="med"/>
+                    </a:lnT>
+                    <a:lnB w="12700" cap="flat" cmpd="sng" algn="ctr">
+                      <a:solidFill>
+                        <a:schemeClr val="tx1"/>
+                      </a:solidFill>
+                      <a:prstDash val="solid"/>
+                      <a:round/>
+                      <a:headEnd type="none" w="med" len="med"/>
+                      <a:tailEnd type="none" w="med" len="med"/>
+                    </a:lnB>
+                    <a:solidFill>
+                      <a:schemeClr val="bg1">
+                        <a:lumMod val="75000"/>
+                      </a:schemeClr>
+                    </a:solidFill>
+                  </a:tcPr>
+                </a:tc>
+                <a:tc>
+                  <a:txBody>
+                    <a:bodyPr/>
+                    <a:lstStyle/>
+                    <a:p>
+                      <a:r>
+                        <a:rPr lang="pt-BR" dirty="0"/>
+                        <a:t>4</a:t>
+                      </a:r>
+                    </a:p>
+                  </a:txBody>
+                  <a:tcPr>
+                    <a:lnL w="12700" cap="flat" cmpd="sng" algn="ctr">
+                      <a:solidFill>
+                        <a:schemeClr val="tx1"/>
+                      </a:solidFill>
+                      <a:prstDash val="solid"/>
+                      <a:round/>
+                      <a:headEnd type="none" w="med" len="med"/>
+                      <a:tailEnd type="none" w="med" len="med"/>
+                    </a:lnL>
+                    <a:lnR w="12700" cap="flat" cmpd="sng" algn="ctr">
+                      <a:solidFill>
+                        <a:schemeClr val="tx1"/>
+                      </a:solidFill>
+                      <a:prstDash val="solid"/>
+                      <a:round/>
+                      <a:headEnd type="none" w="med" len="med"/>
+                      <a:tailEnd type="none" w="med" len="med"/>
+                    </a:lnR>
+                    <a:lnT w="12700" cap="flat" cmpd="sng" algn="ctr">
+                      <a:solidFill>
+                        <a:schemeClr val="tx1"/>
+                      </a:solidFill>
+                      <a:prstDash val="solid"/>
+                      <a:round/>
+                      <a:headEnd type="none" w="med" len="med"/>
+                      <a:tailEnd type="none" w="med" len="med"/>
+                    </a:lnT>
+                    <a:lnB w="12700" cap="flat" cmpd="sng" algn="ctr">
+                      <a:solidFill>
+                        <a:schemeClr val="tx1"/>
+                      </a:solidFill>
+                      <a:prstDash val="solid"/>
+                      <a:round/>
+                      <a:headEnd type="none" w="med" len="med"/>
+                      <a:tailEnd type="none" w="med" len="med"/>
+                    </a:lnB>
+                    <a:solidFill>
+                      <a:schemeClr val="bg1">
+                        <a:lumMod val="75000"/>
+                      </a:schemeClr>
+                    </a:solidFill>
+                  </a:tcPr>
+                </a:tc>
+                <a:extLst>
+                  <a:ext uri="{0D108BD9-81ED-4DB2-BD59-A6C34878D82A}">
+                    <a16:rowId xmlns:a16="http://schemas.microsoft.com/office/drawing/2014/main" val="2338578421"/>
+                  </a:ext>
+                </a:extLst>
+              </a:tr>
+            </a:tbl>
+          </a:graphicData>
+        </a:graphic>
+      </p:graphicFrame>
+      <p:sp>
+        <p:nvSpPr>
+          <p:cNvPr id="4" name="Espaço Reservado para Data 3">
+            <a:extLst>
+              <a:ext uri="{FF2B5EF4-FFF2-40B4-BE49-F238E27FC236}">
+                <a16:creationId xmlns:a16="http://schemas.microsoft.com/office/drawing/2014/main" id="{65114EC4-44A9-6CD5-D6E3-626A9DF246AA}"/>
+              </a:ext>
+            </a:extLst>
+          </p:cNvPr>
+          <p:cNvSpPr>
+            <a:spLocks noGrp="1"/>
+          </p:cNvSpPr>
+          <p:nvPr>
+            <p:ph type="dt" sz="half" idx="10"/>
+          </p:nvPr>
+        </p:nvSpPr>
+        <p:spPr/>
+        <p:txBody>
+          <a:bodyPr/>
+          <a:lstStyle/>
+          <a:p>
+            <a:pPr rtl="0"/>
+            <a:fld id="{D6866A0C-EEE8-4DE1-9ECF-51EC9C0B8BE2}" type="datetime1">
+              <a:rPr lang="pt-BR" smtClean="0"/>
+              <a:t>15/08/2022</a:t>
+            </a:fld>
+            <a:endParaRPr lang="en-US" dirty="0"/>
+          </a:p>
+        </p:txBody>
+      </p:sp>
+    </p:spTree>
+    <p:extLst>
+      <p:ext uri="{BB962C8B-B14F-4D97-AF65-F5344CB8AC3E}">
+        <p14:creationId xmlns:p14="http://schemas.microsoft.com/office/powerpoint/2010/main" val="3377375739"/>
+      </p:ext>
+    </p:extLst>
+  </p:cSld>
+  <p:clrMapOvr>
+    <a:masterClrMapping/>
+  </p:clrMapOvr>
+</p:sld>
+</file>
+
+<file path=ppt/slides/slide11.xml><?xml version="1.0" encoding="utf-8"?>
+<p:sld xmlns:a="http://schemas.openxmlformats.org/drawingml/2006/main" xmlns:r="http://schemas.openxmlformats.org/officeDocument/2006/relationships" xmlns:p="http://schemas.openxmlformats.org/presentationml/2006/main">
+  <p:cSld>
+    <p:spTree>
+      <p:nvGrpSpPr>
+        <p:cNvPr id="1" name=""/>
+        <p:cNvGrpSpPr/>
+        <p:nvPr/>
+      </p:nvGrpSpPr>
+      <p:grpSpPr>
+        <a:xfrm>
+          <a:off x="0" y="0"/>
+          <a:ext cx="0" cy="0"/>
+          <a:chOff x="0" y="0"/>
+          <a:chExt cx="0" cy="0"/>
+        </a:xfrm>
+      </p:grpSpPr>
+      <p:sp>
+        <p:nvSpPr>
+          <p:cNvPr id="2" name="Título 1">
+            <a:extLst>
+              <a:ext uri="{FF2B5EF4-FFF2-40B4-BE49-F238E27FC236}">
+                <a16:creationId xmlns:a16="http://schemas.microsoft.com/office/drawing/2014/main" id="{5D6A05C2-7EF2-2DA9-A83E-E8511393591A}"/>
+              </a:ext>
+            </a:extLst>
+          </p:cNvPr>
+          <p:cNvSpPr>
+            <a:spLocks noGrp="1"/>
+          </p:cNvSpPr>
+          <p:nvPr>
+            <p:ph type="title"/>
+          </p:nvPr>
+        </p:nvSpPr>
+        <p:spPr/>
+        <p:txBody>
+          <a:bodyPr/>
+          <a:lstStyle/>
+          <a:p>
+            <a:r>
+              <a:rPr lang="pt-BR" dirty="0" err="1"/>
+              <a:t>Lazy</a:t>
+            </a:r>
+            <a:r>
+              <a:rPr lang="pt-BR" dirty="0"/>
+              <a:t> </a:t>
+            </a:r>
+            <a:r>
+              <a:rPr lang="pt-BR" dirty="0" err="1"/>
+              <a:t>loading</a:t>
+            </a:r>
+            <a:r>
+              <a:rPr lang="pt-BR" dirty="0"/>
+              <a:t> x </a:t>
+            </a:r>
+            <a:r>
+              <a:rPr lang="pt-BR" dirty="0" err="1"/>
+              <a:t>eager</a:t>
+            </a:r>
+            <a:r>
+              <a:rPr lang="pt-BR" dirty="0"/>
+              <a:t> </a:t>
+            </a:r>
+            <a:r>
+              <a:rPr lang="pt-BR" dirty="0" err="1"/>
+              <a:t>loading</a:t>
+            </a:r>
+            <a:endParaRPr lang="pt-BR" dirty="0"/>
+          </a:p>
+        </p:txBody>
+      </p:sp>
+      <p:graphicFrame>
+        <p:nvGraphicFramePr>
+          <p:cNvPr id="5" name="Tabela 5">
+            <a:extLst>
+              <a:ext uri="{FF2B5EF4-FFF2-40B4-BE49-F238E27FC236}">
+                <a16:creationId xmlns:a16="http://schemas.microsoft.com/office/drawing/2014/main" id="{98E90C55-961A-9E5A-3AD8-5C055C0C3DEE}"/>
+              </a:ext>
+            </a:extLst>
+          </p:cNvPr>
+          <p:cNvGraphicFramePr>
+            <a:graphicFrameLocks noGrp="1"/>
+          </p:cNvGraphicFramePr>
+          <p:nvPr>
+            <p:ph idx="1"/>
+          </p:nvPr>
+        </p:nvGraphicFramePr>
+        <p:xfrm>
+          <a:off x="2725616" y="2447072"/>
+          <a:ext cx="5398476" cy="741680"/>
+        </p:xfrm>
+        <a:graphic>
+          <a:graphicData uri="http://schemas.openxmlformats.org/drawingml/2006/table">
+            <a:tbl>
+              <a:tblPr firstRow="1" bandRow="1">
+                <a:tableStyleId>{5C22544A-7EE6-4342-B048-85BDC9FD1C3A}</a:tableStyleId>
+              </a:tblPr>
+              <a:tblGrid>
+                <a:gridCol w="1740876">
+                  <a:extLst>
+                    <a:ext uri="{9D8B030D-6E8A-4147-A177-3AD203B41FA5}">
+                      <a16:colId xmlns:a16="http://schemas.microsoft.com/office/drawing/2014/main" val="945353747"/>
+                    </a:ext>
+                  </a:extLst>
+                </a:gridCol>
+                <a:gridCol w="1978270">
+                  <a:extLst>
+                    <a:ext uri="{9D8B030D-6E8A-4147-A177-3AD203B41FA5}">
+                      <a16:colId xmlns:a16="http://schemas.microsoft.com/office/drawing/2014/main" val="2482886963"/>
+                    </a:ext>
+                  </a:extLst>
+                </a:gridCol>
+                <a:gridCol w="1679330">
+                  <a:extLst>
+                    <a:ext uri="{9D8B030D-6E8A-4147-A177-3AD203B41FA5}">
+                      <a16:colId xmlns:a16="http://schemas.microsoft.com/office/drawing/2014/main" val="3927890537"/>
+                    </a:ext>
+                  </a:extLst>
+                </a:gridCol>
+              </a:tblGrid>
+              <a:tr h="370840">
+                <a:tc>
+                  <a:txBody>
+                    <a:bodyPr/>
+                    <a:lstStyle/>
+                    <a:p>
+                      <a:r>
+                        <a:rPr lang="pt-BR" dirty="0" err="1"/>
+                        <a:t>Id_book</a:t>
+                      </a:r>
+                      <a:r>
+                        <a:rPr lang="pt-BR" dirty="0"/>
+                        <a:t> (PK)</a:t>
+                      </a:r>
+                    </a:p>
+                  </a:txBody>
+                  <a:tcPr>
+                    <a:lnB w="12700" cap="flat" cmpd="sng" algn="ctr">
+                      <a:solidFill>
+                        <a:schemeClr val="tx1"/>
+                      </a:solidFill>
+                      <a:prstDash val="solid"/>
+                      <a:round/>
+                      <a:headEnd type="none" w="med" len="med"/>
+                      <a:tailEnd type="none" w="med" len="med"/>
+                    </a:lnB>
+                    <a:solidFill>
+                      <a:schemeClr val="tx1"/>
+                    </a:solidFill>
+                  </a:tcPr>
+                </a:tc>
+                <a:tc>
+                  <a:txBody>
+                    <a:bodyPr/>
+                    <a:lstStyle/>
+                    <a:p>
+                      <a:r>
+                        <a:rPr lang="pt-BR" dirty="0" err="1"/>
+                        <a:t>name</a:t>
+                      </a:r>
+                      <a:endParaRPr lang="pt-BR" dirty="0"/>
+                    </a:p>
+                  </a:txBody>
+                  <a:tcPr>
+                    <a:lnB w="12700" cap="flat" cmpd="sng" algn="ctr">
+                      <a:solidFill>
+                        <a:schemeClr val="tx1"/>
+                      </a:solidFill>
+                      <a:prstDash val="solid"/>
+                      <a:round/>
+                      <a:headEnd type="none" w="med" len="med"/>
+                      <a:tailEnd type="none" w="med" len="med"/>
+                    </a:lnB>
+                    <a:solidFill>
+                      <a:schemeClr val="tx1"/>
+                    </a:solidFill>
+                  </a:tcPr>
+                </a:tc>
+                <a:tc>
+                  <a:txBody>
+                    <a:bodyPr/>
+                    <a:lstStyle/>
+                    <a:p>
+                      <a:r>
+                        <a:rPr lang="pt-BR" dirty="0" err="1"/>
+                        <a:t>Id_author</a:t>
+                      </a:r>
+                      <a:endParaRPr lang="pt-BR" dirty="0"/>
+                    </a:p>
+                  </a:txBody>
+                  <a:tcPr>
+                    <a:lnB w="12700" cap="flat" cmpd="sng" algn="ctr">
+                      <a:solidFill>
+                        <a:schemeClr val="tx1"/>
+                      </a:solidFill>
+                      <a:prstDash val="solid"/>
+                      <a:round/>
+                      <a:headEnd type="none" w="med" len="med"/>
+                      <a:tailEnd type="none" w="med" len="med"/>
+                    </a:lnB>
+                    <a:solidFill>
+                      <a:schemeClr val="tx1"/>
+                    </a:solidFill>
+                  </a:tcPr>
+                </a:tc>
+                <a:extLst>
+                  <a:ext uri="{0D108BD9-81ED-4DB2-BD59-A6C34878D82A}">
+                    <a16:rowId xmlns:a16="http://schemas.microsoft.com/office/drawing/2014/main" val="164174078"/>
+                  </a:ext>
+                </a:extLst>
+              </a:tr>
+              <a:tr h="370840">
+                <a:tc>
+                  <a:txBody>
+                    <a:bodyPr/>
+                    <a:lstStyle/>
+                    <a:p>
+                      <a:r>
+                        <a:rPr lang="pt-BR" dirty="0"/>
+                        <a:t>1</a:t>
+                      </a:r>
+                    </a:p>
+                  </a:txBody>
+                  <a:tcPr>
+                    <a:lnL w="12700" cap="flat" cmpd="sng" algn="ctr">
+                      <a:solidFill>
+                        <a:schemeClr val="tx1"/>
+                      </a:solidFill>
+                      <a:prstDash val="solid"/>
+                      <a:round/>
+                      <a:headEnd type="none" w="med" len="med"/>
+                      <a:tailEnd type="none" w="med" len="med"/>
+                    </a:lnL>
+                    <a:lnR w="12700" cap="flat" cmpd="sng" algn="ctr">
+                      <a:solidFill>
+                        <a:schemeClr val="tx1"/>
+                      </a:solidFill>
+                      <a:prstDash val="solid"/>
+                      <a:round/>
+                      <a:headEnd type="none" w="med" len="med"/>
+                      <a:tailEnd type="none" w="med" len="med"/>
+                    </a:lnR>
+                    <a:lnT w="12700" cap="flat" cmpd="sng" algn="ctr">
+                      <a:solidFill>
+                        <a:schemeClr val="tx1"/>
+                      </a:solidFill>
+                      <a:prstDash val="solid"/>
+                      <a:round/>
+                      <a:headEnd type="none" w="med" len="med"/>
+                      <a:tailEnd type="none" w="med" len="med"/>
+                    </a:lnT>
+                    <a:lnB w="12700" cap="flat" cmpd="sng" algn="ctr">
+                      <a:solidFill>
+                        <a:schemeClr val="tx1"/>
+                      </a:solidFill>
+                      <a:prstDash val="solid"/>
+                      <a:round/>
+                      <a:headEnd type="none" w="med" len="med"/>
+                      <a:tailEnd type="none" w="med" len="med"/>
+                    </a:lnB>
+                    <a:solidFill>
+                      <a:schemeClr val="bg1">
+                        <a:lumMod val="75000"/>
+                      </a:schemeClr>
+                    </a:solidFill>
+                  </a:tcPr>
+                </a:tc>
+                <a:tc>
+                  <a:txBody>
+                    <a:bodyPr/>
+                    <a:lstStyle/>
+                    <a:p>
+                      <a:r>
+                        <a:rPr lang="pt-BR" dirty="0" err="1"/>
+                        <a:t>Inside</a:t>
+                      </a:r>
+                      <a:r>
+                        <a:rPr lang="pt-BR" dirty="0"/>
+                        <a:t> </a:t>
+                      </a:r>
+                      <a:r>
+                        <a:rPr lang="pt-BR" dirty="0" err="1"/>
+                        <a:t>the</a:t>
+                      </a:r>
+                      <a:r>
+                        <a:rPr lang="pt-BR" dirty="0"/>
+                        <a:t> Shadow</a:t>
+                      </a:r>
+                    </a:p>
+                  </a:txBody>
+                  <a:tcPr>
+                    <a:lnL w="12700" cap="flat" cmpd="sng" algn="ctr">
+                      <a:solidFill>
+                        <a:schemeClr val="tx1"/>
+                      </a:solidFill>
+                      <a:prstDash val="solid"/>
+                      <a:round/>
+                      <a:headEnd type="none" w="med" len="med"/>
+                      <a:tailEnd type="none" w="med" len="med"/>
+                    </a:lnL>
+                    <a:lnR w="12700" cap="flat" cmpd="sng" algn="ctr">
+                      <a:solidFill>
+                        <a:schemeClr val="tx1"/>
+                      </a:solidFill>
+                      <a:prstDash val="solid"/>
+                      <a:round/>
+                      <a:headEnd type="none" w="med" len="med"/>
+                      <a:tailEnd type="none" w="med" len="med"/>
+                    </a:lnR>
+                    <a:lnT w="12700" cap="flat" cmpd="sng" algn="ctr">
+                      <a:solidFill>
+                        <a:schemeClr val="tx1"/>
+                      </a:solidFill>
+                      <a:prstDash val="solid"/>
+                      <a:round/>
+                      <a:headEnd type="none" w="med" len="med"/>
+                      <a:tailEnd type="none" w="med" len="med"/>
+                    </a:lnT>
+                    <a:lnB w="12700" cap="flat" cmpd="sng" algn="ctr">
+                      <a:solidFill>
+                        <a:schemeClr val="tx1"/>
+                      </a:solidFill>
+                      <a:prstDash val="solid"/>
+                      <a:round/>
+                      <a:headEnd type="none" w="med" len="med"/>
+                      <a:tailEnd type="none" w="med" len="med"/>
+                    </a:lnB>
+                    <a:solidFill>
+                      <a:schemeClr val="bg1">
+                        <a:lumMod val="75000"/>
+                      </a:schemeClr>
+                    </a:solidFill>
+                  </a:tcPr>
+                </a:tc>
+                <a:tc>
+                  <a:txBody>
+                    <a:bodyPr/>
+                    <a:lstStyle/>
+                    <a:p>
+                      <a:r>
+                        <a:rPr lang="pt-BR" dirty="0"/>
+                        <a:t>4</a:t>
+                      </a:r>
+                    </a:p>
+                  </a:txBody>
+                  <a:tcPr>
+                    <a:lnL w="12700" cap="flat" cmpd="sng" algn="ctr">
+                      <a:solidFill>
+                        <a:schemeClr val="tx1"/>
+                      </a:solidFill>
+                      <a:prstDash val="solid"/>
+                      <a:round/>
+                      <a:headEnd type="none" w="med" len="med"/>
+                      <a:tailEnd type="none" w="med" len="med"/>
+                    </a:lnL>
+                    <a:lnR w="12700" cap="flat" cmpd="sng" algn="ctr">
+                      <a:solidFill>
+                        <a:schemeClr val="tx1"/>
+                      </a:solidFill>
+                      <a:prstDash val="solid"/>
+                      <a:round/>
+                      <a:headEnd type="none" w="med" len="med"/>
+                      <a:tailEnd type="none" w="med" len="med"/>
+                    </a:lnR>
+                    <a:lnT w="12700" cap="flat" cmpd="sng" algn="ctr">
+                      <a:solidFill>
+                        <a:schemeClr val="tx1"/>
+                      </a:solidFill>
+                      <a:prstDash val="solid"/>
+                      <a:round/>
+                      <a:headEnd type="none" w="med" len="med"/>
+                      <a:tailEnd type="none" w="med" len="med"/>
+                    </a:lnT>
+                    <a:lnB w="12700" cap="flat" cmpd="sng" algn="ctr">
+                      <a:solidFill>
+                        <a:schemeClr val="tx1"/>
+                      </a:solidFill>
+                      <a:prstDash val="solid"/>
+                      <a:round/>
+                      <a:headEnd type="none" w="med" len="med"/>
+                      <a:tailEnd type="none" w="med" len="med"/>
+                    </a:lnB>
+                    <a:solidFill>
+                      <a:schemeClr val="bg1">
+                        <a:lumMod val="75000"/>
+                      </a:schemeClr>
+                    </a:solidFill>
+                  </a:tcPr>
+                </a:tc>
+                <a:extLst>
+                  <a:ext uri="{0D108BD9-81ED-4DB2-BD59-A6C34878D82A}">
+                    <a16:rowId xmlns:a16="http://schemas.microsoft.com/office/drawing/2014/main" val="2338578421"/>
+                  </a:ext>
+                </a:extLst>
+              </a:tr>
+            </a:tbl>
+          </a:graphicData>
+        </a:graphic>
+      </p:graphicFrame>
+      <p:sp>
+        <p:nvSpPr>
+          <p:cNvPr id="4" name="Espaço Reservado para Data 3">
+            <a:extLst>
+              <a:ext uri="{FF2B5EF4-FFF2-40B4-BE49-F238E27FC236}">
+                <a16:creationId xmlns:a16="http://schemas.microsoft.com/office/drawing/2014/main" id="{65114EC4-44A9-6CD5-D6E3-626A9DF246AA}"/>
+              </a:ext>
+            </a:extLst>
+          </p:cNvPr>
+          <p:cNvSpPr>
+            <a:spLocks noGrp="1"/>
+          </p:cNvSpPr>
+          <p:nvPr>
+            <p:ph type="dt" sz="half" idx="10"/>
+          </p:nvPr>
+        </p:nvSpPr>
+        <p:spPr/>
+        <p:txBody>
+          <a:bodyPr/>
+          <a:lstStyle/>
+          <a:p>
+            <a:pPr rtl="0"/>
+            <a:fld id="{D6866A0C-EEE8-4DE1-9ECF-51EC9C0B8BE2}" type="datetime1">
+              <a:rPr lang="pt-BR" smtClean="0"/>
+              <a:t>15/08/2022</a:t>
+            </a:fld>
+            <a:endParaRPr lang="en-US" dirty="0"/>
+          </a:p>
+        </p:txBody>
+      </p:sp>
+      <p:graphicFrame>
+        <p:nvGraphicFramePr>
+          <p:cNvPr id="3" name="Tabela 5">
+            <a:extLst>
+              <a:ext uri="{FF2B5EF4-FFF2-40B4-BE49-F238E27FC236}">
+                <a16:creationId xmlns:a16="http://schemas.microsoft.com/office/drawing/2014/main" id="{D8CCA2A0-C7D1-8CDB-5DFE-B35B8089A811}"/>
+              </a:ext>
+            </a:extLst>
+          </p:cNvPr>
+          <p:cNvGraphicFramePr>
+            <a:graphicFrameLocks/>
+          </p:cNvGraphicFramePr>
+          <p:nvPr>
+            <p:extLst>
+              <p:ext uri="{D42A27DB-BD31-4B8C-83A1-F6EECF244321}">
+                <p14:modId xmlns:p14="http://schemas.microsoft.com/office/powerpoint/2010/main" val="340573657"/>
+              </p:ext>
+            </p:extLst>
+          </p:nvPr>
+        </p:nvGraphicFramePr>
+        <p:xfrm>
+          <a:off x="6904893" y="5316294"/>
+          <a:ext cx="3719146" cy="741680"/>
+        </p:xfrm>
+        <a:graphic>
+          <a:graphicData uri="http://schemas.openxmlformats.org/drawingml/2006/table">
+            <a:tbl>
+              <a:tblPr firstRow="1" bandRow="1">
+                <a:tableStyleId>{5C22544A-7EE6-4342-B048-85BDC9FD1C3A}</a:tableStyleId>
+              </a:tblPr>
+              <a:tblGrid>
+                <a:gridCol w="1740876">
+                  <a:extLst>
+                    <a:ext uri="{9D8B030D-6E8A-4147-A177-3AD203B41FA5}">
+                      <a16:colId xmlns:a16="http://schemas.microsoft.com/office/drawing/2014/main" val="945353747"/>
+                    </a:ext>
+                  </a:extLst>
+                </a:gridCol>
+                <a:gridCol w="1978270">
+                  <a:extLst>
+                    <a:ext uri="{9D8B030D-6E8A-4147-A177-3AD203B41FA5}">
+                      <a16:colId xmlns:a16="http://schemas.microsoft.com/office/drawing/2014/main" val="2482886963"/>
+                    </a:ext>
+                  </a:extLst>
+                </a:gridCol>
+              </a:tblGrid>
+              <a:tr h="370840">
+                <a:tc>
+                  <a:txBody>
+                    <a:bodyPr/>
+                    <a:lstStyle/>
+                    <a:p>
+                      <a:r>
+                        <a:rPr lang="pt-BR" dirty="0" err="1"/>
+                        <a:t>Id_author</a:t>
+                      </a:r>
+                      <a:r>
+                        <a:rPr lang="pt-BR" dirty="0"/>
+                        <a:t> (PK)</a:t>
+                      </a:r>
+                    </a:p>
+                  </a:txBody>
+                  <a:tcPr>
+                    <a:lnB w="12700" cap="flat" cmpd="sng" algn="ctr">
+                      <a:solidFill>
+                        <a:schemeClr val="tx1"/>
+                      </a:solidFill>
+                      <a:prstDash val="solid"/>
+                      <a:round/>
+                      <a:headEnd type="none" w="med" len="med"/>
+                      <a:tailEnd type="none" w="med" len="med"/>
+                    </a:lnB>
+                    <a:solidFill>
+                      <a:schemeClr val="tx1"/>
+                    </a:solidFill>
+                  </a:tcPr>
+                </a:tc>
+                <a:tc>
+                  <a:txBody>
+                    <a:bodyPr/>
+                    <a:lstStyle/>
+                    <a:p>
+                      <a:r>
+                        <a:rPr lang="pt-BR" dirty="0" err="1"/>
+                        <a:t>name</a:t>
+                      </a:r>
+                      <a:endParaRPr lang="pt-BR" dirty="0"/>
+                    </a:p>
+                  </a:txBody>
+                  <a:tcPr>
+                    <a:lnB w="12700" cap="flat" cmpd="sng" algn="ctr">
+                      <a:solidFill>
+                        <a:schemeClr val="tx1"/>
+                      </a:solidFill>
+                      <a:prstDash val="solid"/>
+                      <a:round/>
+                      <a:headEnd type="none" w="med" len="med"/>
+                      <a:tailEnd type="none" w="med" len="med"/>
+                    </a:lnB>
+                    <a:solidFill>
+                      <a:schemeClr val="tx1"/>
+                    </a:solidFill>
+                  </a:tcPr>
+                </a:tc>
+                <a:extLst>
+                  <a:ext uri="{0D108BD9-81ED-4DB2-BD59-A6C34878D82A}">
+                    <a16:rowId xmlns:a16="http://schemas.microsoft.com/office/drawing/2014/main" val="164174078"/>
+                  </a:ext>
+                </a:extLst>
+              </a:tr>
+              <a:tr h="370840">
+                <a:tc>
+                  <a:txBody>
+                    <a:bodyPr/>
+                    <a:lstStyle/>
+                    <a:p>
+                      <a:r>
+                        <a:rPr lang="pt-BR" dirty="0"/>
+                        <a:t>4</a:t>
+                      </a:r>
+                    </a:p>
+                  </a:txBody>
+                  <a:tcPr>
+                    <a:lnL w="12700" cap="flat" cmpd="sng" algn="ctr">
+                      <a:solidFill>
+                        <a:schemeClr val="tx1"/>
+                      </a:solidFill>
+                      <a:prstDash val="solid"/>
+                      <a:round/>
+                      <a:headEnd type="none" w="med" len="med"/>
+                      <a:tailEnd type="none" w="med" len="med"/>
+                    </a:lnL>
+                    <a:lnR w="12700" cap="flat" cmpd="sng" algn="ctr">
+                      <a:solidFill>
+                        <a:schemeClr val="tx1"/>
+                      </a:solidFill>
+                      <a:prstDash val="solid"/>
+                      <a:round/>
+                      <a:headEnd type="none" w="med" len="med"/>
+                      <a:tailEnd type="none" w="med" len="med"/>
+                    </a:lnR>
+                    <a:lnT w="12700" cap="flat" cmpd="sng" algn="ctr">
+                      <a:solidFill>
+                        <a:schemeClr val="tx1"/>
+                      </a:solidFill>
+                      <a:prstDash val="solid"/>
+                      <a:round/>
+                      <a:headEnd type="none" w="med" len="med"/>
+                      <a:tailEnd type="none" w="med" len="med"/>
+                    </a:lnT>
+                    <a:lnB w="12700" cap="flat" cmpd="sng" algn="ctr">
+                      <a:solidFill>
+                        <a:schemeClr val="tx1"/>
+                      </a:solidFill>
+                      <a:prstDash val="solid"/>
+                      <a:round/>
+                      <a:headEnd type="none" w="med" len="med"/>
+                      <a:tailEnd type="none" w="med" len="med"/>
+                    </a:lnB>
+                    <a:solidFill>
+                      <a:schemeClr val="bg1">
+                        <a:lumMod val="75000"/>
+                      </a:schemeClr>
+                    </a:solidFill>
+                  </a:tcPr>
+                </a:tc>
+                <a:tc>
+                  <a:txBody>
+                    <a:bodyPr/>
+                    <a:lstStyle/>
+                    <a:p>
+                      <a:r>
+                        <a:rPr lang="pt-BR" dirty="0"/>
+                        <a:t>Jonas Sanders</a:t>
+                      </a:r>
+                    </a:p>
+                  </a:txBody>
+                  <a:tcPr>
+                    <a:lnL w="12700" cap="flat" cmpd="sng" algn="ctr">
+                      <a:solidFill>
+                        <a:schemeClr val="tx1"/>
+                      </a:solidFill>
+                      <a:prstDash val="solid"/>
+                      <a:round/>
+                      <a:headEnd type="none" w="med" len="med"/>
+                      <a:tailEnd type="none" w="med" len="med"/>
+                    </a:lnL>
+                    <a:lnR w="12700" cap="flat" cmpd="sng" algn="ctr">
+                      <a:solidFill>
+                        <a:schemeClr val="tx1"/>
+                      </a:solidFill>
+                      <a:prstDash val="solid"/>
+                      <a:round/>
+                      <a:headEnd type="none" w="med" len="med"/>
+                      <a:tailEnd type="none" w="med" len="med"/>
+                    </a:lnR>
+                    <a:lnT w="12700" cap="flat" cmpd="sng" algn="ctr">
+                      <a:solidFill>
+                        <a:schemeClr val="tx1"/>
+                      </a:solidFill>
+                      <a:prstDash val="solid"/>
+                      <a:round/>
+                      <a:headEnd type="none" w="med" len="med"/>
+                      <a:tailEnd type="none" w="med" len="med"/>
+                    </a:lnT>
+                    <a:lnB w="12700" cap="flat" cmpd="sng" algn="ctr">
+                      <a:solidFill>
+                        <a:schemeClr val="tx1"/>
+                      </a:solidFill>
+                      <a:prstDash val="solid"/>
+                      <a:round/>
+                      <a:headEnd type="none" w="med" len="med"/>
+                      <a:tailEnd type="none" w="med" len="med"/>
+                    </a:lnB>
+                    <a:solidFill>
+                      <a:schemeClr val="bg1">
+                        <a:lumMod val="75000"/>
+                      </a:schemeClr>
+                    </a:solidFill>
+                  </a:tcPr>
+                </a:tc>
+                <a:extLst>
+                  <a:ext uri="{0D108BD9-81ED-4DB2-BD59-A6C34878D82A}">
+                    <a16:rowId xmlns:a16="http://schemas.microsoft.com/office/drawing/2014/main" val="2338578421"/>
+                  </a:ext>
+                </a:extLst>
+              </a:tr>
+            </a:tbl>
+          </a:graphicData>
+        </a:graphic>
+      </p:graphicFrame>
+      <p:cxnSp>
+        <p:nvCxnSpPr>
+          <p:cNvPr id="9" name="Conector de Seta Reta 8">
+            <a:extLst>
+              <a:ext uri="{FF2B5EF4-FFF2-40B4-BE49-F238E27FC236}">
+                <a16:creationId xmlns:a16="http://schemas.microsoft.com/office/drawing/2014/main" id="{300218AD-6D13-7875-9E7C-C2DD33F61AA5}"/>
+              </a:ext>
+            </a:extLst>
+          </p:cNvPr>
+          <p:cNvCxnSpPr/>
+          <p:nvPr/>
+        </p:nvCxnSpPr>
+        <p:spPr>
+          <a:xfrm flipV="1">
+            <a:off x="7244862" y="3261946"/>
+            <a:ext cx="0" cy="2054348"/>
+          </a:xfrm>
+          <a:prstGeom prst="straightConnector1">
+            <a:avLst/>
+          </a:prstGeom>
+          <a:ln>
+            <a:tailEnd type="triangle"/>
+          </a:ln>
+        </p:spPr>
+        <p:style>
+          <a:lnRef idx="2">
+            <a:schemeClr val="dk1"/>
+          </a:lnRef>
+          <a:fillRef idx="0">
+            <a:schemeClr val="dk1"/>
+          </a:fillRef>
+          <a:effectRef idx="1">
+            <a:schemeClr val="dk1"/>
+          </a:effectRef>
+          <a:fontRef idx="minor">
+            <a:schemeClr val="tx1"/>
+          </a:fontRef>
+        </p:style>
+      </p:cxnSp>
+    </p:spTree>
+    <p:extLst>
+      <p:ext uri="{BB962C8B-B14F-4D97-AF65-F5344CB8AC3E}">
+        <p14:creationId xmlns:p14="http://schemas.microsoft.com/office/powerpoint/2010/main" val="333286280"/>
+      </p:ext>
+    </p:extLst>
+  </p:cSld>
+  <p:clrMapOvr>
+    <a:masterClrMapping/>
+  </p:clrMapOvr>
+</p:sld>
+</file>
+
+<file path=ppt/slides/slide12.xml><?xml version="1.0" encoding="utf-8"?>
+<p:sld xmlns:a="http://schemas.openxmlformats.org/drawingml/2006/main" xmlns:r="http://schemas.openxmlformats.org/officeDocument/2006/relationships" xmlns:p="http://schemas.openxmlformats.org/presentationml/2006/main">
+  <p:cSld>
+    <p:spTree>
+      <p:nvGrpSpPr>
+        <p:cNvPr id="1" name=""/>
+        <p:cNvGrpSpPr/>
+        <p:nvPr/>
+      </p:nvGrpSpPr>
+      <p:grpSpPr>
+        <a:xfrm>
+          <a:off x="0" y="0"/>
+          <a:ext cx="0" cy="0"/>
+          <a:chOff x="0" y="0"/>
+          <a:chExt cx="0" cy="0"/>
+        </a:xfrm>
+      </p:grpSpPr>
+      <p:sp>
+        <p:nvSpPr>
+          <p:cNvPr id="2" name="Título 1">
+            <a:extLst>
+              <a:ext uri="{FF2B5EF4-FFF2-40B4-BE49-F238E27FC236}">
+                <a16:creationId xmlns:a16="http://schemas.microsoft.com/office/drawing/2014/main" id="{7B43D11B-CFB4-47E2-9D10-4D3615E76BFA}"/>
+              </a:ext>
+            </a:extLst>
+          </p:cNvPr>
+          <p:cNvSpPr>
+            <a:spLocks noGrp="1"/>
+          </p:cNvSpPr>
+          <p:nvPr>
+            <p:ph type="title"/>
+          </p:nvPr>
+        </p:nvSpPr>
+        <p:spPr/>
+        <p:txBody>
+          <a:bodyPr/>
+          <a:lstStyle/>
+          <a:p>
+            <a:r>
+              <a:rPr lang="pt-BR" dirty="0"/>
+              <a:t>Query </a:t>
+            </a:r>
+            <a:r>
+              <a:rPr lang="pt-BR" dirty="0" err="1"/>
+              <a:t>with</a:t>
+            </a:r>
+            <a:r>
+              <a:rPr lang="pt-BR" dirty="0"/>
+              <a:t> </a:t>
+            </a:r>
+            <a:r>
+              <a:rPr lang="pt-BR" dirty="0" err="1"/>
+              <a:t>jpa</a:t>
+            </a:r>
+            <a:endParaRPr lang="pt-BR" dirty="0"/>
+          </a:p>
+        </p:txBody>
+      </p:sp>
+      <p:sp>
+        <p:nvSpPr>
+          <p:cNvPr id="3" name="Espaço Reservado para Conteúdo 2">
+            <a:extLst>
+              <a:ext uri="{FF2B5EF4-FFF2-40B4-BE49-F238E27FC236}">
+                <a16:creationId xmlns:a16="http://schemas.microsoft.com/office/drawing/2014/main" id="{73E77027-F435-43E6-8E8C-19A379C60AEB}"/>
+              </a:ext>
+            </a:extLst>
+          </p:cNvPr>
+          <p:cNvSpPr>
+            <a:spLocks noGrp="1"/>
+          </p:cNvSpPr>
+          <p:nvPr>
+            <p:ph idx="1"/>
+          </p:nvPr>
+        </p:nvSpPr>
+        <p:spPr/>
+        <p:txBody>
+          <a:bodyPr/>
+          <a:lstStyle/>
+          <a:p>
+            <a:r>
+              <a:rPr lang="pt-BR" dirty="0" err="1"/>
+              <a:t>Criteria</a:t>
+            </a:r>
+            <a:endParaRPr lang="pt-BR" dirty="0"/>
+          </a:p>
+          <a:p>
+            <a:pPr lvl="1"/>
+            <a:r>
+              <a:rPr lang="pt-BR" dirty="0" err="1"/>
+              <a:t>Higher-level</a:t>
+            </a:r>
+            <a:r>
+              <a:rPr lang="pt-BR" dirty="0"/>
+              <a:t>. </a:t>
+            </a:r>
+            <a:r>
+              <a:rPr lang="pt-BR" dirty="0" err="1"/>
+              <a:t>Used</a:t>
+            </a:r>
+            <a:r>
+              <a:rPr lang="pt-BR" dirty="0"/>
+              <a:t> in </a:t>
+            </a:r>
+            <a:r>
+              <a:rPr lang="pt-BR" dirty="0" err="1"/>
+              <a:t>inherited</a:t>
+            </a:r>
+            <a:r>
+              <a:rPr lang="pt-BR" dirty="0"/>
+              <a:t> </a:t>
+            </a:r>
+            <a:r>
+              <a:rPr lang="pt-BR" dirty="0" err="1"/>
+              <a:t>operation</a:t>
+            </a:r>
+            <a:r>
+              <a:rPr lang="pt-BR" dirty="0"/>
+              <a:t>.</a:t>
+            </a:r>
+          </a:p>
+          <a:p>
+            <a:r>
+              <a:rPr lang="pt-BR" dirty="0"/>
+              <a:t>JPQL</a:t>
+            </a:r>
+          </a:p>
+          <a:p>
+            <a:pPr lvl="1"/>
+            <a:r>
+              <a:rPr lang="pt-BR" dirty="0"/>
+              <a:t>JPA Query </a:t>
+            </a:r>
+            <a:r>
+              <a:rPr lang="pt-BR" dirty="0" err="1"/>
+              <a:t>Languange</a:t>
+            </a:r>
+            <a:r>
+              <a:rPr lang="pt-BR" dirty="0"/>
+              <a:t>. </a:t>
+            </a:r>
+            <a:r>
+              <a:rPr lang="pt-BR" dirty="0" err="1"/>
+              <a:t>Very</a:t>
+            </a:r>
+            <a:r>
+              <a:rPr lang="pt-BR" dirty="0"/>
+              <a:t> close </a:t>
+            </a:r>
+            <a:r>
+              <a:rPr lang="pt-BR" dirty="0" err="1"/>
+              <a:t>to</a:t>
+            </a:r>
+            <a:r>
+              <a:rPr lang="pt-BR" dirty="0"/>
+              <a:t> </a:t>
+            </a:r>
+            <a:r>
+              <a:rPr lang="pt-BR" dirty="0" err="1"/>
+              <a:t>the</a:t>
+            </a:r>
+            <a:r>
+              <a:rPr lang="pt-BR" dirty="0"/>
+              <a:t> SQL </a:t>
+            </a:r>
+            <a:r>
+              <a:rPr lang="pt-BR" dirty="0" err="1"/>
+              <a:t>Language</a:t>
+            </a:r>
+            <a:r>
+              <a:rPr lang="pt-BR" dirty="0"/>
+              <a:t>.</a:t>
+            </a:r>
+          </a:p>
+          <a:p>
+            <a:r>
+              <a:rPr lang="pt-BR" dirty="0"/>
+              <a:t>SQL</a:t>
+            </a:r>
+          </a:p>
+          <a:p>
+            <a:pPr lvl="1"/>
+            <a:r>
+              <a:rPr lang="pt-BR" dirty="0" err="1"/>
+              <a:t>Structured</a:t>
+            </a:r>
+            <a:r>
+              <a:rPr lang="pt-BR" dirty="0"/>
+              <a:t> Query </a:t>
+            </a:r>
+            <a:r>
+              <a:rPr lang="pt-BR" dirty="0" err="1"/>
+              <a:t>Language</a:t>
+            </a:r>
+            <a:r>
+              <a:rPr lang="pt-BR" dirty="0"/>
+              <a:t>.</a:t>
+            </a:r>
+          </a:p>
+        </p:txBody>
+      </p:sp>
+      <p:sp>
+        <p:nvSpPr>
+          <p:cNvPr id="4" name="Espaço Reservado para Data 3">
+            <a:extLst>
+              <a:ext uri="{FF2B5EF4-FFF2-40B4-BE49-F238E27FC236}">
+                <a16:creationId xmlns:a16="http://schemas.microsoft.com/office/drawing/2014/main" id="{4E7F389D-CB02-4CF3-A714-18FC7B56BA2A}"/>
+              </a:ext>
+            </a:extLst>
+          </p:cNvPr>
+          <p:cNvSpPr>
+            <a:spLocks noGrp="1"/>
+          </p:cNvSpPr>
+          <p:nvPr>
+            <p:ph type="dt" sz="half" idx="10"/>
+          </p:nvPr>
+        </p:nvSpPr>
+        <p:spPr/>
+        <p:txBody>
+          <a:bodyPr/>
+          <a:lstStyle/>
+          <a:p>
+            <a:pPr rtl="0"/>
+            <a:fld id="{D6866A0C-EEE8-4DE1-9ECF-51EC9C0B8BE2}" type="datetime1">
+              <a:rPr lang="pt-BR" smtClean="0"/>
+              <a:t>15/08/2022</a:t>
+            </a:fld>
+            <a:endParaRPr lang="en-US" dirty="0"/>
+          </a:p>
+        </p:txBody>
+      </p:sp>
+    </p:spTree>
+    <p:extLst>
+      <p:ext uri="{BB962C8B-B14F-4D97-AF65-F5344CB8AC3E}">
+        <p14:creationId xmlns:p14="http://schemas.microsoft.com/office/powerpoint/2010/main" val="4016176767"/>
+      </p:ext>
+    </p:extLst>
+  </p:cSld>
+  <p:clrMapOvr>
+    <a:masterClrMapping/>
+  </p:clrMapOvr>
+</p:sld>
+</file>
+
+<file path=ppt/slides/slide13.xml><?xml version="1.0" encoding="utf-8"?>
+<p:sld xmlns:a="http://schemas.openxmlformats.org/drawingml/2006/main" xmlns:r="http://schemas.openxmlformats.org/officeDocument/2006/relationships" xmlns:p="http://schemas.openxmlformats.org/presentationml/2006/main">
+  <p:cSld>
+    <p:spTree>
+      <p:nvGrpSpPr>
+        <p:cNvPr id="1" name=""/>
+        <p:cNvGrpSpPr/>
+        <p:nvPr/>
+      </p:nvGrpSpPr>
+      <p:grpSpPr>
+        <a:xfrm>
+          <a:off x="0" y="0"/>
+          <a:ext cx="0" cy="0"/>
+          <a:chOff x="0" y="0"/>
+          <a:chExt cx="0" cy="0"/>
+        </a:xfrm>
+      </p:grpSpPr>
+      <p:sp>
+        <p:nvSpPr>
+          <p:cNvPr id="2" name="Título 1">
+            <a:extLst>
+              <a:ext uri="{FF2B5EF4-FFF2-40B4-BE49-F238E27FC236}">
                 <a16:creationId xmlns:a16="http://schemas.microsoft.com/office/drawing/2014/main" id="{0AA3A23D-82F3-41B3-B7B6-ADE76FD16701}"/>
               </a:ext>
             </a:extLst>
@@ -4893,8 +6325,21 @@
           <a:p>
             <a:r>
               <a:rPr lang="pt-BR" dirty="0"/>
-              <a:t>Consulta com JPA</a:t>
-            </a:r>
+              <a:t>Query </a:t>
+            </a:r>
+            <a:r>
+              <a:rPr lang="pt-BR" dirty="0" err="1"/>
+              <a:t>with</a:t>
+            </a:r>
+            <a:r>
+              <a:rPr lang="pt-BR" dirty="0"/>
+              <a:t> </a:t>
+            </a:r>
+            <a:r>
+              <a:rPr lang="pt-BR" dirty="0" err="1"/>
+              <a:t>jpa</a:t>
+            </a:r>
+            <a:endParaRPr lang="pt-BR" dirty="0"/>
           </a:p>
         </p:txBody>
       </p:sp>
@@ -4920,23 +6365,101 @@
           <a:lstStyle/>
           <a:p>
             <a:r>
-              <a:rPr lang="pt-BR" dirty="0"/>
-              <a:t>JPQL</a:t>
-            </a:r>
+              <a:rPr lang="pt-BR" dirty="0" err="1"/>
+              <a:t>Criteria</a:t>
+            </a:r>
+            <a:endParaRPr lang="pt-BR" dirty="0"/>
           </a:p>
           <a:p>
             <a:pPr lvl="1"/>
             <a:r>
               <a:rPr lang="pt-BR" dirty="0"/>
-              <a:t>Parecido com SQL</a:t>
-            </a:r>
+              <a:t>More </a:t>
+            </a:r>
+            <a:r>
+              <a:rPr lang="pt-BR" dirty="0" err="1"/>
+              <a:t>Abstraction</a:t>
+            </a:r>
+            <a:endParaRPr lang="pt-BR" dirty="0"/>
           </a:p>
           <a:p>
             <a:pPr lvl="1"/>
             <a:r>
               <a:rPr lang="pt-BR" dirty="0"/>
-              <a:t>Projeção</a:t>
-            </a:r>
+              <a:t>Uses </a:t>
+            </a:r>
+            <a:r>
+              <a:rPr lang="pt-BR" dirty="0" err="1"/>
+              <a:t>the</a:t>
+            </a:r>
+            <a:r>
+              <a:rPr lang="pt-BR" dirty="0"/>
+              <a:t> </a:t>
+            </a:r>
+            <a:r>
+              <a:rPr lang="pt-BR" dirty="0" err="1"/>
+              <a:t>structure</a:t>
+            </a:r>
+            <a:r>
+              <a:rPr lang="pt-BR" dirty="0"/>
+              <a:t> </a:t>
+            </a:r>
+            <a:r>
+              <a:rPr lang="pt-BR" dirty="0" err="1"/>
+              <a:t>defined</a:t>
+            </a:r>
+            <a:r>
+              <a:rPr lang="pt-BR" dirty="0"/>
+              <a:t> in </a:t>
+            </a:r>
+            <a:r>
+              <a:rPr lang="pt-BR" dirty="0" err="1"/>
+              <a:t>the</a:t>
+            </a:r>
+            <a:r>
+              <a:rPr lang="pt-BR" dirty="0"/>
+              <a:t> </a:t>
+            </a:r>
+            <a:r>
+              <a:rPr lang="pt-BR" dirty="0" err="1"/>
+              <a:t>Entities</a:t>
+            </a:r>
+            <a:r>
+              <a:rPr lang="pt-BR" dirty="0"/>
+              <a:t> as a Road Map </a:t>
+            </a:r>
+            <a:r>
+              <a:rPr lang="pt-BR" dirty="0" err="1"/>
+              <a:t>to</a:t>
+            </a:r>
+            <a:r>
+              <a:rPr lang="pt-BR" dirty="0"/>
+              <a:t> </a:t>
+            </a:r>
+            <a:r>
+              <a:rPr lang="pt-BR" dirty="0" err="1"/>
+              <a:t>create</a:t>
+            </a:r>
+            <a:r>
+              <a:rPr lang="pt-BR" dirty="0"/>
+              <a:t> </a:t>
+            </a:r>
+            <a:r>
+              <a:rPr lang="pt-BR" dirty="0" err="1"/>
+              <a:t>the</a:t>
+            </a:r>
+            <a:r>
+              <a:rPr lang="pt-BR" dirty="0"/>
+              <a:t> Queries</a:t>
+            </a:r>
+          </a:p>
+          <a:p>
+            <a:pPr lvl="1"/>
+            <a:r>
+              <a:rPr lang="pt-BR" dirty="0" err="1"/>
+              <a:t>JpaRepository</a:t>
+            </a:r>
+            <a:endParaRPr lang="pt-BR" dirty="0"/>
           </a:p>
           <a:p>
             <a:pPr lvl="1"/>
@@ -4992,7 +6515,298 @@
             <a:pPr rtl="0"/>
             <a:fld id="{D6866A0C-EEE8-4DE1-9ECF-51EC9C0B8BE2}" type="datetime1">
               <a:rPr lang="pt-BR" smtClean="0"/>
-              <a:t>30/05/2021</a:t>
+              <a:t>15/08/2022</a:t>
+            </a:fld>
+            <a:endParaRPr lang="en-US" dirty="0"/>
+          </a:p>
+        </p:txBody>
+      </p:sp>
+      <p:pic>
+        <p:nvPicPr>
+          <p:cNvPr id="6" name="Imagem 5">
+            <a:extLst>
+              <a:ext uri="{FF2B5EF4-FFF2-40B4-BE49-F238E27FC236}">
+                <a16:creationId xmlns:a16="http://schemas.microsoft.com/office/drawing/2014/main" id="{99AF2051-7CF6-42D0-8FDE-89CF4C0F7A3C}"/>
+              </a:ext>
+            </a:extLst>
+          </p:cNvPr>
+          <p:cNvPicPr>
+            <a:picLocks noChangeAspect="1"/>
+          </p:cNvPicPr>
+          <p:nvPr/>
+        </p:nvPicPr>
+        <p:blipFill>
+          <a:blip r:embed="rId2"/>
+          <a:stretch>
+            <a:fillRect/>
+          </a:stretch>
+        </p:blipFill>
+        <p:spPr>
+          <a:xfrm>
+            <a:off x="1338044" y="3935835"/>
+            <a:ext cx="3962400" cy="1066800"/>
+          </a:xfrm>
+          <a:prstGeom prst="rect">
+            <a:avLst/>
+          </a:prstGeom>
+        </p:spPr>
+        <p:style>
+          <a:lnRef idx="2">
+            <a:schemeClr val="dk1"/>
+          </a:lnRef>
+          <a:fillRef idx="1">
+            <a:schemeClr val="lt1"/>
+          </a:fillRef>
+          <a:effectRef idx="0">
+            <a:schemeClr val="dk1"/>
+          </a:effectRef>
+          <a:fontRef idx="minor">
+            <a:schemeClr val="dk1"/>
+          </a:fontRef>
+        </p:style>
+      </p:pic>
+    </p:spTree>
+    <p:extLst>
+      <p:ext uri="{BB962C8B-B14F-4D97-AF65-F5344CB8AC3E}">
+        <p14:creationId xmlns:p14="http://schemas.microsoft.com/office/powerpoint/2010/main" val="4165617889"/>
+      </p:ext>
+    </p:extLst>
+  </p:cSld>
+  <p:clrMapOvr>
+    <a:masterClrMapping/>
+  </p:clrMapOvr>
+  <p:timing>
+    <p:tnLst>
+      <p:par>
+        <p:cTn id="1" dur="indefinite" restart="never" nodeType="tmRoot">
+          <p:childTnLst>
+            <p:seq concurrent="1" nextAc="seek">
+              <p:cTn id="2" dur="indefinite" nodeType="mainSeq">
+                <p:childTnLst>
+                  <p:par>
+                    <p:cTn id="3" fill="hold">
+                      <p:stCondLst>
+                        <p:cond delay="indefinite"/>
+                      </p:stCondLst>
+                      <p:childTnLst>
+                        <p:par>
+                          <p:cTn id="4" fill="hold">
+                            <p:stCondLst>
+                              <p:cond delay="0"/>
+                            </p:stCondLst>
+                            <p:childTnLst>
+                              <p:par>
+                                <p:cTn id="5" presetID="1" presetClass="entr" presetSubtype="0" fill="hold" nodeType="clickEffect">
+                                  <p:stCondLst>
+                                    <p:cond delay="0"/>
+                                  </p:stCondLst>
+                                  <p:childTnLst>
+                                    <p:set>
+                                      <p:cBhvr>
+                                        <p:cTn id="6" dur="1" fill="hold">
+                                          <p:stCondLst>
+                                            <p:cond delay="0"/>
+                                          </p:stCondLst>
+                                        </p:cTn>
+                                        <p:tgtEl>
+                                          <p:spTgt spid="6"/>
+                                        </p:tgtEl>
+                                        <p:attrNameLst>
+                                          <p:attrName>style.visibility</p:attrName>
+                                        </p:attrNameLst>
+                                      </p:cBhvr>
+                                      <p:to>
+                                        <p:strVal val="visible"/>
+                                      </p:to>
+                                    </p:set>
+                                  </p:childTnLst>
+                                </p:cTn>
+                              </p:par>
+                            </p:childTnLst>
+                          </p:cTn>
+                        </p:par>
+                      </p:childTnLst>
+                    </p:cTn>
+                  </p:par>
+                </p:childTnLst>
+              </p:cTn>
+              <p:prevCondLst>
+                <p:cond evt="onPrev" delay="0">
+                  <p:tgtEl>
+                    <p:sldTgt/>
+                  </p:tgtEl>
+                </p:cond>
+              </p:prevCondLst>
+              <p:nextCondLst>
+                <p:cond evt="onNext" delay="0">
+                  <p:tgtEl>
+                    <p:sldTgt/>
+                  </p:tgtEl>
+                </p:cond>
+              </p:nextCondLst>
+            </p:seq>
+          </p:childTnLst>
+        </p:cTn>
+      </p:par>
+    </p:tnLst>
+  </p:timing>
+</p:sld>
+</file>
+
+<file path=ppt/slides/slide14.xml><?xml version="1.0" encoding="utf-8"?>
+<p:sld xmlns:a="http://schemas.openxmlformats.org/drawingml/2006/main" xmlns:r="http://schemas.openxmlformats.org/officeDocument/2006/relationships" xmlns:p="http://schemas.openxmlformats.org/presentationml/2006/main">
+  <p:cSld>
+    <p:spTree>
+      <p:nvGrpSpPr>
+        <p:cNvPr id="1" name=""/>
+        <p:cNvGrpSpPr/>
+        <p:nvPr/>
+      </p:nvGrpSpPr>
+      <p:grpSpPr>
+        <a:xfrm>
+          <a:off x="0" y="0"/>
+          <a:ext cx="0" cy="0"/>
+          <a:chOff x="0" y="0"/>
+          <a:chExt cx="0" cy="0"/>
+        </a:xfrm>
+      </p:grpSpPr>
+      <p:sp>
+        <p:nvSpPr>
+          <p:cNvPr id="2" name="Título 1">
+            <a:extLst>
+              <a:ext uri="{FF2B5EF4-FFF2-40B4-BE49-F238E27FC236}">
+                <a16:creationId xmlns:a16="http://schemas.microsoft.com/office/drawing/2014/main" id="{0AA3A23D-82F3-41B3-B7B6-ADE76FD16701}"/>
+              </a:ext>
+            </a:extLst>
+          </p:cNvPr>
+          <p:cNvSpPr>
+            <a:spLocks noGrp="1"/>
+          </p:cNvSpPr>
+          <p:nvPr>
+            <p:ph type="title"/>
+          </p:nvPr>
+        </p:nvSpPr>
+        <p:spPr/>
+        <p:txBody>
+          <a:bodyPr/>
+          <a:lstStyle/>
+          <a:p>
+            <a:r>
+              <a:rPr lang="pt-BR" dirty="0"/>
+              <a:t>Query </a:t>
+            </a:r>
+            <a:r>
+              <a:rPr lang="pt-BR" dirty="0" err="1"/>
+              <a:t>with</a:t>
+            </a:r>
+            <a:r>
+              <a:rPr lang="pt-BR" dirty="0"/>
+              <a:t> </a:t>
+            </a:r>
+            <a:r>
+              <a:rPr lang="pt-BR" dirty="0" err="1"/>
+              <a:t>jpa</a:t>
+            </a:r>
+            <a:endParaRPr lang="pt-BR" dirty="0"/>
+          </a:p>
+        </p:txBody>
+      </p:sp>
+      <p:sp>
+        <p:nvSpPr>
+          <p:cNvPr id="3" name="Espaço Reservado para Conteúdo 2">
+            <a:extLst>
+              <a:ext uri="{FF2B5EF4-FFF2-40B4-BE49-F238E27FC236}">
+                <a16:creationId xmlns:a16="http://schemas.microsoft.com/office/drawing/2014/main" id="{6C9F4678-87BD-4AD2-A4CE-1B826DE3E531}"/>
+              </a:ext>
+            </a:extLst>
+          </p:cNvPr>
+          <p:cNvSpPr>
+            <a:spLocks noGrp="1"/>
+          </p:cNvSpPr>
+          <p:nvPr>
+            <p:ph idx="1"/>
+          </p:nvPr>
+        </p:nvSpPr>
+        <p:spPr/>
+        <p:txBody>
+          <a:bodyPr/>
+          <a:lstStyle/>
+          <a:p>
+            <a:r>
+              <a:rPr lang="pt-BR" dirty="0"/>
+              <a:t>JPQL</a:t>
+            </a:r>
+          </a:p>
+          <a:p>
+            <a:pPr lvl="1"/>
+            <a:r>
+              <a:rPr lang="pt-BR" dirty="0"/>
+              <a:t>SQL ‘Look-a-like’</a:t>
+            </a:r>
+          </a:p>
+          <a:p>
+            <a:pPr lvl="1"/>
+            <a:r>
+              <a:rPr lang="pt-BR" dirty="0" err="1"/>
+              <a:t>Projection</a:t>
+            </a:r>
+            <a:endParaRPr lang="pt-BR" dirty="0"/>
+          </a:p>
+          <a:p>
+            <a:pPr lvl="1"/>
+            <a:endParaRPr lang="pt-BR" dirty="0"/>
+          </a:p>
+          <a:p>
+            <a:pPr lvl="1"/>
+            <a:endParaRPr lang="pt-BR" dirty="0"/>
+          </a:p>
+          <a:p>
+            <a:pPr lvl="1"/>
+            <a:endParaRPr lang="pt-BR" dirty="0"/>
+          </a:p>
+          <a:p>
+            <a:pPr lvl="1"/>
+            <a:endParaRPr lang="pt-BR" dirty="0"/>
+          </a:p>
+          <a:p>
+            <a:pPr lvl="1"/>
+            <a:endParaRPr lang="pt-BR" dirty="0"/>
+          </a:p>
+          <a:p>
+            <a:pPr lvl="1"/>
+            <a:endParaRPr lang="pt-BR" dirty="0"/>
+          </a:p>
+          <a:p>
+            <a:pPr lvl="1"/>
+            <a:endParaRPr lang="pt-BR" dirty="0"/>
+          </a:p>
+        </p:txBody>
+      </p:sp>
+      <p:sp>
+        <p:nvSpPr>
+          <p:cNvPr id="4" name="Espaço Reservado para Data 3">
+            <a:extLst>
+              <a:ext uri="{FF2B5EF4-FFF2-40B4-BE49-F238E27FC236}">
+                <a16:creationId xmlns:a16="http://schemas.microsoft.com/office/drawing/2014/main" id="{DDCF96BE-7208-4948-8915-F2C41819DD79}"/>
+              </a:ext>
+            </a:extLst>
+          </p:cNvPr>
+          <p:cNvSpPr>
+            <a:spLocks noGrp="1"/>
+          </p:cNvSpPr>
+          <p:nvPr>
+            <p:ph type="dt" sz="half" idx="10"/>
+          </p:nvPr>
+        </p:nvSpPr>
+        <p:spPr/>
+        <p:txBody>
+          <a:bodyPr/>
+          <a:lstStyle/>
+          <a:p>
+            <a:pPr rtl="0"/>
+            <a:fld id="{D6866A0C-EEE8-4DE1-9ECF-51EC9C0B8BE2}" type="datetime1">
+              <a:rPr lang="pt-BR" smtClean="0"/>
+              <a:t>15/08/2022</a:t>
             </a:fld>
             <a:endParaRPr lang="en-US" dirty="0"/>
           </a:p>
@@ -5055,7 +6869,7 @@
 </p:sld>
 </file>
 
-<file path=ppt/slides/slide11.xml><?xml version="1.0" encoding="utf-8"?>
+<file path=ppt/slides/slide15.xml><?xml version="1.0" encoding="utf-8"?>
 <p:sld xmlns:a="http://schemas.openxmlformats.org/drawingml/2006/main" xmlns:r="http://schemas.openxmlformats.org/officeDocument/2006/relationships" xmlns:p="http://schemas.openxmlformats.org/presentationml/2006/main">
   <p:cSld>
     <p:spTree>
@@ -5094,8 +6908,12 @@
           <a:lstStyle/>
           <a:p>
             <a:r>
-              <a:rPr lang="pt-BR" dirty="0"/>
-              <a:t>Cenário 1 – </a:t>
+              <a:rPr lang="pt-BR" dirty="0" err="1"/>
+              <a:t>scenario</a:t>
+            </a:r>
+            <a:r>
+              <a:rPr lang="pt-BR" dirty="0"/>
+              <a:t> 1 – </a:t>
             </a:r>
             <a:r>
               <a:rPr lang="pt-BR" dirty="0" err="1"/>
@@ -5196,7 +7014,7 @@
             <a:pPr rtl="0"/>
             <a:fld id="{D6866A0C-EEE8-4DE1-9ECF-51EC9C0B8BE2}" type="datetime1">
               <a:rPr lang="pt-BR" smtClean="0"/>
-              <a:t>30/05/2021</a:t>
+              <a:t>15/08/2022</a:t>
             </a:fld>
             <a:endParaRPr lang="en-US" dirty="0"/>
           </a:p>
@@ -5379,7 +7197,7 @@
 </p:sld>
 </file>
 
-<file path=ppt/slides/slide12.xml><?xml version="1.0" encoding="utf-8"?>
+<file path=ppt/slides/slide16.xml><?xml version="1.0" encoding="utf-8"?>
 <p:sld xmlns:a="http://schemas.openxmlformats.org/drawingml/2006/main" xmlns:r="http://schemas.openxmlformats.org/officeDocument/2006/relationships" xmlns:p="http://schemas.openxmlformats.org/presentationml/2006/main">
   <p:cSld>
     <p:spTree>
@@ -5418,8 +7236,12 @@
           <a:lstStyle/>
           <a:p>
             <a:r>
-              <a:rPr lang="pt-BR" dirty="0"/>
-              <a:t>Cenário 1 – </a:t>
+              <a:rPr lang="pt-BR" dirty="0" err="1"/>
+              <a:t>scenario</a:t>
+            </a:r>
+            <a:r>
+              <a:rPr lang="pt-BR" dirty="0"/>
+              <a:t> 1 – </a:t>
             </a:r>
             <a:r>
               <a:rPr lang="pt-BR" dirty="0" err="1"/>
@@ -5523,7 +7345,7 @@
             <a:pPr rtl="0"/>
             <a:fld id="{D6866A0C-EEE8-4DE1-9ECF-51EC9C0B8BE2}" type="datetime1">
               <a:rPr lang="pt-BR" smtClean="0"/>
-              <a:t>30/05/2021</a:t>
+              <a:t>15/08/2022</a:t>
             </a:fld>
             <a:endParaRPr lang="en-US" dirty="0"/>
           </a:p>
@@ -5586,7 +7408,7 @@
 </p:sld>
 </file>
 
-<file path=ppt/slides/slide13.xml><?xml version="1.0" encoding="utf-8"?>
+<file path=ppt/slides/slide17.xml><?xml version="1.0" encoding="utf-8"?>
 <p:sld xmlns:a="http://schemas.openxmlformats.org/drawingml/2006/main" xmlns:r="http://schemas.openxmlformats.org/officeDocument/2006/relationships" xmlns:p="http://schemas.openxmlformats.org/presentationml/2006/main">
   <p:cSld>
     <p:spTree>
@@ -5625,8 +7447,12 @@
           <a:lstStyle/>
           <a:p>
             <a:r>
-              <a:rPr lang="pt-BR" dirty="0"/>
-              <a:t>Cenário 2 – </a:t>
+              <a:rPr lang="pt-BR" dirty="0" err="1"/>
+              <a:t>scenario</a:t>
+            </a:r>
+            <a:r>
+              <a:rPr lang="pt-BR" dirty="0"/>
+              <a:t> 2 – </a:t>
             </a:r>
             <a:r>
               <a:rPr lang="pt-BR" dirty="0" err="1"/>
@@ -5727,7 +7553,7 @@
             <a:pPr rtl="0"/>
             <a:fld id="{D6866A0C-EEE8-4DE1-9ECF-51EC9C0B8BE2}" type="datetime1">
               <a:rPr lang="pt-BR" smtClean="0"/>
-              <a:t>31/05/2021</a:t>
+              <a:t>15/08/2022</a:t>
             </a:fld>
             <a:endParaRPr lang="en-US" dirty="0"/>
           </a:p>
@@ -5910,7 +7736,7 @@
 </p:sld>
 </file>
 
-<file path=ppt/slides/slide14.xml><?xml version="1.0" encoding="utf-8"?>
+<file path=ppt/slides/slide18.xml><?xml version="1.0" encoding="utf-8"?>
 <p:sld xmlns:a="http://schemas.openxmlformats.org/drawingml/2006/main" xmlns:r="http://schemas.openxmlformats.org/officeDocument/2006/relationships" xmlns:p="http://schemas.openxmlformats.org/presentationml/2006/main">
   <p:cSld>
     <p:spTree>
@@ -5949,8 +7775,12 @@
           <a:lstStyle/>
           <a:p>
             <a:r>
-              <a:rPr lang="pt-BR" dirty="0"/>
-              <a:t>Cenário 2 – </a:t>
+              <a:rPr lang="pt-BR" dirty="0" err="1"/>
+              <a:t>scenario</a:t>
+            </a:r>
+            <a:r>
+              <a:rPr lang="pt-BR" dirty="0"/>
+              <a:t> 2 – </a:t>
             </a:r>
             <a:r>
               <a:rPr lang="pt-BR" dirty="0" err="1"/>
@@ -6033,7 +7863,7 @@
             <a:pPr rtl="0"/>
             <a:fld id="{D6866A0C-EEE8-4DE1-9ECF-51EC9C0B8BE2}" type="datetime1">
               <a:rPr lang="pt-BR" smtClean="0"/>
-              <a:t>31/05/2021</a:t>
+              <a:t>15/08/2022</a:t>
             </a:fld>
             <a:endParaRPr lang="en-US" dirty="0"/>
           </a:p>
@@ -6096,7 +7926,7 @@
 </p:sld>
 </file>
 
-<file path=ppt/slides/slide15.xml><?xml version="1.0" encoding="utf-8"?>
+<file path=ppt/slides/slide19.xml><?xml version="1.0" encoding="utf-8"?>
 <p:sld xmlns:a="http://schemas.openxmlformats.org/drawingml/2006/main" xmlns:r="http://schemas.openxmlformats.org/officeDocument/2006/relationships" xmlns:p="http://schemas.openxmlformats.org/presentationml/2006/main">
   <p:cSld>
     <p:spTree>
@@ -6135,8 +7965,20 @@
           <a:lstStyle/>
           <a:p>
             <a:r>
-              <a:rPr lang="pt-BR" dirty="0"/>
-              <a:t>Solução alternativa 1 - </a:t>
+              <a:rPr lang="pt-BR" dirty="0" err="1"/>
+              <a:t>Alternative</a:t>
+            </a:r>
+            <a:r>
+              <a:rPr lang="pt-BR" dirty="0"/>
+              <a:t> </a:t>
+            </a:r>
+            <a:r>
+              <a:rPr lang="pt-BR" dirty="0" err="1"/>
+              <a:t>solution</a:t>
+            </a:r>
+            <a:r>
+              <a:rPr lang="pt-BR" dirty="0"/>
+              <a:t> 1 - </a:t>
             </a:r>
             <a:r>
               <a:rPr lang="pt-BR" dirty="0" err="1"/>
@@ -6195,7 +8037,7 @@
             <a:pPr rtl="0"/>
             <a:fld id="{D6866A0C-EEE8-4DE1-9ECF-51EC9C0B8BE2}" type="datetime1">
               <a:rPr lang="pt-BR" smtClean="0"/>
-              <a:t>31/05/2021</a:t>
+              <a:t>15/08/2022</a:t>
             </a:fld>
             <a:endParaRPr lang="en-US" dirty="0"/>
           </a:p>
@@ -6422,7 +8264,7 @@
 </p:sld>
 </file>
 
-<file path=ppt/slides/slide16.xml><?xml version="1.0" encoding="utf-8"?>
+<file path=ppt/slides/slide2.xml><?xml version="1.0" encoding="utf-8"?>
 <p:sld xmlns:a="http://schemas.openxmlformats.org/drawingml/2006/main" xmlns:r="http://schemas.openxmlformats.org/officeDocument/2006/relationships" xmlns:p="http://schemas.openxmlformats.org/presentationml/2006/main">
   <p:cSld>
     <p:spTree>
@@ -6444,6 +8286,178 @@
           <p:cNvPr id="2" name="Título 1">
             <a:extLst>
               <a:ext uri="{FF2B5EF4-FFF2-40B4-BE49-F238E27FC236}">
+                <a16:creationId xmlns:a16="http://schemas.microsoft.com/office/drawing/2014/main" id="{B2AE9FFA-BED4-4614-B73C-2069E15B49D7}"/>
+              </a:ext>
+            </a:extLst>
+          </p:cNvPr>
+          <p:cNvSpPr>
+            <a:spLocks noGrp="1"/>
+          </p:cNvSpPr>
+          <p:nvPr>
+            <p:ph type="title"/>
+          </p:nvPr>
+        </p:nvSpPr>
+        <p:spPr/>
+        <p:txBody>
+          <a:bodyPr/>
+          <a:lstStyle/>
+          <a:p>
+            <a:r>
+              <a:rPr lang="pt-BR" dirty="0" err="1"/>
+              <a:t>Summary</a:t>
+            </a:r>
+            <a:endParaRPr lang="pt-BR" dirty="0"/>
+          </a:p>
+        </p:txBody>
+      </p:sp>
+      <p:sp>
+        <p:nvSpPr>
+          <p:cNvPr id="3" name="Espaço Reservado para Conteúdo 2">
+            <a:extLst>
+              <a:ext uri="{FF2B5EF4-FFF2-40B4-BE49-F238E27FC236}">
+                <a16:creationId xmlns:a16="http://schemas.microsoft.com/office/drawing/2014/main" id="{BB5C0F28-543E-4EB3-B859-163C3E62814B}"/>
+              </a:ext>
+            </a:extLst>
+          </p:cNvPr>
+          <p:cNvSpPr>
+            <a:spLocks noGrp="1"/>
+          </p:cNvSpPr>
+          <p:nvPr>
+            <p:ph idx="1"/>
+          </p:nvPr>
+        </p:nvSpPr>
+        <p:spPr/>
+        <p:txBody>
+          <a:bodyPr/>
+          <a:lstStyle/>
+          <a:p>
+            <a:r>
+              <a:rPr lang="pt-BR" dirty="0"/>
+              <a:t>Java </a:t>
+            </a:r>
+            <a:r>
+              <a:rPr lang="pt-BR" dirty="0" err="1"/>
+              <a:t>Persistence</a:t>
+            </a:r>
+            <a:r>
+              <a:rPr lang="pt-BR" dirty="0"/>
+              <a:t> API Overview</a:t>
+            </a:r>
+          </a:p>
+          <a:p>
+            <a:r>
+              <a:rPr lang="pt-BR" dirty="0" err="1"/>
+              <a:t>Relational</a:t>
+            </a:r>
+            <a:r>
+              <a:rPr lang="pt-BR" dirty="0"/>
+              <a:t> </a:t>
+            </a:r>
+            <a:r>
+              <a:rPr lang="pt-BR" dirty="0" err="1"/>
+              <a:t>Paradigm</a:t>
+            </a:r>
+            <a:r>
+              <a:rPr lang="pt-BR" dirty="0"/>
+              <a:t> x JPA</a:t>
+            </a:r>
+          </a:p>
+          <a:p>
+            <a:r>
+              <a:rPr lang="pt-BR" dirty="0"/>
+              <a:t>Queries </a:t>
+            </a:r>
+            <a:r>
+              <a:rPr lang="pt-BR" dirty="0" err="1"/>
+              <a:t>with</a:t>
+            </a:r>
+            <a:r>
+              <a:rPr lang="pt-BR" dirty="0"/>
+              <a:t> JPA</a:t>
+            </a:r>
+          </a:p>
+          <a:p>
+            <a:r>
+              <a:rPr lang="pt-BR" dirty="0" err="1"/>
+              <a:t>Example</a:t>
+            </a:r>
+            <a:r>
+              <a:rPr lang="pt-BR" dirty="0"/>
+              <a:t> </a:t>
+            </a:r>
+            <a:r>
+              <a:rPr lang="pt-BR" dirty="0" err="1"/>
+              <a:t>Scenarios</a:t>
+            </a:r>
+            <a:endParaRPr lang="pt-BR" dirty="0"/>
+          </a:p>
+        </p:txBody>
+      </p:sp>
+      <p:sp>
+        <p:nvSpPr>
+          <p:cNvPr id="4" name="Espaço Reservado para Data 3">
+            <a:extLst>
+              <a:ext uri="{FF2B5EF4-FFF2-40B4-BE49-F238E27FC236}">
+                <a16:creationId xmlns:a16="http://schemas.microsoft.com/office/drawing/2014/main" id="{DEE94905-AA24-4226-A6C2-87A63EB3CA6D}"/>
+              </a:ext>
+            </a:extLst>
+          </p:cNvPr>
+          <p:cNvSpPr>
+            <a:spLocks noGrp="1"/>
+          </p:cNvSpPr>
+          <p:nvPr>
+            <p:ph type="dt" sz="half" idx="10"/>
+          </p:nvPr>
+        </p:nvSpPr>
+        <p:spPr/>
+        <p:txBody>
+          <a:bodyPr/>
+          <a:lstStyle/>
+          <a:p>
+            <a:pPr rtl="0"/>
+            <a:fld id="{D6866A0C-EEE8-4DE1-9ECF-51EC9C0B8BE2}" type="datetime1">
+              <a:rPr lang="pt-BR" smtClean="0"/>
+              <a:t>15/08/2022</a:t>
+            </a:fld>
+            <a:endParaRPr lang="en-US" dirty="0"/>
+          </a:p>
+        </p:txBody>
+      </p:sp>
+    </p:spTree>
+    <p:extLst>
+      <p:ext uri="{BB962C8B-B14F-4D97-AF65-F5344CB8AC3E}">
+        <p14:creationId xmlns:p14="http://schemas.microsoft.com/office/powerpoint/2010/main" val="3506296082"/>
+      </p:ext>
+    </p:extLst>
+  </p:cSld>
+  <p:clrMapOvr>
+    <a:masterClrMapping/>
+  </p:clrMapOvr>
+</p:sld>
+</file>
+
+<file path=ppt/slides/slide20.xml><?xml version="1.0" encoding="utf-8"?>
+<p:sld xmlns:a="http://schemas.openxmlformats.org/drawingml/2006/main" xmlns:r="http://schemas.openxmlformats.org/officeDocument/2006/relationships" xmlns:p="http://schemas.openxmlformats.org/presentationml/2006/main">
+  <p:cSld>
+    <p:spTree>
+      <p:nvGrpSpPr>
+        <p:cNvPr id="1" name=""/>
+        <p:cNvGrpSpPr/>
+        <p:nvPr/>
+      </p:nvGrpSpPr>
+      <p:grpSpPr>
+        <a:xfrm>
+          <a:off x="0" y="0"/>
+          <a:ext cx="0" cy="0"/>
+          <a:chOff x="0" y="0"/>
+          <a:chExt cx="0" cy="0"/>
+        </a:xfrm>
+      </p:grpSpPr>
+      <p:sp>
+        <p:nvSpPr>
+          <p:cNvPr id="2" name="Título 1">
+            <a:extLst>
+              <a:ext uri="{FF2B5EF4-FFF2-40B4-BE49-F238E27FC236}">
                 <a16:creationId xmlns:a16="http://schemas.microsoft.com/office/drawing/2014/main" id="{ADB703FC-C6C2-4BBD-83A8-9E402A80BA32}"/>
               </a:ext>
             </a:extLst>
@@ -6461,8 +8475,20 @@
           <a:lstStyle/>
           <a:p>
             <a:r>
-              <a:rPr lang="pt-BR" dirty="0"/>
-              <a:t>Solução alternativa 1 - </a:t>
+              <a:rPr lang="pt-BR" dirty="0" err="1"/>
+              <a:t>Alternative</a:t>
+            </a:r>
+            <a:r>
+              <a:rPr lang="pt-BR" dirty="0"/>
+              <a:t> </a:t>
+            </a:r>
+            <a:r>
+              <a:rPr lang="pt-BR" dirty="0" err="1"/>
+              <a:t>solution</a:t>
+            </a:r>
+            <a:r>
+              <a:rPr lang="pt-BR" dirty="0"/>
+              <a:t> 1 - </a:t>
             </a:r>
             <a:r>
               <a:rPr lang="pt-BR" dirty="0" err="1"/>
@@ -6539,7 +8565,7 @@
             <a:pPr rtl="0"/>
             <a:fld id="{D6866A0C-EEE8-4DE1-9ECF-51EC9C0B8BE2}" type="datetime1">
               <a:rPr lang="pt-BR" smtClean="0"/>
-              <a:t>31/05/2021</a:t>
+              <a:t>15/08/2022</a:t>
             </a:fld>
             <a:endParaRPr lang="en-US" dirty="0"/>
           </a:p>
@@ -6558,7 +8584,7 @@
 </p:sld>
 </file>
 
-<file path=ppt/slides/slide17.xml><?xml version="1.0" encoding="utf-8"?>
+<file path=ppt/slides/slide21.xml><?xml version="1.0" encoding="utf-8"?>
 <p:sld xmlns:a="http://schemas.openxmlformats.org/drawingml/2006/main" xmlns:r="http://schemas.openxmlformats.org/officeDocument/2006/relationships" xmlns:p="http://schemas.openxmlformats.org/presentationml/2006/main">
   <p:cSld>
     <p:spTree>
@@ -6597,8 +8623,20 @@
           <a:lstStyle/>
           <a:p>
             <a:r>
-              <a:rPr lang="pt-BR" dirty="0"/>
-              <a:t>Solução alternativa 1 - </a:t>
+              <a:rPr lang="pt-BR" dirty="0" err="1"/>
+              <a:t>Alternative</a:t>
+            </a:r>
+            <a:r>
+              <a:rPr lang="pt-BR" dirty="0"/>
+              <a:t> </a:t>
+            </a:r>
+            <a:r>
+              <a:rPr lang="pt-BR" dirty="0" err="1"/>
+              <a:t>solution</a:t>
+            </a:r>
+            <a:r>
+              <a:rPr lang="pt-BR" dirty="0"/>
+              <a:t> 1 - </a:t>
             </a:r>
             <a:r>
               <a:rPr lang="pt-BR" dirty="0" err="1"/>
@@ -6631,28 +8669,148 @@
           <a:p>
             <a:r>
               <a:rPr lang="pt-BR" dirty="0"/>
-              <a:t>Pontos Positivos</a:t>
+              <a:t>Positive Points</a:t>
             </a:r>
           </a:p>
           <a:p>
             <a:pPr lvl="1"/>
             <a:r>
               <a:rPr lang="pt-BR" dirty="0"/>
-              <a:t>Acesso a base de dados reduzida a 2 consultas.</a:t>
+              <a:t>Access </a:t>
+            </a:r>
+            <a:r>
+              <a:rPr lang="pt-BR" dirty="0" err="1"/>
+              <a:t>to</a:t>
+            </a:r>
+            <a:r>
+              <a:rPr lang="pt-BR" dirty="0"/>
+              <a:t> </a:t>
+            </a:r>
+            <a:r>
+              <a:rPr lang="pt-BR" dirty="0" err="1"/>
+              <a:t>the</a:t>
+            </a:r>
+            <a:r>
+              <a:rPr lang="pt-BR" dirty="0"/>
+              <a:t> DB </a:t>
+            </a:r>
+            <a:r>
+              <a:rPr lang="pt-BR" dirty="0" err="1"/>
+              <a:t>reduced</a:t>
+            </a:r>
+            <a:r>
+              <a:rPr lang="pt-BR" dirty="0"/>
+              <a:t> </a:t>
+            </a:r>
+            <a:r>
+              <a:rPr lang="pt-BR" dirty="0" err="1"/>
+              <a:t>to</a:t>
+            </a:r>
+            <a:r>
+              <a:rPr lang="pt-BR" dirty="0"/>
+              <a:t> 2 Queries.</a:t>
             </a:r>
           </a:p>
           <a:p>
             <a:pPr lvl="1"/>
             <a:r>
-              <a:rPr lang="pt-BR" dirty="0"/>
-              <a:t>No caso de ser a consulta principal, não afeta COUNT ou paginação.</a:t>
+              <a:rPr lang="pt-BR" dirty="0" err="1"/>
+              <a:t>If</a:t>
+            </a:r>
+            <a:r>
+              <a:rPr lang="pt-BR" dirty="0"/>
+              <a:t> it </a:t>
+            </a:r>
+            <a:r>
+              <a:rPr lang="pt-BR" dirty="0" err="1"/>
+              <a:t>is</a:t>
+            </a:r>
+            <a:r>
+              <a:rPr lang="pt-BR" dirty="0"/>
+              <a:t> </a:t>
+            </a:r>
+            <a:r>
+              <a:rPr lang="pt-BR" dirty="0" err="1"/>
+              <a:t>the</a:t>
+            </a:r>
+            <a:r>
+              <a:rPr lang="pt-BR" dirty="0"/>
+              <a:t> </a:t>
+            </a:r>
+            <a:r>
+              <a:rPr lang="pt-BR" dirty="0" err="1"/>
+              <a:t>main</a:t>
+            </a:r>
+            <a:r>
+              <a:rPr lang="pt-BR" dirty="0"/>
+              <a:t> query, it </a:t>
+            </a:r>
+            <a:r>
+              <a:rPr lang="pt-BR" dirty="0" err="1"/>
+              <a:t>won’t</a:t>
+            </a:r>
+            <a:r>
+              <a:rPr lang="pt-BR" dirty="0"/>
+              <a:t> </a:t>
+            </a:r>
+            <a:r>
+              <a:rPr lang="pt-BR" dirty="0" err="1"/>
+              <a:t>affect</a:t>
+            </a:r>
+            <a:r>
+              <a:rPr lang="pt-BR" dirty="0"/>
+              <a:t> </a:t>
+            </a:r>
+            <a:r>
+              <a:rPr lang="pt-BR" dirty="0" err="1"/>
+              <a:t>the</a:t>
+            </a:r>
+            <a:r>
+              <a:rPr lang="pt-BR" dirty="0"/>
+              <a:t> COUNT </a:t>
+            </a:r>
+            <a:r>
+              <a:rPr lang="pt-BR" dirty="0" err="1"/>
+              <a:t>or</a:t>
+            </a:r>
+            <a:r>
+              <a:rPr lang="pt-BR" dirty="0"/>
+              <a:t> PAGINATION.</a:t>
             </a:r>
           </a:p>
           <a:p>
             <a:pPr lvl="1"/>
             <a:r>
-              <a:rPr lang="pt-BR" dirty="0"/>
-              <a:t>Continua sendo utilizada consulta herdada (</a:t>
+              <a:rPr lang="pt-BR" dirty="0" err="1"/>
+              <a:t>Using</a:t>
+            </a:r>
+            <a:r>
+              <a:rPr lang="pt-BR" dirty="0"/>
+              <a:t> </a:t>
+            </a:r>
+            <a:r>
+              <a:rPr lang="pt-BR" dirty="0" err="1"/>
+              <a:t>the</a:t>
+            </a:r>
+            <a:r>
+              <a:rPr lang="pt-BR" dirty="0"/>
+              <a:t> JPA, it still uses </a:t>
+            </a:r>
+            <a:r>
+              <a:rPr lang="pt-BR" dirty="0" err="1"/>
+              <a:t>the</a:t>
+            </a:r>
+            <a:r>
+              <a:rPr lang="pt-BR" dirty="0"/>
+              <a:t> </a:t>
+            </a:r>
+            <a:r>
+              <a:rPr lang="pt-BR" dirty="0" err="1"/>
+              <a:t>inherited</a:t>
+            </a:r>
+            <a:r>
+              <a:rPr lang="pt-BR" dirty="0"/>
+              <a:t> query (</a:t>
             </a:r>
             <a:r>
               <a:rPr lang="pt-BR" dirty="0" err="1"/>
@@ -6660,42 +8818,218 @@
             </a:r>
             <a:r>
               <a:rPr lang="pt-BR" dirty="0"/>
-              <a:t>).</a:t>
-            </a:r>
-          </a:p>
-          <a:p>
-            <a:r>
-              <a:rPr lang="pt-BR" dirty="0"/>
-              <a:t>Pontos Negativos</a:t>
+              <a:t>) </a:t>
+            </a:r>
+          </a:p>
+          <a:p>
+            <a:r>
+              <a:rPr lang="pt-BR" dirty="0"/>
+              <a:t>Negative Points</a:t>
             </a:r>
           </a:p>
           <a:p>
             <a:pPr lvl="1"/>
             <a:r>
               <a:rPr lang="pt-BR" dirty="0"/>
-              <a:t>Necessidade de processamento de atributos para a segunda consulta (Complexidade do código).</a:t>
+              <a:t>The </a:t>
+            </a:r>
+            <a:r>
+              <a:rPr lang="pt-BR" dirty="0" err="1"/>
+              <a:t>need</a:t>
+            </a:r>
+            <a:r>
+              <a:rPr lang="pt-BR" dirty="0"/>
+              <a:t> </a:t>
+            </a:r>
+            <a:r>
+              <a:rPr lang="pt-BR" dirty="0" err="1"/>
+              <a:t>to</a:t>
+            </a:r>
+            <a:r>
+              <a:rPr lang="pt-BR" dirty="0"/>
+              <a:t> post </a:t>
+            </a:r>
+            <a:r>
+              <a:rPr lang="pt-BR" dirty="0" err="1"/>
+              <a:t>process</a:t>
+            </a:r>
+            <a:r>
+              <a:rPr lang="pt-BR" dirty="0"/>
+              <a:t> </a:t>
+            </a:r>
+            <a:r>
+              <a:rPr lang="pt-BR" dirty="0" err="1"/>
+              <a:t>the</a:t>
+            </a:r>
+            <a:r>
+              <a:rPr lang="pt-BR" dirty="0"/>
+              <a:t> </a:t>
+            </a:r>
+            <a:r>
+              <a:rPr lang="pt-BR" dirty="0" err="1"/>
+              <a:t>attributes</a:t>
+            </a:r>
+            <a:r>
+              <a:rPr lang="pt-BR" dirty="0"/>
+              <a:t> </a:t>
+            </a:r>
+            <a:r>
+              <a:rPr lang="pt-BR" dirty="0" err="1"/>
+              <a:t>to</a:t>
+            </a:r>
+            <a:r>
+              <a:rPr lang="pt-BR" dirty="0"/>
+              <a:t> </a:t>
+            </a:r>
+            <a:r>
+              <a:rPr lang="pt-BR" dirty="0" err="1"/>
+              <a:t>the</a:t>
+            </a:r>
+            <a:r>
+              <a:rPr lang="pt-BR" dirty="0"/>
+              <a:t> </a:t>
+            </a:r>
+            <a:r>
+              <a:rPr lang="pt-BR" dirty="0" err="1"/>
+              <a:t>second</a:t>
+            </a:r>
+            <a:r>
+              <a:rPr lang="pt-BR" dirty="0"/>
+              <a:t> Query (</a:t>
+            </a:r>
+            <a:r>
+              <a:rPr lang="pt-BR" dirty="0" err="1"/>
+              <a:t>Code</a:t>
+            </a:r>
+            <a:r>
+              <a:rPr lang="pt-BR" dirty="0"/>
+              <a:t> </a:t>
+            </a:r>
+            <a:r>
+              <a:rPr lang="pt-BR" dirty="0" err="1"/>
+              <a:t>complexity</a:t>
+            </a:r>
+            <a:r>
+              <a:rPr lang="pt-BR" dirty="0"/>
+              <a:t>)</a:t>
             </a:r>
           </a:p>
           <a:p>
             <a:pPr lvl="1"/>
             <a:r>
               <a:rPr lang="pt-BR" dirty="0"/>
-              <a:t>Mais de um acesso a base.</a:t>
+              <a:t>More </a:t>
+            </a:r>
+            <a:r>
+              <a:rPr lang="pt-BR" dirty="0" err="1"/>
+              <a:t>than</a:t>
+            </a:r>
+            <a:r>
+              <a:rPr lang="pt-BR" dirty="0"/>
+              <a:t> </a:t>
+            </a:r>
+            <a:r>
+              <a:rPr lang="pt-BR" dirty="0" err="1"/>
+              <a:t>one</a:t>
+            </a:r>
+            <a:r>
+              <a:rPr lang="pt-BR" dirty="0"/>
+              <a:t> </a:t>
+            </a:r>
+            <a:r>
+              <a:rPr lang="pt-BR" dirty="0" err="1"/>
+              <a:t>database</a:t>
+            </a:r>
+            <a:r>
+              <a:rPr lang="pt-BR" dirty="0"/>
+              <a:t> </a:t>
+            </a:r>
+            <a:r>
+              <a:rPr lang="pt-BR" dirty="0" err="1"/>
+              <a:t>access</a:t>
+            </a:r>
+            <a:r>
+              <a:rPr lang="pt-BR" dirty="0"/>
+              <a:t>.</a:t>
             </a:r>
           </a:p>
           <a:p>
             <a:pPr lvl="1"/>
             <a:r>
               <a:rPr lang="pt-BR" dirty="0"/>
-              <a:t>Cláusulas IN na maioria dos </a:t>
-            </a:r>
-            <a:r>
-              <a:rPr lang="pt-BR" dirty="0" err="1"/>
-              <a:t>SGBDs</a:t>
-            </a:r>
-            <a:r>
-              <a:rPr lang="pt-BR" dirty="0"/>
-              <a:t> possuem um limite de itens.</a:t>
+              <a:t>IN </a:t>
+            </a:r>
+            <a:r>
+              <a:rPr lang="pt-BR" dirty="0" err="1"/>
+              <a:t>Clauses</a:t>
+            </a:r>
+            <a:r>
+              <a:rPr lang="pt-BR" dirty="0"/>
+              <a:t> in </a:t>
+            </a:r>
+            <a:r>
+              <a:rPr lang="pt-BR" dirty="0" err="1"/>
+              <a:t>the</a:t>
+            </a:r>
+            <a:r>
+              <a:rPr lang="pt-BR" dirty="0"/>
+              <a:t> </a:t>
+            </a:r>
+            <a:r>
+              <a:rPr lang="pt-BR" dirty="0" err="1"/>
+              <a:t>majority</a:t>
+            </a:r>
+            <a:r>
+              <a:rPr lang="pt-BR" dirty="0"/>
+              <a:t> </a:t>
+            </a:r>
+            <a:r>
+              <a:rPr lang="pt-BR" dirty="0" err="1"/>
+              <a:t>of</a:t>
+            </a:r>
+            <a:r>
+              <a:rPr lang="pt-BR" dirty="0"/>
+              <a:t> </a:t>
+            </a:r>
+            <a:r>
+              <a:rPr lang="pt-BR" dirty="0" err="1"/>
+              <a:t>databases</a:t>
+            </a:r>
+            <a:r>
+              <a:rPr lang="pt-BR" dirty="0"/>
+              <a:t> </a:t>
+            </a:r>
+            <a:r>
+              <a:rPr lang="pt-BR" dirty="0" err="1"/>
+              <a:t>has</a:t>
+            </a:r>
+            <a:r>
+              <a:rPr lang="pt-BR" dirty="0"/>
+              <a:t> a </a:t>
+            </a:r>
+            <a:r>
+              <a:rPr lang="pt-BR" dirty="0" err="1"/>
+              <a:t>limit</a:t>
+            </a:r>
+            <a:r>
+              <a:rPr lang="pt-BR" dirty="0"/>
+              <a:t> (For </a:t>
+            </a:r>
+            <a:r>
+              <a:rPr lang="pt-BR" dirty="0" err="1"/>
+              <a:t>example</a:t>
+            </a:r>
+            <a:r>
+              <a:rPr lang="pt-BR" dirty="0"/>
+              <a:t>: In PostgreSQL </a:t>
+            </a:r>
+            <a:r>
+              <a:rPr lang="pt-BR" dirty="0" err="1"/>
+              <a:t>is</a:t>
+            </a:r>
+            <a:r>
+              <a:rPr lang="pt-BR" dirty="0"/>
+              <a:t> 1000)</a:t>
             </a:r>
           </a:p>
         </p:txBody>
@@ -6724,7 +9058,7 @@
             <a:pPr rtl="0"/>
             <a:fld id="{D6866A0C-EEE8-4DE1-9ECF-51EC9C0B8BE2}" type="datetime1">
               <a:rPr lang="pt-BR" smtClean="0"/>
-              <a:t>31/05/2021</a:t>
+              <a:t>15/08/2022</a:t>
             </a:fld>
             <a:endParaRPr lang="en-US" dirty="0"/>
           </a:p>
@@ -6743,7 +9077,7 @@
 </p:sld>
 </file>
 
-<file path=ppt/slides/slide18.xml><?xml version="1.0" encoding="utf-8"?>
+<file path=ppt/slides/slide22.xml><?xml version="1.0" encoding="utf-8"?>
 <p:sld xmlns:a="http://schemas.openxmlformats.org/drawingml/2006/main" xmlns:r="http://schemas.openxmlformats.org/officeDocument/2006/relationships" xmlns:p="http://schemas.openxmlformats.org/presentationml/2006/main">
   <p:cSld>
     <p:spTree>
@@ -6782,8 +9116,20 @@
           <a:lstStyle/>
           <a:p>
             <a:r>
-              <a:rPr lang="pt-BR" dirty="0"/>
-              <a:t>Solução alternativa 2 - </a:t>
+              <a:rPr lang="pt-BR" dirty="0" err="1"/>
+              <a:t>Alternative</a:t>
+            </a:r>
+            <a:r>
+              <a:rPr lang="pt-BR" dirty="0"/>
+              <a:t> </a:t>
+            </a:r>
+            <a:r>
+              <a:rPr lang="pt-BR" dirty="0" err="1"/>
+              <a:t>solution</a:t>
+            </a:r>
+            <a:r>
+              <a:rPr lang="pt-BR" dirty="0"/>
+              <a:t> 2 - </a:t>
             </a:r>
             <a:r>
               <a:rPr lang="pt-BR" dirty="0" err="1"/>
@@ -6860,7 +9206,7 @@
             <a:pPr rtl="0"/>
             <a:fld id="{D6866A0C-EEE8-4DE1-9ECF-51EC9C0B8BE2}" type="datetime1">
               <a:rPr lang="pt-BR" smtClean="0"/>
-              <a:t>31/05/2021</a:t>
+              <a:t>15/08/2022</a:t>
             </a:fld>
             <a:endParaRPr lang="en-US" dirty="0"/>
           </a:p>
@@ -7132,7 +9478,7 @@
 </p:sld>
 </file>
 
-<file path=ppt/slides/slide19.xml><?xml version="1.0" encoding="utf-8"?>
+<file path=ppt/slides/slide23.xml><?xml version="1.0" encoding="utf-8"?>
 <p:sld xmlns:a="http://schemas.openxmlformats.org/drawingml/2006/main" xmlns:r="http://schemas.openxmlformats.org/officeDocument/2006/relationships" xmlns:p="http://schemas.openxmlformats.org/presentationml/2006/main">
   <p:cSld>
     <p:spTree>
@@ -7171,8 +9517,20 @@
           <a:lstStyle/>
           <a:p>
             <a:r>
-              <a:rPr lang="pt-BR" dirty="0"/>
-              <a:t>Solução alternativa 2 - </a:t>
+              <a:rPr lang="pt-BR" dirty="0" err="1"/>
+              <a:t>Alternative</a:t>
+            </a:r>
+            <a:r>
+              <a:rPr lang="pt-BR" dirty="0"/>
+              <a:t> </a:t>
+            </a:r>
+            <a:r>
+              <a:rPr lang="pt-BR" dirty="0" err="1"/>
+              <a:t>solution</a:t>
+            </a:r>
+            <a:r>
+              <a:rPr lang="pt-BR" dirty="0"/>
+              <a:t> 2 - </a:t>
             </a:r>
             <a:r>
               <a:rPr lang="pt-BR" dirty="0" err="1"/>
@@ -7249,7 +9607,7 @@
             <a:pPr rtl="0"/>
             <a:fld id="{D6866A0C-EEE8-4DE1-9ECF-51EC9C0B8BE2}" type="datetime1">
               <a:rPr lang="pt-BR" smtClean="0"/>
-              <a:t>31/05/2021</a:t>
+              <a:t>15/08/2022</a:t>
             </a:fld>
             <a:endParaRPr lang="en-US" dirty="0"/>
           </a:p>
@@ -7268,7 +9626,7 @@
 </p:sld>
 </file>
 
-<file path=ppt/slides/slide2.xml><?xml version="1.0" encoding="utf-8"?>
+<file path=ppt/slides/slide24.xml><?xml version="1.0" encoding="utf-8"?>
 <p:sld xmlns:a="http://schemas.openxmlformats.org/drawingml/2006/main" xmlns:r="http://schemas.openxmlformats.org/officeDocument/2006/relationships" xmlns:p="http://schemas.openxmlformats.org/presentationml/2006/main">
   <p:cSld>
     <p:spTree>
@@ -7290,7 +9648,7 @@
           <p:cNvPr id="2" name="Título 1">
             <a:extLst>
               <a:ext uri="{FF2B5EF4-FFF2-40B4-BE49-F238E27FC236}">
-                <a16:creationId xmlns:a16="http://schemas.microsoft.com/office/drawing/2014/main" id="{B2AE9FFA-BED4-4614-B73C-2069E15B49D7}"/>
+                <a16:creationId xmlns:a16="http://schemas.microsoft.com/office/drawing/2014/main" id="{56512E56-67B2-461D-9EE9-CB87B77C8D14}"/>
               </a:ext>
             </a:extLst>
           </p:cNvPr>
@@ -7307,9 +9665,26 @@
           <a:lstStyle/>
           <a:p>
             <a:r>
-              <a:rPr lang="pt-BR" dirty="0"/>
-              <a:t>roteiro</a:t>
-            </a:r>
+              <a:rPr lang="pt-BR" dirty="0" err="1"/>
+              <a:t>Alternative</a:t>
+            </a:r>
+            <a:r>
+              <a:rPr lang="pt-BR" dirty="0"/>
+              <a:t> </a:t>
+            </a:r>
+            <a:r>
+              <a:rPr lang="pt-BR" dirty="0" err="1"/>
+              <a:t>solution</a:t>
+            </a:r>
+            <a:r>
+              <a:rPr lang="pt-BR" dirty="0"/>
+              <a:t> 2 - </a:t>
+            </a:r>
+            <a:r>
+              <a:rPr lang="pt-BR" dirty="0" err="1"/>
+              <a:t>jpql</a:t>
+            </a:r>
+            <a:endParaRPr lang="pt-BR" dirty="0"/>
           </a:p>
         </p:txBody>
       </p:sp>
@@ -7318,7 +9693,7 @@
           <p:cNvPr id="3" name="Espaço Reservado para Conteúdo 2">
             <a:extLst>
               <a:ext uri="{FF2B5EF4-FFF2-40B4-BE49-F238E27FC236}">
-                <a16:creationId xmlns:a16="http://schemas.microsoft.com/office/drawing/2014/main" id="{BB5C0F28-543E-4EB3-B859-163C3E62814B}"/>
+                <a16:creationId xmlns:a16="http://schemas.microsoft.com/office/drawing/2014/main" id="{EC8810E7-F314-41A0-8E5D-D79A03AD48A3}"/>
               </a:ext>
             </a:extLst>
           </p:cNvPr>
@@ -7336,33 +9711,330 @@
           <a:p>
             <a:r>
               <a:rPr lang="pt-BR" dirty="0"/>
-              <a:t>Overview da Java </a:t>
-            </a:r>
-            <a:r>
-              <a:rPr lang="pt-BR" dirty="0" err="1"/>
-              <a:t>Persistence</a:t>
-            </a:r>
-            <a:r>
-              <a:rPr lang="pt-BR" dirty="0"/>
-              <a:t> API</a:t>
-            </a:r>
-          </a:p>
-          <a:p>
-            <a:r>
-              <a:rPr lang="pt-BR" dirty="0"/>
-              <a:t>Paradigma relacional x JPA</a:t>
-            </a:r>
-          </a:p>
-          <a:p>
-            <a:r>
-              <a:rPr lang="pt-BR" dirty="0"/>
-              <a:t>Consulta com JPA</a:t>
-            </a:r>
-          </a:p>
-          <a:p>
-            <a:r>
-              <a:rPr lang="pt-BR" dirty="0"/>
-              <a:t>Cenários de Exemplo</a:t>
+              <a:t>Positive Points</a:t>
+            </a:r>
+          </a:p>
+          <a:p>
+            <a:pPr lvl="1"/>
+            <a:r>
+              <a:rPr lang="pt-BR" dirty="0"/>
+              <a:t>Just </a:t>
+            </a:r>
+            <a:r>
+              <a:rPr lang="pt-BR" dirty="0" err="1"/>
+              <a:t>one</a:t>
+            </a:r>
+            <a:r>
+              <a:rPr lang="pt-BR" dirty="0"/>
+              <a:t> </a:t>
+            </a:r>
+            <a:r>
+              <a:rPr lang="pt-BR" dirty="0" err="1"/>
+              <a:t>access</a:t>
+            </a:r>
+            <a:r>
+              <a:rPr lang="pt-BR" dirty="0"/>
+              <a:t> </a:t>
+            </a:r>
+            <a:r>
+              <a:rPr lang="pt-BR" dirty="0" err="1"/>
+              <a:t>to</a:t>
+            </a:r>
+            <a:r>
+              <a:rPr lang="pt-BR" dirty="0"/>
+              <a:t> </a:t>
+            </a:r>
+            <a:r>
+              <a:rPr lang="pt-BR" dirty="0" err="1"/>
+              <a:t>the</a:t>
+            </a:r>
+            <a:r>
+              <a:rPr lang="pt-BR" dirty="0"/>
+              <a:t> </a:t>
+            </a:r>
+            <a:r>
+              <a:rPr lang="pt-BR" dirty="0" err="1"/>
+              <a:t>database</a:t>
+            </a:r>
+            <a:r>
+              <a:rPr lang="pt-BR" dirty="0"/>
+              <a:t>.</a:t>
+            </a:r>
+          </a:p>
+          <a:p>
+            <a:pPr lvl="1"/>
+            <a:r>
+              <a:rPr lang="pt-BR" dirty="0" err="1"/>
+              <a:t>Simple</a:t>
+            </a:r>
+            <a:r>
+              <a:rPr lang="pt-BR" dirty="0"/>
+              <a:t> </a:t>
+            </a:r>
+            <a:r>
+              <a:rPr lang="pt-BR" dirty="0" err="1"/>
+              <a:t>sintax</a:t>
+            </a:r>
+            <a:r>
+              <a:rPr lang="pt-BR" dirty="0"/>
+              <a:t> </a:t>
+            </a:r>
+            <a:r>
+              <a:rPr lang="pt-BR" dirty="0" err="1"/>
+              <a:t>and</a:t>
+            </a:r>
+            <a:r>
+              <a:rPr lang="pt-BR" dirty="0"/>
+              <a:t> </a:t>
+            </a:r>
+            <a:r>
+              <a:rPr lang="pt-BR" dirty="0" err="1"/>
+              <a:t>low</a:t>
+            </a:r>
+            <a:r>
+              <a:rPr lang="pt-BR" dirty="0"/>
+              <a:t> </a:t>
+            </a:r>
+            <a:r>
+              <a:rPr lang="pt-BR" dirty="0" err="1"/>
+              <a:t>code</a:t>
+            </a:r>
+            <a:r>
+              <a:rPr lang="pt-BR" dirty="0"/>
+              <a:t> </a:t>
+            </a:r>
+            <a:r>
+              <a:rPr lang="pt-BR" dirty="0" err="1"/>
+              <a:t>complexity</a:t>
+            </a:r>
+            <a:endParaRPr lang="pt-BR" dirty="0"/>
+          </a:p>
+          <a:p>
+            <a:r>
+              <a:rPr lang="pt-BR" dirty="0"/>
+              <a:t>Negative Points</a:t>
+            </a:r>
+          </a:p>
+          <a:p>
+            <a:pPr lvl="1"/>
+            <a:r>
+              <a:rPr lang="pt-BR" dirty="0"/>
+              <a:t>It </a:t>
+            </a:r>
+            <a:r>
+              <a:rPr lang="pt-BR" dirty="0" err="1"/>
+              <a:t>is</a:t>
+            </a:r>
+            <a:r>
+              <a:rPr lang="pt-BR" dirty="0"/>
+              <a:t> </a:t>
+            </a:r>
+            <a:r>
+              <a:rPr lang="pt-BR" dirty="0" err="1"/>
+              <a:t>not</a:t>
+            </a:r>
+            <a:r>
+              <a:rPr lang="pt-BR" dirty="0"/>
+              <a:t> </a:t>
+            </a:r>
+            <a:r>
+              <a:rPr lang="pt-BR" dirty="0" err="1"/>
+              <a:t>supported</a:t>
+            </a:r>
+            <a:r>
+              <a:rPr lang="pt-BR" dirty="0"/>
+              <a:t> </a:t>
+            </a:r>
+            <a:r>
+              <a:rPr lang="pt-BR" dirty="0" err="1"/>
+              <a:t>by</a:t>
+            </a:r>
+            <a:r>
+              <a:rPr lang="pt-BR" dirty="0"/>
+              <a:t> </a:t>
+            </a:r>
+            <a:r>
+              <a:rPr lang="pt-BR" dirty="0" err="1"/>
+              <a:t>the</a:t>
+            </a:r>
+            <a:r>
+              <a:rPr lang="pt-BR" dirty="0"/>
+              <a:t> </a:t>
+            </a:r>
+            <a:r>
+              <a:rPr lang="pt-BR" dirty="0" err="1"/>
+              <a:t>current</a:t>
+            </a:r>
+            <a:r>
+              <a:rPr lang="pt-BR" dirty="0"/>
+              <a:t> </a:t>
+            </a:r>
+            <a:r>
+              <a:rPr lang="pt-BR" dirty="0" err="1"/>
+              <a:t>pagination</a:t>
+            </a:r>
+            <a:r>
+              <a:rPr lang="pt-BR" dirty="0"/>
+              <a:t> </a:t>
+            </a:r>
+            <a:r>
+              <a:rPr lang="pt-BR" dirty="0" err="1"/>
+              <a:t>structure</a:t>
+            </a:r>
+            <a:endParaRPr lang="pt-BR" dirty="0"/>
+          </a:p>
+          <a:p>
+            <a:pPr lvl="2"/>
+            <a:r>
+              <a:rPr lang="pt-BR" i="1" dirty="0" err="1"/>
+              <a:t>Specifications</a:t>
+            </a:r>
+            <a:r>
+              <a:rPr lang="pt-BR" dirty="0"/>
+              <a:t> in </a:t>
+            </a:r>
+            <a:r>
+              <a:rPr lang="pt-BR" dirty="0" err="1"/>
+              <a:t>criteria</a:t>
+            </a:r>
+            <a:r>
+              <a:rPr lang="pt-BR" dirty="0"/>
+              <a:t> </a:t>
+            </a:r>
+            <a:r>
+              <a:rPr lang="pt-BR" dirty="0" err="1"/>
+              <a:t>can’t</a:t>
+            </a:r>
+            <a:r>
+              <a:rPr lang="pt-BR" dirty="0"/>
+              <a:t> </a:t>
+            </a:r>
+            <a:r>
+              <a:rPr lang="pt-BR" dirty="0" err="1"/>
+              <a:t>be</a:t>
+            </a:r>
+            <a:r>
+              <a:rPr lang="pt-BR" dirty="0"/>
+              <a:t> </a:t>
+            </a:r>
+            <a:r>
+              <a:rPr lang="pt-BR" dirty="0" err="1"/>
+              <a:t>used</a:t>
+            </a:r>
+            <a:r>
+              <a:rPr lang="pt-BR" dirty="0"/>
+              <a:t>.</a:t>
+            </a:r>
+          </a:p>
+          <a:p>
+            <a:pPr lvl="1"/>
+            <a:r>
+              <a:rPr lang="pt-BR" dirty="0"/>
+              <a:t>The </a:t>
+            </a:r>
+            <a:r>
+              <a:rPr lang="pt-BR" dirty="0" err="1"/>
+              <a:t>code</a:t>
+            </a:r>
+            <a:r>
+              <a:rPr lang="pt-BR" dirty="0"/>
+              <a:t> </a:t>
+            </a:r>
+            <a:r>
+              <a:rPr lang="pt-BR" dirty="0" err="1"/>
+              <a:t>search</a:t>
+            </a:r>
+            <a:r>
+              <a:rPr lang="pt-BR" dirty="0"/>
+              <a:t> </a:t>
+            </a:r>
+            <a:r>
+              <a:rPr lang="pt-BR" dirty="0" err="1"/>
+              <a:t>by</a:t>
+            </a:r>
+            <a:r>
+              <a:rPr lang="pt-BR" dirty="0"/>
+              <a:t> </a:t>
+            </a:r>
+            <a:r>
+              <a:rPr lang="pt-BR" dirty="0" err="1"/>
+              <a:t>reference</a:t>
+            </a:r>
+            <a:r>
+              <a:rPr lang="pt-BR" dirty="0"/>
+              <a:t> </a:t>
+            </a:r>
+            <a:r>
+              <a:rPr lang="pt-BR" dirty="0" err="1"/>
+              <a:t>would</a:t>
+            </a:r>
+            <a:r>
+              <a:rPr lang="pt-BR" dirty="0"/>
+              <a:t> </a:t>
+            </a:r>
+            <a:r>
+              <a:rPr lang="pt-BR" dirty="0" err="1"/>
+              <a:t>be</a:t>
+            </a:r>
+            <a:r>
+              <a:rPr lang="pt-BR" dirty="0"/>
+              <a:t> </a:t>
+            </a:r>
+            <a:r>
+              <a:rPr lang="pt-BR" dirty="0" err="1"/>
+              <a:t>affected</a:t>
+            </a:r>
+            <a:r>
+              <a:rPr lang="pt-BR" dirty="0"/>
+              <a:t>. </a:t>
+            </a:r>
+            <a:r>
+              <a:rPr lang="pt-BR" dirty="0" err="1"/>
+              <a:t>Would</a:t>
+            </a:r>
+            <a:r>
+              <a:rPr lang="pt-BR" dirty="0"/>
+              <a:t> </a:t>
+            </a:r>
+            <a:r>
+              <a:rPr lang="pt-BR" dirty="0" err="1"/>
+              <a:t>be</a:t>
+            </a:r>
+            <a:r>
+              <a:rPr lang="pt-BR" dirty="0"/>
+              <a:t> </a:t>
+            </a:r>
+            <a:r>
+              <a:rPr lang="pt-BR" dirty="0" err="1"/>
+              <a:t>necessary</a:t>
+            </a:r>
+            <a:r>
+              <a:rPr lang="pt-BR" dirty="0"/>
+              <a:t> </a:t>
+            </a:r>
+            <a:r>
+              <a:rPr lang="pt-BR" dirty="0" err="1"/>
+              <a:t>to</a:t>
+            </a:r>
+            <a:r>
+              <a:rPr lang="pt-BR" dirty="0"/>
+              <a:t> </a:t>
+            </a:r>
+            <a:r>
+              <a:rPr lang="pt-BR" dirty="0" err="1"/>
+              <a:t>search</a:t>
+            </a:r>
+            <a:r>
+              <a:rPr lang="pt-BR" dirty="0"/>
+              <a:t> for </a:t>
+            </a:r>
+            <a:r>
+              <a:rPr lang="pt-BR" dirty="0" err="1"/>
+              <a:t>text</a:t>
+            </a:r>
+            <a:r>
+              <a:rPr lang="pt-BR" dirty="0"/>
+              <a:t>.</a:t>
             </a:r>
           </a:p>
         </p:txBody>
@@ -7372,7 +10044,7 @@
           <p:cNvPr id="4" name="Espaço Reservado para Data 3">
             <a:extLst>
               <a:ext uri="{FF2B5EF4-FFF2-40B4-BE49-F238E27FC236}">
-                <a16:creationId xmlns:a16="http://schemas.microsoft.com/office/drawing/2014/main" id="{DEE94905-AA24-4226-A6C2-87A63EB3CA6D}"/>
+                <a16:creationId xmlns:a16="http://schemas.microsoft.com/office/drawing/2014/main" id="{82B5EB70-0611-4AB4-AB5F-DA3780E5DF3E}"/>
               </a:ext>
             </a:extLst>
           </p:cNvPr>
@@ -7391,7 +10063,7 @@
             <a:pPr rtl="0"/>
             <a:fld id="{D6866A0C-EEE8-4DE1-9ECF-51EC9C0B8BE2}" type="datetime1">
               <a:rPr lang="pt-BR" smtClean="0"/>
-              <a:t>30/05/2021</a:t>
+              <a:t>15/08/2022</a:t>
             </a:fld>
             <a:endParaRPr lang="en-US" dirty="0"/>
           </a:p>
@@ -7400,7 +10072,7 @@
     </p:spTree>
     <p:extLst>
       <p:ext uri="{BB962C8B-B14F-4D97-AF65-F5344CB8AC3E}">
-        <p14:creationId xmlns:p14="http://schemas.microsoft.com/office/powerpoint/2010/main" val="3506296082"/>
+        <p14:creationId xmlns:p14="http://schemas.microsoft.com/office/powerpoint/2010/main" val="695378728"/>
       </p:ext>
     </p:extLst>
   </p:cSld>
@@ -7410,7 +10082,7 @@
 </p:sld>
 </file>
 
-<file path=ppt/slides/slide20.xml><?xml version="1.0" encoding="utf-8"?>
+<file path=ppt/slides/slide25.xml><?xml version="1.0" encoding="utf-8"?>
 <p:sld xmlns:a="http://schemas.openxmlformats.org/drawingml/2006/main" xmlns:r="http://schemas.openxmlformats.org/officeDocument/2006/relationships" xmlns:p="http://schemas.openxmlformats.org/presentationml/2006/main">
   <p:cSld>
     <p:spTree>
@@ -7432,7 +10104,7 @@
           <p:cNvPr id="2" name="Título 1">
             <a:extLst>
               <a:ext uri="{FF2B5EF4-FFF2-40B4-BE49-F238E27FC236}">
-                <a16:creationId xmlns:a16="http://schemas.microsoft.com/office/drawing/2014/main" id="{56512E56-67B2-461D-9EE9-CB87B77C8D14}"/>
+                <a16:creationId xmlns:a16="http://schemas.microsoft.com/office/drawing/2014/main" id="{11DE6AB3-7982-4F0C-889C-E024DA380E73}"/>
               </a:ext>
             </a:extLst>
           </p:cNvPr>
@@ -7449,183 +10121,18 @@
           <a:lstStyle/>
           <a:p>
             <a:r>
-              <a:rPr lang="pt-BR" dirty="0"/>
-              <a:t>Solução alternativa 2 - </a:t>
-            </a:r>
-            <a:r>
-              <a:rPr lang="pt-BR" dirty="0" err="1"/>
-              <a:t>jpql</a:t>
+              <a:rPr lang="pt-BR" dirty="0" err="1"/>
+              <a:t>Good</a:t>
+            </a:r>
+            <a:r>
+              <a:rPr lang="pt-BR" dirty="0"/>
+              <a:t> </a:t>
+            </a:r>
+            <a:r>
+              <a:rPr lang="pt-BR" dirty="0" err="1"/>
+              <a:t>practices</a:t>
             </a:r>
             <a:endParaRPr lang="pt-BR" dirty="0"/>
-          </a:p>
-        </p:txBody>
-      </p:sp>
-      <p:sp>
-        <p:nvSpPr>
-          <p:cNvPr id="3" name="Espaço Reservado para Conteúdo 2">
-            <a:extLst>
-              <a:ext uri="{FF2B5EF4-FFF2-40B4-BE49-F238E27FC236}">
-                <a16:creationId xmlns:a16="http://schemas.microsoft.com/office/drawing/2014/main" id="{EC8810E7-F314-41A0-8E5D-D79A03AD48A3}"/>
-              </a:ext>
-            </a:extLst>
-          </p:cNvPr>
-          <p:cNvSpPr>
-            <a:spLocks noGrp="1"/>
-          </p:cNvSpPr>
-          <p:nvPr>
-            <p:ph idx="1"/>
-          </p:nvPr>
-        </p:nvSpPr>
-        <p:spPr/>
-        <p:txBody>
-          <a:bodyPr/>
-          <a:lstStyle/>
-          <a:p>
-            <a:r>
-              <a:rPr lang="pt-BR" dirty="0"/>
-              <a:t>Pontos Positivos</a:t>
-            </a:r>
-          </a:p>
-          <a:p>
-            <a:pPr lvl="1"/>
-            <a:r>
-              <a:rPr lang="pt-BR" dirty="0"/>
-              <a:t>Apenas um acesso a base de dados.</a:t>
-            </a:r>
-          </a:p>
-          <a:p>
-            <a:pPr lvl="1"/>
-            <a:r>
-              <a:rPr lang="pt-BR" dirty="0"/>
-              <a:t>Sintaxe simples e baixa complexidade de código.</a:t>
-            </a:r>
-          </a:p>
-          <a:p>
-            <a:r>
-              <a:rPr lang="pt-BR" dirty="0"/>
-              <a:t>Pontos Negativos</a:t>
-            </a:r>
-          </a:p>
-          <a:p>
-            <a:pPr lvl="1"/>
-            <a:r>
-              <a:rPr lang="pt-BR" dirty="0"/>
-              <a:t>Não é suportado pela estrutura de paginação já existente. </a:t>
-            </a:r>
-          </a:p>
-          <a:p>
-            <a:pPr lvl="2"/>
-            <a:r>
-              <a:rPr lang="pt-BR" i="1" dirty="0" err="1"/>
-              <a:t>Specifications</a:t>
-            </a:r>
-            <a:r>
-              <a:rPr lang="pt-BR" dirty="0"/>
-              <a:t> em </a:t>
-            </a:r>
-            <a:r>
-              <a:rPr lang="pt-BR" dirty="0" err="1"/>
-              <a:t>criteria</a:t>
-            </a:r>
-            <a:r>
-              <a:rPr lang="pt-BR" dirty="0"/>
-              <a:t> não poderiam ser utilizados.</a:t>
-            </a:r>
-          </a:p>
-          <a:p>
-            <a:pPr lvl="1"/>
-            <a:r>
-              <a:rPr lang="pt-BR" dirty="0"/>
-              <a:t>A busca por referência seria afetada. Necessário realizar busca por texto no código.</a:t>
-            </a:r>
-          </a:p>
-        </p:txBody>
-      </p:sp>
-      <p:sp>
-        <p:nvSpPr>
-          <p:cNvPr id="4" name="Espaço Reservado para Data 3">
-            <a:extLst>
-              <a:ext uri="{FF2B5EF4-FFF2-40B4-BE49-F238E27FC236}">
-                <a16:creationId xmlns:a16="http://schemas.microsoft.com/office/drawing/2014/main" id="{82B5EB70-0611-4AB4-AB5F-DA3780E5DF3E}"/>
-              </a:ext>
-            </a:extLst>
-          </p:cNvPr>
-          <p:cNvSpPr>
-            <a:spLocks noGrp="1"/>
-          </p:cNvSpPr>
-          <p:nvPr>
-            <p:ph type="dt" sz="half" idx="10"/>
-          </p:nvPr>
-        </p:nvSpPr>
-        <p:spPr/>
-        <p:txBody>
-          <a:bodyPr/>
-          <a:lstStyle/>
-          <a:p>
-            <a:pPr rtl="0"/>
-            <a:fld id="{D6866A0C-EEE8-4DE1-9ECF-51EC9C0B8BE2}" type="datetime1">
-              <a:rPr lang="pt-BR" smtClean="0"/>
-              <a:t>31/05/2021</a:t>
-            </a:fld>
-            <a:endParaRPr lang="en-US" dirty="0"/>
-          </a:p>
-        </p:txBody>
-      </p:sp>
-    </p:spTree>
-    <p:extLst>
-      <p:ext uri="{BB962C8B-B14F-4D97-AF65-F5344CB8AC3E}">
-        <p14:creationId xmlns:p14="http://schemas.microsoft.com/office/powerpoint/2010/main" val="695378728"/>
-      </p:ext>
-    </p:extLst>
-  </p:cSld>
-  <p:clrMapOvr>
-    <a:masterClrMapping/>
-  </p:clrMapOvr>
-</p:sld>
-</file>
-
-<file path=ppt/slides/slide21.xml><?xml version="1.0" encoding="utf-8"?>
-<p:sld xmlns:a="http://schemas.openxmlformats.org/drawingml/2006/main" xmlns:r="http://schemas.openxmlformats.org/officeDocument/2006/relationships" xmlns:p="http://schemas.openxmlformats.org/presentationml/2006/main">
-  <p:cSld>
-    <p:spTree>
-      <p:nvGrpSpPr>
-        <p:cNvPr id="1" name=""/>
-        <p:cNvGrpSpPr/>
-        <p:nvPr/>
-      </p:nvGrpSpPr>
-      <p:grpSpPr>
-        <a:xfrm>
-          <a:off x="0" y="0"/>
-          <a:ext cx="0" cy="0"/>
-          <a:chOff x="0" y="0"/>
-          <a:chExt cx="0" cy="0"/>
-        </a:xfrm>
-      </p:grpSpPr>
-      <p:sp>
-        <p:nvSpPr>
-          <p:cNvPr id="2" name="Título 1">
-            <a:extLst>
-              <a:ext uri="{FF2B5EF4-FFF2-40B4-BE49-F238E27FC236}">
-                <a16:creationId xmlns:a16="http://schemas.microsoft.com/office/drawing/2014/main" id="{11DE6AB3-7982-4F0C-889C-E024DA380E73}"/>
-              </a:ext>
-            </a:extLst>
-          </p:cNvPr>
-          <p:cNvSpPr>
-            <a:spLocks noGrp="1"/>
-          </p:cNvSpPr>
-          <p:nvPr>
-            <p:ph type="title"/>
-          </p:nvPr>
-        </p:nvSpPr>
-        <p:spPr/>
-        <p:txBody>
-          <a:bodyPr/>
-          <a:lstStyle/>
-          <a:p>
-            <a:r>
-              <a:rPr lang="pt-BR" dirty="0"/>
-              <a:t>Boas práticas</a:t>
-            </a:r>
           </a:p>
         </p:txBody>
       </p:sp>
@@ -7651,34 +10158,182 @@
           <a:lstStyle/>
           <a:p>
             <a:r>
-              <a:rPr lang="pt-BR" dirty="0"/>
-              <a:t>Habilitar log de operações da JPA.</a:t>
+              <a:rPr lang="pt-BR" dirty="0" err="1"/>
+              <a:t>Enable</a:t>
+            </a:r>
+            <a:r>
+              <a:rPr lang="pt-BR" dirty="0"/>
+              <a:t> log </a:t>
+            </a:r>
+            <a:r>
+              <a:rPr lang="pt-BR" dirty="0" err="1"/>
+              <a:t>operations</a:t>
+            </a:r>
+            <a:r>
+              <a:rPr lang="pt-BR" dirty="0"/>
+              <a:t> in JPA (</a:t>
+            </a:r>
+            <a:r>
+              <a:rPr lang="pt-BR" dirty="0" err="1"/>
+              <a:t>Change</a:t>
+            </a:r>
+            <a:r>
+              <a:rPr lang="pt-BR" dirty="0"/>
+              <a:t> INFO </a:t>
+            </a:r>
+            <a:r>
+              <a:rPr lang="pt-BR" dirty="0" err="1"/>
+              <a:t>to</a:t>
+            </a:r>
+            <a:r>
+              <a:rPr lang="pt-BR" dirty="0"/>
+              <a:t> DEBUG).</a:t>
             </a:r>
           </a:p>
           <a:p>
             <a:pPr lvl="1"/>
             <a:r>
-              <a:rPr lang="pt-BR" dirty="0"/>
-              <a:t>Comportamentos nocivos ao desempenho são facilmente detectáveis.</a:t>
-            </a:r>
-          </a:p>
-          <a:p>
-            <a:r>
-              <a:rPr lang="pt-BR" dirty="0"/>
-              <a:t>Utilizar número de dados semelhante a produção</a:t>
-            </a:r>
-          </a:p>
-          <a:p>
-            <a:r>
-              <a:rPr lang="pt-BR" dirty="0"/>
-              <a:t>Buscar simplicidade e baixa manutenção nas alternativas.</a:t>
+              <a:rPr lang="pt-BR" dirty="0" err="1"/>
+              <a:t>Harmful</a:t>
+            </a:r>
+            <a:r>
+              <a:rPr lang="pt-BR" dirty="0"/>
+              <a:t> Query </a:t>
+            </a:r>
+            <a:r>
+              <a:rPr lang="pt-BR" dirty="0" err="1"/>
+              <a:t>behaviors</a:t>
+            </a:r>
+            <a:r>
+              <a:rPr lang="pt-BR" dirty="0"/>
+              <a:t> are </a:t>
+            </a:r>
+            <a:r>
+              <a:rPr lang="pt-BR" dirty="0" err="1"/>
+              <a:t>easily</a:t>
+            </a:r>
+            <a:r>
+              <a:rPr lang="pt-BR" dirty="0"/>
+              <a:t> </a:t>
+            </a:r>
+            <a:r>
+              <a:rPr lang="pt-BR" dirty="0" err="1"/>
+              <a:t>detected</a:t>
+            </a:r>
+            <a:r>
+              <a:rPr lang="pt-BR" dirty="0"/>
+              <a:t>.</a:t>
+            </a:r>
+          </a:p>
+          <a:p>
+            <a:r>
+              <a:rPr lang="pt-BR" dirty="0" err="1"/>
+              <a:t>Using</a:t>
+            </a:r>
+            <a:r>
+              <a:rPr lang="pt-BR" dirty="0"/>
+              <a:t> </a:t>
+            </a:r>
+            <a:r>
+              <a:rPr lang="pt-BR" dirty="0" err="1"/>
+              <a:t>the</a:t>
+            </a:r>
+            <a:r>
+              <a:rPr lang="pt-BR" dirty="0"/>
+              <a:t> </a:t>
+            </a:r>
+            <a:r>
+              <a:rPr lang="pt-BR" dirty="0" err="1"/>
+              <a:t>amount</a:t>
+            </a:r>
+            <a:r>
+              <a:rPr lang="pt-BR" dirty="0"/>
+              <a:t> </a:t>
+            </a:r>
+            <a:r>
+              <a:rPr lang="pt-BR" dirty="0" err="1"/>
+              <a:t>of</a:t>
+            </a:r>
+            <a:r>
+              <a:rPr lang="pt-BR" dirty="0"/>
+              <a:t> data close </a:t>
+            </a:r>
+            <a:r>
+              <a:rPr lang="pt-BR" dirty="0" err="1"/>
+              <a:t>to</a:t>
+            </a:r>
+            <a:r>
+              <a:rPr lang="pt-BR" dirty="0"/>
+              <a:t> </a:t>
+            </a:r>
+            <a:r>
+              <a:rPr lang="pt-BR" dirty="0" err="1"/>
+              <a:t>the</a:t>
+            </a:r>
+            <a:r>
+              <a:rPr lang="pt-BR" dirty="0"/>
+              <a:t> </a:t>
+            </a:r>
+            <a:r>
+              <a:rPr lang="pt-BR" dirty="0" err="1"/>
+              <a:t>Production</a:t>
+            </a:r>
+            <a:r>
+              <a:rPr lang="pt-BR" dirty="0"/>
+              <a:t> </a:t>
+            </a:r>
+            <a:r>
+              <a:rPr lang="pt-BR" dirty="0" err="1"/>
+              <a:t>environment</a:t>
+            </a:r>
+            <a:r>
+              <a:rPr lang="pt-BR" dirty="0"/>
+              <a:t>.</a:t>
+            </a:r>
+          </a:p>
+          <a:p>
+            <a:r>
+              <a:rPr lang="pt-BR" dirty="0"/>
+              <a:t>Look for </a:t>
+            </a:r>
+            <a:r>
+              <a:rPr lang="pt-BR" dirty="0" err="1"/>
+              <a:t>simplicity</a:t>
+            </a:r>
+            <a:r>
+              <a:rPr lang="pt-BR" dirty="0"/>
+              <a:t> </a:t>
+            </a:r>
+            <a:r>
+              <a:rPr lang="pt-BR" dirty="0" err="1"/>
+              <a:t>and</a:t>
+            </a:r>
+            <a:r>
+              <a:rPr lang="pt-BR" dirty="0"/>
+              <a:t> </a:t>
+            </a:r>
+            <a:r>
+              <a:rPr lang="pt-BR" dirty="0" err="1"/>
+              <a:t>low</a:t>
+            </a:r>
+            <a:r>
+              <a:rPr lang="pt-BR" dirty="0"/>
+              <a:t> </a:t>
+            </a:r>
+            <a:r>
+              <a:rPr lang="pt-BR" dirty="0" err="1"/>
+              <a:t>maintenance</a:t>
+            </a:r>
+            <a:r>
+              <a:rPr lang="pt-BR" dirty="0"/>
+              <a:t>.</a:t>
             </a:r>
           </a:p>
           <a:p>
             <a:pPr lvl="1"/>
             <a:r>
               <a:rPr lang="pt-BR" dirty="0"/>
-              <a:t>Trade </a:t>
+              <a:t>Trade-</a:t>
             </a:r>
             <a:r>
               <a:rPr lang="pt-BR" dirty="0" err="1"/>
@@ -7686,20 +10341,108 @@
             </a:r>
             <a:r>
               <a:rPr lang="pt-BR" dirty="0"/>
-              <a:t> vão ocorrer.</a:t>
-            </a:r>
-          </a:p>
-          <a:p>
-            <a:r>
-              <a:rPr lang="pt-BR" dirty="0"/>
-              <a:t>Para alta performance, elaborar consultas SQL</a:t>
+              <a:t> </a:t>
+            </a:r>
+            <a:r>
+              <a:rPr lang="pt-BR" dirty="0" err="1"/>
+              <a:t>will</a:t>
+            </a:r>
+            <a:r>
+              <a:rPr lang="pt-BR" dirty="0"/>
+              <a:t> </a:t>
+            </a:r>
+            <a:r>
+              <a:rPr lang="pt-BR" dirty="0" err="1"/>
+              <a:t>happen</a:t>
+            </a:r>
+            <a:r>
+              <a:rPr lang="pt-BR" dirty="0"/>
+              <a:t>.</a:t>
+            </a:r>
+          </a:p>
+          <a:p>
+            <a:r>
+              <a:rPr lang="pt-BR" dirty="0" err="1"/>
+              <a:t>To</a:t>
+            </a:r>
+            <a:r>
+              <a:rPr lang="pt-BR" dirty="0"/>
+              <a:t> </a:t>
+            </a:r>
+            <a:r>
+              <a:rPr lang="pt-BR" dirty="0" err="1"/>
+              <a:t>higher</a:t>
+            </a:r>
+            <a:r>
+              <a:rPr lang="pt-BR" dirty="0"/>
+              <a:t> </a:t>
+            </a:r>
+            <a:r>
+              <a:rPr lang="pt-BR" dirty="0" err="1"/>
+              <a:t>perfomance</a:t>
+            </a:r>
+            <a:r>
+              <a:rPr lang="pt-BR" dirty="0"/>
+              <a:t>, build SQL Queries</a:t>
             </a:r>
           </a:p>
           <a:p>
             <a:pPr lvl="1"/>
             <a:r>
-              <a:rPr lang="pt-BR" dirty="0"/>
-              <a:t>Criação de índices pode ser necessário para diminuir tempo de consultas.</a:t>
+              <a:rPr lang="pt-BR" dirty="0" err="1"/>
+              <a:t>Creating</a:t>
+            </a:r>
+            <a:r>
+              <a:rPr lang="pt-BR" dirty="0"/>
+              <a:t> indexes </a:t>
+            </a:r>
+            <a:r>
+              <a:rPr lang="pt-BR" dirty="0" err="1"/>
+              <a:t>can</a:t>
+            </a:r>
+            <a:r>
+              <a:rPr lang="pt-BR" dirty="0"/>
+              <a:t> </a:t>
+            </a:r>
+            <a:r>
+              <a:rPr lang="pt-BR" dirty="0" err="1"/>
+              <a:t>be</a:t>
+            </a:r>
+            <a:r>
+              <a:rPr lang="pt-BR" dirty="0"/>
+              <a:t> </a:t>
+            </a:r>
+            <a:r>
+              <a:rPr lang="pt-BR" dirty="0" err="1"/>
+              <a:t>necessary</a:t>
+            </a:r>
+            <a:r>
+              <a:rPr lang="pt-BR" dirty="0"/>
+              <a:t> </a:t>
+            </a:r>
+            <a:r>
+              <a:rPr lang="pt-BR" dirty="0" err="1"/>
+              <a:t>to</a:t>
+            </a:r>
+            <a:r>
+              <a:rPr lang="pt-BR" dirty="0"/>
+              <a:t> </a:t>
+            </a:r>
+            <a:r>
+              <a:rPr lang="pt-BR" dirty="0" err="1"/>
+              <a:t>decrease</a:t>
+            </a:r>
+            <a:r>
+              <a:rPr lang="pt-BR" dirty="0"/>
+              <a:t> </a:t>
+            </a:r>
+            <a:r>
+              <a:rPr lang="pt-BR" dirty="0" err="1"/>
+              <a:t>the</a:t>
+            </a:r>
+            <a:r>
+              <a:rPr lang="pt-BR" dirty="0"/>
+              <a:t> queries time.</a:t>
             </a:r>
           </a:p>
         </p:txBody>
@@ -7728,7 +10471,7 @@
             <a:pPr rtl="0"/>
             <a:fld id="{D6866A0C-EEE8-4DE1-9ECF-51EC9C0B8BE2}" type="datetime1">
               <a:rPr lang="pt-BR" smtClean="0"/>
-              <a:t>31/05/2021</a:t>
+              <a:t>15/08/2022</a:t>
             </a:fld>
             <a:endParaRPr lang="en-US" dirty="0"/>
           </a:p>
@@ -7791,7 +10534,7 @@
 </p:sld>
 </file>
 
-<file path=ppt/slides/slide22.xml><?xml version="1.0" encoding="utf-8"?>
+<file path=ppt/slides/slide26.xml><?xml version="1.0" encoding="utf-8"?>
 <p:sld xmlns:a="http://schemas.openxmlformats.org/drawingml/2006/main" xmlns:r="http://schemas.openxmlformats.org/officeDocument/2006/relationships" xmlns:p="http://schemas.openxmlformats.org/presentationml/2006/main">
   <p:cSld>
     <p:spTree>
@@ -7841,12 +10584,8 @@
               <a:rPr lang="en-US" dirty="0"/>
             </a:br>
             <a:r>
-              <a:rPr lang="en-US" sz="4900" dirty="0" err="1"/>
-              <a:t>Perguntas</a:t>
-            </a:r>
-            <a:r>
               <a:rPr lang="en-US" sz="4900" dirty="0"/>
-              <a:t>?</a:t>
+              <a:t>Questions?</a:t>
             </a:r>
             <a:br>
               <a:rPr lang="en-US" dirty="0"/>
@@ -7858,12 +10597,8 @@
               <a:rPr lang="en-US" dirty="0"/>
             </a:br>
             <a:r>
-              <a:rPr lang="en-US" dirty="0" err="1"/>
-              <a:t>Obrigado</a:t>
-            </a:r>
-            <a:r>
               <a:rPr lang="en-US" dirty="0"/>
-              <a:t>!</a:t>
+              <a:t>Thank you!</a:t>
             </a:r>
           </a:p>
         </p:txBody>
@@ -7896,7 +10631,7 @@
           <a:p>
             <a:r>
               <a:rPr lang="en-US" dirty="0"/>
-              <a:t>Thiago.adelino@hypeflame.com.br</a:t>
+              <a:t>Thiago.adelino@e-core.com</a:t>
             </a:r>
           </a:p>
         </p:txBody>
@@ -7941,7 +10676,7 @@
                   <a:spcPts val="600"/>
                 </a:spcAft>
               </a:pPr>
-              <a:t>31/05/2021</a:t>
+              <a:t>15/08/2022</a:t>
             </a:fld>
             <a:endParaRPr lang="en-US"/>
           </a:p>
@@ -8000,7 +10735,7 @@
           <a:p>
             <a:r>
               <a:rPr lang="pt-BR" dirty="0"/>
-              <a:t>Overview da Java </a:t>
+              <a:t>Overview - Java </a:t>
             </a:r>
             <a:r>
               <a:rPr lang="pt-BR" dirty="0" err="1"/>
@@ -8040,20 +10775,104 @@
             </a:r>
             <a:r>
               <a:rPr lang="pt-BR" dirty="0"/>
-              <a:t> surge em meados de 2003 com o conceito de ORM. </a:t>
+              <a:t> </a:t>
+            </a:r>
+            <a:r>
+              <a:rPr lang="pt-BR" dirty="0" err="1"/>
+              <a:t>appears</a:t>
+            </a:r>
+            <a:r>
+              <a:rPr lang="pt-BR" dirty="0"/>
+              <a:t> in 2003 </a:t>
+            </a:r>
+            <a:r>
+              <a:rPr lang="pt-BR" dirty="0" err="1"/>
+              <a:t>with</a:t>
+            </a:r>
+            <a:r>
+              <a:rPr lang="pt-BR" dirty="0"/>
+              <a:t> </a:t>
+            </a:r>
+            <a:r>
+              <a:rPr lang="pt-BR" dirty="0" err="1"/>
+              <a:t>the</a:t>
+            </a:r>
+            <a:r>
+              <a:rPr lang="pt-BR" dirty="0"/>
+              <a:t> ORM </a:t>
+            </a:r>
+            <a:r>
+              <a:rPr lang="pt-BR" dirty="0" err="1"/>
+              <a:t>concept</a:t>
+            </a:r>
+            <a:r>
+              <a:rPr lang="pt-BR" dirty="0"/>
+              <a:t>. </a:t>
             </a:r>
           </a:p>
           <a:p>
             <a:pPr lvl="1"/>
             <a:r>
-              <a:rPr lang="pt-BR" dirty="0"/>
-              <a:t>Simplificar as operações com bancos de dados no paradigma relacional </a:t>
-            </a:r>
-          </a:p>
-          <a:p>
-            <a:r>
-              <a:rPr lang="pt-BR" dirty="0"/>
-              <a:t>Oracle incorpora o </a:t>
+              <a:rPr lang="pt-BR" dirty="0" err="1"/>
+              <a:t>Simplifies</a:t>
+            </a:r>
+            <a:r>
+              <a:rPr lang="pt-BR" dirty="0"/>
+              <a:t> </a:t>
+            </a:r>
+            <a:r>
+              <a:rPr lang="pt-BR" dirty="0" err="1"/>
+              <a:t>the</a:t>
+            </a:r>
+            <a:r>
+              <a:rPr lang="pt-BR" dirty="0"/>
+              <a:t> </a:t>
+            </a:r>
+            <a:r>
+              <a:rPr lang="pt-BR" dirty="0" err="1"/>
+              <a:t>database</a:t>
+            </a:r>
+            <a:r>
+              <a:rPr lang="pt-BR" dirty="0"/>
+              <a:t> </a:t>
+            </a:r>
+            <a:r>
+              <a:rPr lang="pt-BR" dirty="0" err="1"/>
+              <a:t>operations</a:t>
+            </a:r>
+            <a:r>
+              <a:rPr lang="pt-BR" dirty="0"/>
+              <a:t> in </a:t>
+            </a:r>
+            <a:r>
+              <a:rPr lang="pt-BR" dirty="0" err="1"/>
+              <a:t>the</a:t>
+            </a:r>
+            <a:r>
+              <a:rPr lang="pt-BR" dirty="0"/>
+              <a:t> </a:t>
+            </a:r>
+            <a:r>
+              <a:rPr lang="pt-BR" dirty="0" err="1"/>
+              <a:t>relational</a:t>
+            </a:r>
+            <a:r>
+              <a:rPr lang="pt-BR" dirty="0"/>
+              <a:t> paradigma</a:t>
+            </a:r>
+          </a:p>
+          <a:p>
+            <a:r>
+              <a:rPr lang="pt-BR" dirty="0"/>
+              <a:t>Oracle </a:t>
+            </a:r>
+            <a:r>
+              <a:rPr lang="pt-BR" dirty="0" err="1"/>
+              <a:t>incorporates</a:t>
+            </a:r>
+            <a:r>
+              <a:rPr lang="pt-BR" dirty="0"/>
+              <a:t> </a:t>
             </a:r>
             <a:r>
               <a:rPr lang="pt-BR" dirty="0" err="1"/>
@@ -8061,13 +10880,65 @@
             </a:r>
             <a:r>
               <a:rPr lang="pt-BR" dirty="0"/>
-              <a:t> como parte da JSR 220 (EJB 3.0)</a:t>
-            </a:r>
-          </a:p>
-          <a:p>
-            <a:r>
-              <a:rPr lang="pt-BR" dirty="0"/>
-              <a:t>Posteriormente em 2009 JSR 317 nomeada já como JPA 2.0.</a:t>
+              <a:t> as </a:t>
+            </a:r>
+            <a:r>
+              <a:rPr lang="pt-BR" dirty="0" err="1"/>
+              <a:t>part</a:t>
+            </a:r>
+            <a:r>
+              <a:rPr lang="pt-BR" dirty="0"/>
+              <a:t> </a:t>
+            </a:r>
+            <a:r>
+              <a:rPr lang="pt-BR" dirty="0" err="1"/>
+              <a:t>of</a:t>
+            </a:r>
+            <a:r>
+              <a:rPr lang="pt-BR" dirty="0"/>
+              <a:t> JSR 220 (EJB 3.0)</a:t>
+            </a:r>
+          </a:p>
+          <a:p>
+            <a:r>
+              <a:rPr lang="pt-BR" dirty="0" err="1"/>
+              <a:t>After</a:t>
+            </a:r>
+            <a:r>
+              <a:rPr lang="pt-BR" dirty="0"/>
+              <a:t> </a:t>
+            </a:r>
+            <a:r>
+              <a:rPr lang="pt-BR" dirty="0" err="1"/>
+              <a:t>that</a:t>
+            </a:r>
+            <a:r>
+              <a:rPr lang="pt-BR" dirty="0"/>
+              <a:t> in 2009 as JSR 317 </a:t>
+            </a:r>
+            <a:r>
+              <a:rPr lang="pt-BR" dirty="0" err="1"/>
+              <a:t>with</a:t>
+            </a:r>
+            <a:r>
+              <a:rPr lang="pt-BR" dirty="0"/>
+              <a:t> </a:t>
+            </a:r>
+            <a:r>
+              <a:rPr lang="pt-BR" dirty="0" err="1"/>
+              <a:t>the</a:t>
+            </a:r>
+            <a:r>
+              <a:rPr lang="pt-BR" dirty="0"/>
+              <a:t> </a:t>
+            </a:r>
+            <a:r>
+              <a:rPr lang="pt-BR" dirty="0" err="1"/>
+              <a:t>name</a:t>
+            </a:r>
+            <a:r>
+              <a:rPr lang="pt-BR" dirty="0"/>
+              <a:t> ‘JPA 2.0’.</a:t>
             </a:r>
           </a:p>
           <a:p>
@@ -8099,7 +10970,7 @@
             <a:pPr rtl="0"/>
             <a:fld id="{D6866A0C-EEE8-4DE1-9ECF-51EC9C0B8BE2}" type="datetime1">
               <a:rPr lang="pt-BR" smtClean="0"/>
-              <a:t>30/05/2021</a:t>
+              <a:t>15/08/2022</a:t>
             </a:fld>
             <a:endParaRPr lang="en-US" dirty="0"/>
           </a:p>
@@ -8205,7 +11076,15 @@
           <a:p>
             <a:r>
               <a:rPr lang="pt-BR" dirty="0"/>
-              <a:t>Paradigma relacional x JPA</a:t>
+              <a:t>relacional </a:t>
+            </a:r>
+            <a:r>
+              <a:rPr lang="pt-BR" dirty="0" err="1"/>
+              <a:t>paradigm</a:t>
+            </a:r>
+            <a:r>
+              <a:rPr lang="pt-BR" dirty="0"/>
+              <a:t> x JPA</a:t>
             </a:r>
           </a:p>
         </p:txBody>
@@ -8232,8 +11111,52 @@
           <a:lstStyle/>
           <a:p>
             <a:r>
-              <a:rPr lang="pt-BR" dirty="0"/>
-              <a:t>Relacionamento entre tabelas x Relacionamento entre Objetos (OO):</a:t>
+              <a:rPr lang="pt-BR" dirty="0" err="1"/>
+              <a:t>Relationship</a:t>
+            </a:r>
+            <a:r>
+              <a:rPr lang="pt-BR" dirty="0"/>
+              <a:t> </a:t>
+            </a:r>
+            <a:r>
+              <a:rPr lang="pt-BR" dirty="0" err="1"/>
+              <a:t>between</a:t>
+            </a:r>
+            <a:r>
+              <a:rPr lang="pt-BR" dirty="0"/>
+              <a:t> </a:t>
+            </a:r>
+            <a:r>
+              <a:rPr lang="pt-BR" dirty="0" err="1"/>
+              <a:t>Tables</a:t>
+            </a:r>
+            <a:r>
+              <a:rPr lang="pt-BR" dirty="0"/>
+              <a:t> x </a:t>
+            </a:r>
+            <a:r>
+              <a:rPr lang="pt-BR" dirty="0" err="1"/>
+              <a:t>Relationship</a:t>
+            </a:r>
+            <a:r>
+              <a:rPr lang="pt-BR" dirty="0"/>
+              <a:t> </a:t>
+            </a:r>
+            <a:r>
+              <a:rPr lang="pt-BR" dirty="0" err="1"/>
+              <a:t>between</a:t>
+            </a:r>
+            <a:r>
+              <a:rPr lang="pt-BR" dirty="0"/>
+              <a:t> </a:t>
+            </a:r>
+            <a:r>
+              <a:rPr lang="pt-BR" dirty="0" err="1"/>
+              <a:t>Objects</a:t>
+            </a:r>
+            <a:r>
+              <a:rPr lang="pt-BR" dirty="0"/>
+              <a:t> (OO):</a:t>
             </a:r>
           </a:p>
           <a:p>
@@ -8315,7 +11238,7 @@
             <a:pPr rtl="0"/>
             <a:fld id="{D6866A0C-EEE8-4DE1-9ECF-51EC9C0B8BE2}" type="datetime1">
               <a:rPr lang="pt-BR" smtClean="0"/>
-              <a:t>30/05/2021</a:t>
+              <a:t>15/08/2022</a:t>
             </a:fld>
             <a:endParaRPr lang="en-US" dirty="0"/>
           </a:p>
@@ -8639,7 +11562,15 @@
           <a:p>
             <a:r>
               <a:rPr lang="pt-BR" dirty="0"/>
-              <a:t>Paradigma relacional x JPA</a:t>
+              <a:t>relacional </a:t>
+            </a:r>
+            <a:r>
+              <a:rPr lang="pt-BR" dirty="0" err="1"/>
+              <a:t>paradigm</a:t>
+            </a:r>
+            <a:r>
+              <a:rPr lang="pt-BR" dirty="0"/>
+              <a:t> x JPA</a:t>
             </a:r>
           </a:p>
         </p:txBody>
@@ -8666,8 +11597,12 @@
           <a:lstStyle/>
           <a:p>
             <a:r>
-              <a:rPr lang="pt-BR" dirty="0"/>
-              <a:t>Pacote javax.persistence.*</a:t>
+              <a:rPr lang="pt-BR" dirty="0" err="1"/>
+              <a:t>Package</a:t>
+            </a:r>
+            <a:r>
+              <a:rPr lang="pt-BR" dirty="0"/>
+              <a:t> javax.persistence.*</a:t>
             </a:r>
           </a:p>
           <a:p>
@@ -8720,7 +11655,7 @@
             <a:pPr rtl="0"/>
             <a:fld id="{D6866A0C-EEE8-4DE1-9ECF-51EC9C0B8BE2}" type="datetime1">
               <a:rPr lang="pt-BR" smtClean="0"/>
-              <a:t>30/05/2021</a:t>
+              <a:t>15/08/2022</a:t>
             </a:fld>
             <a:endParaRPr lang="en-US" dirty="0"/>
           </a:p>
@@ -8987,7 +11922,15 @@
           <a:p>
             <a:r>
               <a:rPr lang="pt-BR" dirty="0"/>
-              <a:t>Paradigma relacional x JPA</a:t>
+              <a:t>relacional </a:t>
+            </a:r>
+            <a:r>
+              <a:rPr lang="pt-BR" dirty="0" err="1"/>
+              <a:t>paradigm</a:t>
+            </a:r>
+            <a:r>
+              <a:rPr lang="pt-BR" dirty="0"/>
+              <a:t> x JPA</a:t>
             </a:r>
           </a:p>
         </p:txBody>
@@ -9016,7 +11959,7 @@
             <a:pPr rtl="0"/>
             <a:fld id="{D6866A0C-EEE8-4DE1-9ECF-51EC9C0B8BE2}" type="datetime1">
               <a:rPr lang="pt-BR" smtClean="0"/>
-              <a:t>30/05/2021</a:t>
+              <a:t>15/08/2022</a:t>
             </a:fld>
             <a:endParaRPr lang="en-US" dirty="0"/>
           </a:p>
@@ -9044,9 +11987,18 @@
           <a:lstStyle/>
           <a:p>
             <a:r>
-              <a:rPr lang="pt-BR" dirty="0"/>
-              <a:t>Tipos de relacionamento</a:t>
-            </a:r>
+              <a:rPr lang="pt-BR" dirty="0" err="1"/>
+              <a:t>Relationship</a:t>
+            </a:r>
+            <a:r>
+              <a:rPr lang="pt-BR" dirty="0"/>
+              <a:t> </a:t>
+            </a:r>
+            <a:r>
+              <a:rPr lang="pt-BR" dirty="0" err="1"/>
+              <a:t>Types</a:t>
+            </a:r>
+            <a:endParaRPr lang="pt-BR" dirty="0"/>
           </a:p>
           <a:p>
             <a:pPr lvl="1"/>
@@ -9141,7 +12093,15 @@
           <a:p>
             <a:r>
               <a:rPr lang="pt-BR" dirty="0"/>
-              <a:t>Paradigma relacional x JPA</a:t>
+              <a:t>relacional </a:t>
+            </a:r>
+            <a:r>
+              <a:rPr lang="pt-BR" dirty="0" err="1"/>
+              <a:t>paradigm</a:t>
+            </a:r>
+            <a:r>
+              <a:rPr lang="pt-BR" dirty="0"/>
+              <a:t> x JPA</a:t>
             </a:r>
           </a:p>
         </p:txBody>
@@ -9180,8 +12140,12 @@
           <a:p>
             <a:pPr lvl="1"/>
             <a:r>
-              <a:rPr lang="pt-BR" dirty="0"/>
-              <a:t>Por padrão são </a:t>
+              <a:rPr lang="pt-BR" dirty="0" err="1"/>
+              <a:t>By</a:t>
+            </a:r>
+            <a:r>
+              <a:rPr lang="pt-BR" dirty="0"/>
+              <a:t> default: </a:t>
             </a:r>
             <a:r>
               <a:rPr lang="pt-BR" dirty="0" err="1"/>
@@ -9206,8 +12170,12 @@
           <a:p>
             <a:pPr lvl="1"/>
             <a:r>
-              <a:rPr lang="pt-BR" dirty="0"/>
-              <a:t>Por padrão são </a:t>
+              <a:rPr lang="pt-BR" dirty="0" err="1"/>
+              <a:t>By</a:t>
+            </a:r>
+            <a:r>
+              <a:rPr lang="pt-BR" dirty="0"/>
+              <a:t> default: </a:t>
             </a:r>
             <a:r>
               <a:rPr lang="pt-BR" dirty="0" err="1"/>
@@ -9244,7 +12212,7 @@
             <a:pPr rtl="0"/>
             <a:fld id="{D6866A0C-EEE8-4DE1-9ECF-51EC9C0B8BE2}" type="datetime1">
               <a:rPr lang="pt-BR" smtClean="0"/>
-              <a:t>30/05/2021</a:t>
+              <a:t>15/08/2022</a:t>
             </a:fld>
             <a:endParaRPr lang="en-US" dirty="0"/>
           </a:p>
@@ -9493,7 +12461,7 @@
           <p:cNvPr id="2" name="Título 1">
             <a:extLst>
               <a:ext uri="{FF2B5EF4-FFF2-40B4-BE49-F238E27FC236}">
-                <a16:creationId xmlns:a16="http://schemas.microsoft.com/office/drawing/2014/main" id="{7B43D11B-CFB4-47E2-9D10-4D3615E76BFA}"/>
+                <a16:creationId xmlns:a16="http://schemas.microsoft.com/office/drawing/2014/main" id="{1AD4F22B-A982-8642-D16A-446F5B4BB345}"/>
               </a:ext>
             </a:extLst>
           </p:cNvPr>
@@ -9510,9 +12478,34 @@
           <a:lstStyle/>
           <a:p>
             <a:r>
-              <a:rPr lang="pt-BR" dirty="0"/>
-              <a:t>Consulta com JPA</a:t>
-            </a:r>
+              <a:rPr lang="pt-BR" dirty="0" err="1"/>
+              <a:t>Lazy</a:t>
+            </a:r>
+            <a:r>
+              <a:rPr lang="pt-BR" dirty="0"/>
+              <a:t> </a:t>
+            </a:r>
+            <a:r>
+              <a:rPr lang="pt-BR" dirty="0" err="1"/>
+              <a:t>Loading</a:t>
+            </a:r>
+            <a:r>
+              <a:rPr lang="pt-BR" dirty="0"/>
+              <a:t> x </a:t>
+            </a:r>
+            <a:r>
+              <a:rPr lang="pt-BR" dirty="0" err="1"/>
+              <a:t>eager</a:t>
+            </a:r>
+            <a:r>
+              <a:rPr lang="pt-BR" dirty="0"/>
+              <a:t> </a:t>
+            </a:r>
+            <a:r>
+              <a:rPr lang="pt-BR" dirty="0" err="1"/>
+              <a:t>loading</a:t>
+            </a:r>
+            <a:endParaRPr lang="pt-BR" dirty="0"/>
           </a:p>
         </p:txBody>
       </p:sp>
@@ -9521,7 +12514,7 @@
           <p:cNvPr id="3" name="Espaço Reservado para Conteúdo 2">
             <a:extLst>
               <a:ext uri="{FF2B5EF4-FFF2-40B4-BE49-F238E27FC236}">
-                <a16:creationId xmlns:a16="http://schemas.microsoft.com/office/drawing/2014/main" id="{73E77027-F435-43E6-8E8C-19A379C60AEB}"/>
+                <a16:creationId xmlns:a16="http://schemas.microsoft.com/office/drawing/2014/main" id="{3E0CF9FA-3E77-63ED-A7A3-07FCFF47EE9E}"/>
               </a:ext>
             </a:extLst>
           </p:cNvPr>
@@ -9530,6 +12523,280 @@
           </p:cNvSpPr>
           <p:nvPr>
             <p:ph idx="1"/>
+          </p:nvPr>
+        </p:nvSpPr>
+        <p:spPr>
+          <a:xfrm>
+            <a:off x="581192" y="2340864"/>
+            <a:ext cx="4887623" cy="3634486"/>
+          </a:xfrm>
+        </p:spPr>
+        <p:txBody>
+          <a:bodyPr/>
+          <a:lstStyle/>
+          <a:p>
+            <a:r>
+              <a:rPr lang="pt-BR" b="1" dirty="0" err="1"/>
+              <a:t>Lazy</a:t>
+            </a:r>
+            <a:r>
+              <a:rPr lang="pt-BR" b="1" dirty="0"/>
+              <a:t> </a:t>
+            </a:r>
+            <a:r>
+              <a:rPr lang="pt-BR" b="1" dirty="0" err="1"/>
+              <a:t>Loading</a:t>
+            </a:r>
+            <a:endParaRPr lang="pt-BR" b="1" dirty="0"/>
+          </a:p>
+          <a:p>
+            <a:pPr lvl="1"/>
+            <a:r>
+              <a:rPr lang="pt-BR" dirty="0" err="1"/>
+              <a:t>Delaying</a:t>
+            </a:r>
+            <a:r>
+              <a:rPr lang="pt-BR" dirty="0"/>
+              <a:t> </a:t>
+            </a:r>
+            <a:r>
+              <a:rPr lang="pt-BR" dirty="0" err="1"/>
+              <a:t>load</a:t>
+            </a:r>
+            <a:r>
+              <a:rPr lang="pt-BR" dirty="0"/>
+              <a:t> </a:t>
+            </a:r>
+            <a:r>
+              <a:rPr lang="pt-BR" dirty="0" err="1"/>
+              <a:t>or</a:t>
+            </a:r>
+            <a:r>
+              <a:rPr lang="pt-BR" dirty="0"/>
+              <a:t> </a:t>
+            </a:r>
+            <a:r>
+              <a:rPr lang="pt-BR" dirty="0" err="1"/>
+              <a:t>initialization</a:t>
+            </a:r>
+            <a:r>
+              <a:rPr lang="pt-BR" dirty="0"/>
+              <a:t> </a:t>
+            </a:r>
+            <a:r>
+              <a:rPr lang="pt-BR" dirty="0" err="1"/>
+              <a:t>of</a:t>
+            </a:r>
+            <a:r>
+              <a:rPr lang="pt-BR" dirty="0"/>
+              <a:t> </a:t>
+            </a:r>
+            <a:r>
+              <a:rPr lang="pt-BR" dirty="0" err="1"/>
+              <a:t>resources</a:t>
+            </a:r>
+            <a:r>
+              <a:rPr lang="pt-BR" dirty="0"/>
+              <a:t> </a:t>
+            </a:r>
+            <a:r>
+              <a:rPr lang="pt-BR" dirty="0" err="1"/>
+              <a:t>or</a:t>
+            </a:r>
+            <a:r>
+              <a:rPr lang="pt-BR" dirty="0"/>
+              <a:t> </a:t>
+            </a:r>
+            <a:r>
+              <a:rPr lang="pt-BR" dirty="0" err="1"/>
+              <a:t>objects</a:t>
+            </a:r>
+            <a:r>
+              <a:rPr lang="pt-BR" dirty="0"/>
+              <a:t> </a:t>
+            </a:r>
+            <a:r>
+              <a:rPr lang="pt-BR" dirty="0" err="1"/>
+              <a:t>until</a:t>
+            </a:r>
+            <a:r>
+              <a:rPr lang="pt-BR" dirty="0"/>
+              <a:t> </a:t>
+            </a:r>
+            <a:r>
+              <a:rPr lang="pt-BR" dirty="0" err="1"/>
+              <a:t>they</a:t>
+            </a:r>
+            <a:r>
+              <a:rPr lang="pt-BR" dirty="0"/>
+              <a:t> are </a:t>
+            </a:r>
+            <a:r>
+              <a:rPr lang="pt-BR" dirty="0" err="1"/>
+              <a:t>actually</a:t>
+            </a:r>
+            <a:r>
+              <a:rPr lang="pt-BR" dirty="0"/>
+              <a:t> </a:t>
+            </a:r>
+            <a:r>
+              <a:rPr lang="pt-BR" dirty="0" err="1"/>
+              <a:t>needed</a:t>
+            </a:r>
+            <a:r>
+              <a:rPr lang="pt-BR" dirty="0"/>
+              <a:t>.</a:t>
+            </a:r>
+          </a:p>
+          <a:p>
+            <a:pPr lvl="1"/>
+            <a:r>
+              <a:rPr lang="pt-BR" dirty="0" err="1"/>
+              <a:t>Example</a:t>
+            </a:r>
+            <a:r>
+              <a:rPr lang="pt-BR" dirty="0"/>
+              <a:t>: Apps </a:t>
+            </a:r>
+            <a:r>
+              <a:rPr lang="pt-BR" dirty="0" err="1"/>
+              <a:t>with</a:t>
+            </a:r>
+            <a:r>
+              <a:rPr lang="pt-BR" dirty="0"/>
+              <a:t> ‘</a:t>
+            </a:r>
+            <a:r>
+              <a:rPr lang="pt-BR" dirty="0" err="1"/>
+              <a:t>list</a:t>
+            </a:r>
+            <a:r>
+              <a:rPr lang="pt-BR" dirty="0"/>
+              <a:t> x </a:t>
+            </a:r>
+            <a:r>
+              <a:rPr lang="pt-BR" dirty="0" err="1"/>
+              <a:t>detail</a:t>
+            </a:r>
+            <a:r>
+              <a:rPr lang="pt-BR" dirty="0"/>
+              <a:t>’ </a:t>
+            </a:r>
+            <a:r>
+              <a:rPr lang="pt-BR" dirty="0" err="1"/>
+              <a:t>pages</a:t>
+            </a:r>
+            <a:r>
+              <a:rPr lang="pt-BR" dirty="0"/>
+              <a:t>.</a:t>
+            </a:r>
+          </a:p>
+          <a:p>
+            <a:pPr lvl="1"/>
+            <a:endParaRPr lang="pt-BR" dirty="0"/>
+          </a:p>
+          <a:p>
+            <a:r>
+              <a:rPr lang="pt-BR" dirty="0" err="1"/>
+              <a:t>Eager</a:t>
+            </a:r>
+            <a:r>
+              <a:rPr lang="pt-BR" dirty="0"/>
+              <a:t> </a:t>
+            </a:r>
+            <a:r>
+              <a:rPr lang="pt-BR" dirty="0" err="1"/>
+              <a:t>Loading</a:t>
+            </a:r>
+            <a:endParaRPr lang="pt-BR" dirty="0"/>
+          </a:p>
+          <a:p>
+            <a:pPr lvl="1"/>
+            <a:r>
+              <a:rPr lang="pt-BR" dirty="0"/>
+              <a:t>Will </a:t>
+            </a:r>
+            <a:r>
+              <a:rPr lang="pt-BR" dirty="0" err="1"/>
+              <a:t>retrieve</a:t>
+            </a:r>
+            <a:r>
+              <a:rPr lang="pt-BR" dirty="0"/>
+              <a:t> </a:t>
+            </a:r>
+            <a:r>
+              <a:rPr lang="pt-BR" dirty="0" err="1"/>
+              <a:t>all</a:t>
+            </a:r>
+            <a:r>
+              <a:rPr lang="pt-BR" dirty="0"/>
+              <a:t> </a:t>
+            </a:r>
+            <a:r>
+              <a:rPr lang="pt-BR" dirty="0" err="1"/>
+              <a:t>the</a:t>
+            </a:r>
+            <a:r>
+              <a:rPr lang="pt-BR" dirty="0"/>
+              <a:t> data </a:t>
+            </a:r>
+            <a:r>
+              <a:rPr lang="pt-BR" dirty="0" err="1"/>
+              <a:t>once</a:t>
+            </a:r>
+            <a:r>
+              <a:rPr lang="pt-BR" dirty="0"/>
+              <a:t> </a:t>
+            </a:r>
+            <a:r>
+              <a:rPr lang="pt-BR" dirty="0" err="1"/>
+              <a:t>the</a:t>
+            </a:r>
+            <a:r>
+              <a:rPr lang="pt-BR" dirty="0"/>
+              <a:t> </a:t>
+            </a:r>
+            <a:r>
+              <a:rPr lang="pt-BR" dirty="0" err="1"/>
+              <a:t>code</a:t>
+            </a:r>
+            <a:r>
+              <a:rPr lang="pt-BR" dirty="0"/>
+              <a:t> </a:t>
+            </a:r>
+            <a:r>
+              <a:rPr lang="pt-BR" dirty="0" err="1"/>
+              <a:t>is</a:t>
+            </a:r>
+            <a:r>
+              <a:rPr lang="pt-BR" dirty="0"/>
+              <a:t> </a:t>
+            </a:r>
+            <a:r>
+              <a:rPr lang="pt-BR" dirty="0" err="1"/>
+              <a:t>executed</a:t>
+            </a:r>
+            <a:r>
+              <a:rPr lang="pt-BR" dirty="0"/>
+              <a:t>. </a:t>
+            </a:r>
+          </a:p>
+        </p:txBody>
+      </p:sp>
+      <p:sp>
+        <p:nvSpPr>
+          <p:cNvPr id="4" name="Espaço Reservado para Data 3">
+            <a:extLst>
+              <a:ext uri="{FF2B5EF4-FFF2-40B4-BE49-F238E27FC236}">
+                <a16:creationId xmlns:a16="http://schemas.microsoft.com/office/drawing/2014/main" id="{78F55BCF-99FC-A3CF-E05C-EB880E31C348}"/>
+              </a:ext>
+            </a:extLst>
+          </p:cNvPr>
+          <p:cNvSpPr>
+            <a:spLocks noGrp="1"/>
+          </p:cNvSpPr>
+          <p:nvPr>
+            <p:ph type="dt" sz="half" idx="10"/>
           </p:nvPr>
         </p:nvSpPr>
         <p:spPr/>
@@ -9537,101 +12804,66 @@
           <a:bodyPr/>
           <a:lstStyle/>
           <a:p>
-            <a:r>
-              <a:rPr lang="pt-BR" dirty="0" err="1"/>
-              <a:t>Criteria</a:t>
-            </a:r>
-            <a:endParaRPr lang="pt-BR" dirty="0"/>
-          </a:p>
-          <a:p>
-            <a:pPr lvl="1"/>
-            <a:r>
-              <a:rPr lang="pt-BR" dirty="0"/>
-              <a:t>Usada nas operações herdadas.</a:t>
-            </a:r>
-          </a:p>
-          <a:p>
-            <a:r>
-              <a:rPr lang="pt-BR" dirty="0"/>
-              <a:t>JPQL</a:t>
-            </a:r>
-          </a:p>
-          <a:p>
-            <a:pPr lvl="1"/>
-            <a:r>
-              <a:rPr lang="pt-BR" dirty="0"/>
-              <a:t>Query </a:t>
-            </a:r>
-            <a:r>
-              <a:rPr lang="pt-BR" dirty="0" err="1"/>
-              <a:t>language</a:t>
-            </a:r>
-            <a:r>
-              <a:rPr lang="pt-BR" dirty="0"/>
-              <a:t> da JPA que se parece com SQL.</a:t>
-            </a:r>
-          </a:p>
-          <a:p>
-            <a:r>
-              <a:rPr lang="pt-BR" dirty="0"/>
-              <a:t>SQL</a:t>
-            </a:r>
-          </a:p>
-          <a:p>
-            <a:pPr lvl="1"/>
-            <a:r>
-              <a:rPr lang="pt-BR" dirty="0" err="1"/>
-              <a:t>Structured</a:t>
-            </a:r>
-            <a:r>
-              <a:rPr lang="pt-BR" dirty="0"/>
-              <a:t> Query </a:t>
-            </a:r>
-            <a:r>
-              <a:rPr lang="pt-BR" dirty="0" err="1"/>
-              <a:t>Language</a:t>
-            </a:r>
-            <a:r>
-              <a:rPr lang="pt-BR" dirty="0"/>
-              <a:t>.</a:t>
-            </a:r>
+            <a:pPr rtl="0"/>
+            <a:fld id="{D6866A0C-EEE8-4DE1-9ECF-51EC9C0B8BE2}" type="datetime1">
+              <a:rPr lang="pt-BR" smtClean="0"/>
+              <a:t>15/08/2022</a:t>
+            </a:fld>
+            <a:endParaRPr lang="en-US" dirty="0"/>
           </a:p>
         </p:txBody>
       </p:sp>
-      <p:sp>
-        <p:nvSpPr>
-          <p:cNvPr id="4" name="Espaço Reservado para Data 3">
+      <p:pic>
+        <p:nvPicPr>
+          <p:cNvPr id="1026" name="Picture 2" descr="SwiftUI Tutorial — Lists and Navigation | by Ale Patrón | The Startup |  Medium">
             <a:extLst>
               <a:ext uri="{FF2B5EF4-FFF2-40B4-BE49-F238E27FC236}">
-                <a16:creationId xmlns:a16="http://schemas.microsoft.com/office/drawing/2014/main" id="{4E7F389D-CB02-4CF3-A714-18FC7B56BA2A}"/>
+                <a16:creationId xmlns:a16="http://schemas.microsoft.com/office/drawing/2014/main" id="{83D97B58-D37D-4609-5388-42E01607582B}"/>
               </a:ext>
             </a:extLst>
           </p:cNvPr>
-          <p:cNvSpPr>
-            <a:spLocks noGrp="1"/>
-          </p:cNvSpPr>
-          <p:nvPr>
-            <p:ph type="dt" sz="half" idx="10"/>
-          </p:nvPr>
-        </p:nvSpPr>
-        <p:spPr/>
-        <p:txBody>
-          <a:bodyPr/>
-          <a:lstStyle/>
-          <a:p>
-            <a:pPr rtl="0"/>
-            <a:fld id="{D6866A0C-EEE8-4DE1-9ECF-51EC9C0B8BE2}" type="datetime1">
-              <a:rPr lang="pt-BR" smtClean="0"/>
-              <a:t>30/05/2021</a:t>
-            </a:fld>
-            <a:endParaRPr lang="en-US" dirty="0"/>
-          </a:p>
-        </p:txBody>
-      </p:sp>
+          <p:cNvPicPr>
+            <a:picLocks noChangeAspect="1" noChangeArrowheads="1"/>
+          </p:cNvPicPr>
+          <p:nvPr/>
+        </p:nvPicPr>
+        <p:blipFill>
+          <a:blip r:embed="rId2">
+            <a:extLst>
+              <a:ext uri="{28A0092B-C50C-407E-A947-70E740481C1C}">
+                <a14:useLocalDpi xmlns:a14="http://schemas.microsoft.com/office/drawing/2010/main" val="0"/>
+              </a:ext>
+            </a:extLst>
+          </a:blip>
+          <a:srcRect/>
+          <a:stretch>
+            <a:fillRect/>
+          </a:stretch>
+        </p:blipFill>
+        <p:spPr bwMode="auto">
+          <a:xfrm>
+            <a:off x="7741744" y="889801"/>
+            <a:ext cx="2709006" cy="5534113"/>
+          </a:xfrm>
+          <a:prstGeom prst="rect">
+            <a:avLst/>
+          </a:prstGeom>
+          <a:noFill/>
+          <a:extLst>
+            <a:ext uri="{909E8E84-426E-40DD-AFC4-6F175D3DCCD1}">
+              <a14:hiddenFill xmlns:a14="http://schemas.microsoft.com/office/drawing/2010/main">
+                <a:solidFill>
+                  <a:srgbClr val="FFFFFF"/>
+                </a:solidFill>
+              </a14:hiddenFill>
+            </a:ext>
+          </a:extLst>
+        </p:spPr>
+      </p:pic>
     </p:spTree>
     <p:extLst>
       <p:ext uri="{BB962C8B-B14F-4D97-AF65-F5344CB8AC3E}">
-        <p14:creationId xmlns:p14="http://schemas.microsoft.com/office/powerpoint/2010/main" val="4016176767"/>
+        <p14:creationId xmlns:p14="http://schemas.microsoft.com/office/powerpoint/2010/main" val="1701129393"/>
       </p:ext>
     </p:extLst>
   </p:cSld>
@@ -9663,7 +12895,7 @@
           <p:cNvPr id="2" name="Título 1">
             <a:extLst>
               <a:ext uri="{FF2B5EF4-FFF2-40B4-BE49-F238E27FC236}">
-                <a16:creationId xmlns:a16="http://schemas.microsoft.com/office/drawing/2014/main" id="{0AA3A23D-82F3-41B3-B7B6-ADE76FD16701}"/>
+                <a16:creationId xmlns:a16="http://schemas.microsoft.com/office/drawing/2014/main" id="{5D6A05C2-7EF2-2DA9-A83E-E8511393591A}"/>
               </a:ext>
             </a:extLst>
           </p:cNvPr>
@@ -9680,26 +12912,741 @@
           <a:lstStyle/>
           <a:p>
             <a:r>
-              <a:rPr lang="pt-BR" dirty="0"/>
-              <a:t>Consulta com JPA</a:t>
-            </a:r>
+              <a:rPr lang="pt-BR" dirty="0" err="1"/>
+              <a:t>Lazy</a:t>
+            </a:r>
+            <a:r>
+              <a:rPr lang="pt-BR" dirty="0"/>
+              <a:t> </a:t>
+            </a:r>
+            <a:r>
+              <a:rPr lang="pt-BR" dirty="0" err="1"/>
+              <a:t>loading</a:t>
+            </a:r>
+            <a:r>
+              <a:rPr lang="pt-BR" dirty="0"/>
+              <a:t> x </a:t>
+            </a:r>
+            <a:r>
+              <a:rPr lang="pt-BR" dirty="0" err="1"/>
+              <a:t>eager</a:t>
+            </a:r>
+            <a:r>
+              <a:rPr lang="pt-BR" dirty="0"/>
+              <a:t> </a:t>
+            </a:r>
+            <a:r>
+              <a:rPr lang="pt-BR" dirty="0" err="1"/>
+              <a:t>loading</a:t>
+            </a:r>
+            <a:endParaRPr lang="pt-BR" dirty="0"/>
           </a:p>
         </p:txBody>
       </p:sp>
-      <p:sp>
-        <p:nvSpPr>
-          <p:cNvPr id="3" name="Espaço Reservado para Conteúdo 2">
+      <p:graphicFrame>
+        <p:nvGraphicFramePr>
+          <p:cNvPr id="5" name="Tabela 5">
             <a:extLst>
               <a:ext uri="{FF2B5EF4-FFF2-40B4-BE49-F238E27FC236}">
-                <a16:creationId xmlns:a16="http://schemas.microsoft.com/office/drawing/2014/main" id="{6C9F4678-87BD-4AD2-A4CE-1B826DE3E531}"/>
+                <a16:creationId xmlns:a16="http://schemas.microsoft.com/office/drawing/2014/main" id="{98E90C55-961A-9E5A-3AD8-5C055C0C3DEE}"/>
               </a:ext>
             </a:extLst>
           </p:cNvPr>
+          <p:cNvGraphicFramePr>
+            <a:graphicFrameLocks noGrp="1"/>
+          </p:cNvGraphicFramePr>
+          <p:nvPr>
+            <p:ph idx="1"/>
+            <p:extLst>
+              <p:ext uri="{D42A27DB-BD31-4B8C-83A1-F6EECF244321}">
+                <p14:modId xmlns:p14="http://schemas.microsoft.com/office/powerpoint/2010/main" val="547958987"/>
+              </p:ext>
+            </p:extLst>
+          </p:nvPr>
+        </p:nvGraphicFramePr>
+        <p:xfrm>
+          <a:off x="2725616" y="2447072"/>
+          <a:ext cx="5398476" cy="1483360"/>
+        </p:xfrm>
+        <a:graphic>
+          <a:graphicData uri="http://schemas.openxmlformats.org/drawingml/2006/table">
+            <a:tbl>
+              <a:tblPr firstRow="1" bandRow="1">
+                <a:tableStyleId>{5C22544A-7EE6-4342-B048-85BDC9FD1C3A}</a:tableStyleId>
+              </a:tblPr>
+              <a:tblGrid>
+                <a:gridCol w="1740876">
+                  <a:extLst>
+                    <a:ext uri="{9D8B030D-6E8A-4147-A177-3AD203B41FA5}">
+                      <a16:colId xmlns:a16="http://schemas.microsoft.com/office/drawing/2014/main" val="945353747"/>
+                    </a:ext>
+                  </a:extLst>
+                </a:gridCol>
+                <a:gridCol w="1978270">
+                  <a:extLst>
+                    <a:ext uri="{9D8B030D-6E8A-4147-A177-3AD203B41FA5}">
+                      <a16:colId xmlns:a16="http://schemas.microsoft.com/office/drawing/2014/main" val="2482886963"/>
+                    </a:ext>
+                  </a:extLst>
+                </a:gridCol>
+                <a:gridCol w="1679330">
+                  <a:extLst>
+                    <a:ext uri="{9D8B030D-6E8A-4147-A177-3AD203B41FA5}">
+                      <a16:colId xmlns:a16="http://schemas.microsoft.com/office/drawing/2014/main" val="3927890537"/>
+                    </a:ext>
+                  </a:extLst>
+                </a:gridCol>
+              </a:tblGrid>
+              <a:tr h="370840">
+                <a:tc>
+                  <a:txBody>
+                    <a:bodyPr/>
+                    <a:lstStyle/>
+                    <a:p>
+                      <a:r>
+                        <a:rPr lang="pt-BR" dirty="0" err="1"/>
+                        <a:t>Id_book</a:t>
+                      </a:r>
+                      <a:r>
+                        <a:rPr lang="pt-BR" dirty="0"/>
+                        <a:t> (PK)</a:t>
+                      </a:r>
+                    </a:p>
+                  </a:txBody>
+                  <a:tcPr>
+                    <a:lnB w="12700" cap="flat" cmpd="sng" algn="ctr">
+                      <a:solidFill>
+                        <a:schemeClr val="tx1"/>
+                      </a:solidFill>
+                      <a:prstDash val="solid"/>
+                      <a:round/>
+                      <a:headEnd type="none" w="med" len="med"/>
+                      <a:tailEnd type="none" w="med" len="med"/>
+                    </a:lnB>
+                    <a:solidFill>
+                      <a:schemeClr val="tx1"/>
+                    </a:solidFill>
+                  </a:tcPr>
+                </a:tc>
+                <a:tc>
+                  <a:txBody>
+                    <a:bodyPr/>
+                    <a:lstStyle/>
+                    <a:p>
+                      <a:r>
+                        <a:rPr lang="pt-BR" dirty="0" err="1"/>
+                        <a:t>name</a:t>
+                      </a:r>
+                      <a:endParaRPr lang="pt-BR" dirty="0"/>
+                    </a:p>
+                  </a:txBody>
+                  <a:tcPr>
+                    <a:lnB w="12700" cap="flat" cmpd="sng" algn="ctr">
+                      <a:solidFill>
+                        <a:schemeClr val="tx1"/>
+                      </a:solidFill>
+                      <a:prstDash val="solid"/>
+                      <a:round/>
+                      <a:headEnd type="none" w="med" len="med"/>
+                      <a:tailEnd type="none" w="med" len="med"/>
+                    </a:lnB>
+                    <a:solidFill>
+                      <a:schemeClr val="tx1"/>
+                    </a:solidFill>
+                  </a:tcPr>
+                </a:tc>
+                <a:tc>
+                  <a:txBody>
+                    <a:bodyPr/>
+                    <a:lstStyle/>
+                    <a:p>
+                      <a:r>
+                        <a:rPr lang="pt-BR" dirty="0" err="1"/>
+                        <a:t>Id_author</a:t>
+                      </a:r>
+                      <a:endParaRPr lang="pt-BR" dirty="0"/>
+                    </a:p>
+                  </a:txBody>
+                  <a:tcPr>
+                    <a:lnB w="12700" cap="flat" cmpd="sng" algn="ctr">
+                      <a:solidFill>
+                        <a:schemeClr val="tx1"/>
+                      </a:solidFill>
+                      <a:prstDash val="solid"/>
+                      <a:round/>
+                      <a:headEnd type="none" w="med" len="med"/>
+                      <a:tailEnd type="none" w="med" len="med"/>
+                    </a:lnB>
+                    <a:solidFill>
+                      <a:schemeClr val="tx1"/>
+                    </a:solidFill>
+                  </a:tcPr>
+                </a:tc>
+                <a:extLst>
+                  <a:ext uri="{0D108BD9-81ED-4DB2-BD59-A6C34878D82A}">
+                    <a16:rowId xmlns:a16="http://schemas.microsoft.com/office/drawing/2014/main" val="164174078"/>
+                  </a:ext>
+                </a:extLst>
+              </a:tr>
+              <a:tr h="370840">
+                <a:tc>
+                  <a:txBody>
+                    <a:bodyPr/>
+                    <a:lstStyle/>
+                    <a:p>
+                      <a:r>
+                        <a:rPr lang="pt-BR" dirty="0"/>
+                        <a:t>1</a:t>
+                      </a:r>
+                    </a:p>
+                  </a:txBody>
+                  <a:tcPr>
+                    <a:lnL w="12700" cap="flat" cmpd="sng" algn="ctr">
+                      <a:solidFill>
+                        <a:schemeClr val="tx1"/>
+                      </a:solidFill>
+                      <a:prstDash val="solid"/>
+                      <a:round/>
+                      <a:headEnd type="none" w="med" len="med"/>
+                      <a:tailEnd type="none" w="med" len="med"/>
+                    </a:lnL>
+                    <a:lnR w="12700" cap="flat" cmpd="sng" algn="ctr">
+                      <a:solidFill>
+                        <a:schemeClr val="tx1"/>
+                      </a:solidFill>
+                      <a:prstDash val="solid"/>
+                      <a:round/>
+                      <a:headEnd type="none" w="med" len="med"/>
+                      <a:tailEnd type="none" w="med" len="med"/>
+                    </a:lnR>
+                    <a:lnT w="12700" cap="flat" cmpd="sng" algn="ctr">
+                      <a:solidFill>
+                        <a:schemeClr val="tx1"/>
+                      </a:solidFill>
+                      <a:prstDash val="solid"/>
+                      <a:round/>
+                      <a:headEnd type="none" w="med" len="med"/>
+                      <a:tailEnd type="none" w="med" len="med"/>
+                    </a:lnT>
+                    <a:lnB w="12700" cap="flat" cmpd="sng" algn="ctr">
+                      <a:solidFill>
+                        <a:schemeClr val="tx1"/>
+                      </a:solidFill>
+                      <a:prstDash val="solid"/>
+                      <a:round/>
+                      <a:headEnd type="none" w="med" len="med"/>
+                      <a:tailEnd type="none" w="med" len="med"/>
+                    </a:lnB>
+                    <a:solidFill>
+                      <a:schemeClr val="bg1">
+                        <a:lumMod val="75000"/>
+                      </a:schemeClr>
+                    </a:solidFill>
+                  </a:tcPr>
+                </a:tc>
+                <a:tc>
+                  <a:txBody>
+                    <a:bodyPr/>
+                    <a:lstStyle/>
+                    <a:p>
+                      <a:r>
+                        <a:rPr lang="pt-BR" dirty="0" err="1"/>
+                        <a:t>Inside</a:t>
+                      </a:r>
+                      <a:r>
+                        <a:rPr lang="pt-BR" dirty="0"/>
+                        <a:t> </a:t>
+                      </a:r>
+                      <a:r>
+                        <a:rPr lang="pt-BR" dirty="0" err="1"/>
+                        <a:t>the</a:t>
+                      </a:r>
+                      <a:r>
+                        <a:rPr lang="pt-BR" dirty="0"/>
+                        <a:t> Shadow</a:t>
+                      </a:r>
+                    </a:p>
+                  </a:txBody>
+                  <a:tcPr>
+                    <a:lnL w="12700" cap="flat" cmpd="sng" algn="ctr">
+                      <a:solidFill>
+                        <a:schemeClr val="tx1"/>
+                      </a:solidFill>
+                      <a:prstDash val="solid"/>
+                      <a:round/>
+                      <a:headEnd type="none" w="med" len="med"/>
+                      <a:tailEnd type="none" w="med" len="med"/>
+                    </a:lnL>
+                    <a:lnR w="12700" cap="flat" cmpd="sng" algn="ctr">
+                      <a:solidFill>
+                        <a:schemeClr val="tx1"/>
+                      </a:solidFill>
+                      <a:prstDash val="solid"/>
+                      <a:round/>
+                      <a:headEnd type="none" w="med" len="med"/>
+                      <a:tailEnd type="none" w="med" len="med"/>
+                    </a:lnR>
+                    <a:lnT w="12700" cap="flat" cmpd="sng" algn="ctr">
+                      <a:solidFill>
+                        <a:schemeClr val="tx1"/>
+                      </a:solidFill>
+                      <a:prstDash val="solid"/>
+                      <a:round/>
+                      <a:headEnd type="none" w="med" len="med"/>
+                      <a:tailEnd type="none" w="med" len="med"/>
+                    </a:lnT>
+                    <a:lnB w="12700" cap="flat" cmpd="sng" algn="ctr">
+                      <a:solidFill>
+                        <a:schemeClr val="tx1"/>
+                      </a:solidFill>
+                      <a:prstDash val="solid"/>
+                      <a:round/>
+                      <a:headEnd type="none" w="med" len="med"/>
+                      <a:tailEnd type="none" w="med" len="med"/>
+                    </a:lnB>
+                    <a:solidFill>
+                      <a:schemeClr val="bg1">
+                        <a:lumMod val="75000"/>
+                      </a:schemeClr>
+                    </a:solidFill>
+                  </a:tcPr>
+                </a:tc>
+                <a:tc>
+                  <a:txBody>
+                    <a:bodyPr/>
+                    <a:lstStyle/>
+                    <a:p>
+                      <a:r>
+                        <a:rPr lang="pt-BR" dirty="0"/>
+                        <a:t>4</a:t>
+                      </a:r>
+                    </a:p>
+                  </a:txBody>
+                  <a:tcPr>
+                    <a:lnL w="12700" cap="flat" cmpd="sng" algn="ctr">
+                      <a:solidFill>
+                        <a:schemeClr val="tx1"/>
+                      </a:solidFill>
+                      <a:prstDash val="solid"/>
+                      <a:round/>
+                      <a:headEnd type="none" w="med" len="med"/>
+                      <a:tailEnd type="none" w="med" len="med"/>
+                    </a:lnL>
+                    <a:lnR w="12700" cap="flat" cmpd="sng" algn="ctr">
+                      <a:solidFill>
+                        <a:schemeClr val="tx1"/>
+                      </a:solidFill>
+                      <a:prstDash val="solid"/>
+                      <a:round/>
+                      <a:headEnd type="none" w="med" len="med"/>
+                      <a:tailEnd type="none" w="med" len="med"/>
+                    </a:lnR>
+                    <a:lnT w="12700" cap="flat" cmpd="sng" algn="ctr">
+                      <a:solidFill>
+                        <a:schemeClr val="tx1"/>
+                      </a:solidFill>
+                      <a:prstDash val="solid"/>
+                      <a:round/>
+                      <a:headEnd type="none" w="med" len="med"/>
+                      <a:tailEnd type="none" w="med" len="med"/>
+                    </a:lnT>
+                    <a:lnB w="12700" cap="flat" cmpd="sng" algn="ctr">
+                      <a:solidFill>
+                        <a:schemeClr val="tx1"/>
+                      </a:solidFill>
+                      <a:prstDash val="solid"/>
+                      <a:round/>
+                      <a:headEnd type="none" w="med" len="med"/>
+                      <a:tailEnd type="none" w="med" len="med"/>
+                    </a:lnB>
+                    <a:solidFill>
+                      <a:schemeClr val="bg1">
+                        <a:lumMod val="75000"/>
+                      </a:schemeClr>
+                    </a:solidFill>
+                  </a:tcPr>
+                </a:tc>
+                <a:extLst>
+                  <a:ext uri="{0D108BD9-81ED-4DB2-BD59-A6C34878D82A}">
+                    <a16:rowId xmlns:a16="http://schemas.microsoft.com/office/drawing/2014/main" val="2338578421"/>
+                  </a:ext>
+                </a:extLst>
+              </a:tr>
+              <a:tr h="370840">
+                <a:tc>
+                  <a:txBody>
+                    <a:bodyPr/>
+                    <a:lstStyle/>
+                    <a:p>
+                      <a:r>
+                        <a:rPr lang="pt-BR" dirty="0"/>
+                        <a:t>2</a:t>
+                      </a:r>
+                    </a:p>
+                  </a:txBody>
+                  <a:tcPr>
+                    <a:lnL w="12700" cap="flat" cmpd="sng" algn="ctr">
+                      <a:solidFill>
+                        <a:schemeClr val="tx1"/>
+                      </a:solidFill>
+                      <a:prstDash val="solid"/>
+                      <a:round/>
+                      <a:headEnd type="none" w="med" len="med"/>
+                      <a:tailEnd type="none" w="med" len="med"/>
+                    </a:lnL>
+                    <a:lnR w="12700" cap="flat" cmpd="sng" algn="ctr">
+                      <a:solidFill>
+                        <a:schemeClr val="tx1"/>
+                      </a:solidFill>
+                      <a:prstDash val="solid"/>
+                      <a:round/>
+                      <a:headEnd type="none" w="med" len="med"/>
+                      <a:tailEnd type="none" w="med" len="med"/>
+                    </a:lnR>
+                    <a:lnT w="12700" cap="flat" cmpd="sng" algn="ctr">
+                      <a:solidFill>
+                        <a:schemeClr val="tx1"/>
+                      </a:solidFill>
+                      <a:prstDash val="solid"/>
+                      <a:round/>
+                      <a:headEnd type="none" w="med" len="med"/>
+                      <a:tailEnd type="none" w="med" len="med"/>
+                    </a:lnT>
+                    <a:lnB w="12700" cap="flat" cmpd="sng" algn="ctr">
+                      <a:solidFill>
+                        <a:schemeClr val="tx1"/>
+                      </a:solidFill>
+                      <a:prstDash val="solid"/>
+                      <a:round/>
+                      <a:headEnd type="none" w="med" len="med"/>
+                      <a:tailEnd type="none" w="med" len="med"/>
+                    </a:lnB>
+                    <a:solidFill>
+                      <a:schemeClr val="bg1"/>
+                    </a:solidFill>
+                  </a:tcPr>
+                </a:tc>
+                <a:tc>
+                  <a:txBody>
+                    <a:bodyPr/>
+                    <a:lstStyle/>
+                    <a:p>
+                      <a:r>
+                        <a:rPr lang="pt-BR" dirty="0"/>
+                        <a:t>The </a:t>
+                      </a:r>
+                      <a:r>
+                        <a:rPr lang="pt-BR" dirty="0" err="1"/>
+                        <a:t>Hollow</a:t>
+                      </a:r>
+                      <a:r>
+                        <a:rPr lang="pt-BR" dirty="0"/>
+                        <a:t> </a:t>
+                      </a:r>
+                      <a:r>
+                        <a:rPr lang="pt-BR" dirty="0" err="1"/>
+                        <a:t>Veil</a:t>
+                      </a:r>
+                      <a:endParaRPr lang="pt-BR" dirty="0"/>
+                    </a:p>
+                  </a:txBody>
+                  <a:tcPr>
+                    <a:lnL w="12700" cap="flat" cmpd="sng" algn="ctr">
+                      <a:solidFill>
+                        <a:schemeClr val="tx1"/>
+                      </a:solidFill>
+                      <a:prstDash val="solid"/>
+                      <a:round/>
+                      <a:headEnd type="none" w="med" len="med"/>
+                      <a:tailEnd type="none" w="med" len="med"/>
+                    </a:lnL>
+                    <a:lnR w="12700" cap="flat" cmpd="sng" algn="ctr">
+                      <a:solidFill>
+                        <a:schemeClr val="tx1"/>
+                      </a:solidFill>
+                      <a:prstDash val="solid"/>
+                      <a:round/>
+                      <a:headEnd type="none" w="med" len="med"/>
+                      <a:tailEnd type="none" w="med" len="med"/>
+                    </a:lnR>
+                    <a:lnT w="12700" cap="flat" cmpd="sng" algn="ctr">
+                      <a:solidFill>
+                        <a:schemeClr val="tx1"/>
+                      </a:solidFill>
+                      <a:prstDash val="solid"/>
+                      <a:round/>
+                      <a:headEnd type="none" w="med" len="med"/>
+                      <a:tailEnd type="none" w="med" len="med"/>
+                    </a:lnT>
+                    <a:lnB w="12700" cap="flat" cmpd="sng" algn="ctr">
+                      <a:solidFill>
+                        <a:schemeClr val="tx1"/>
+                      </a:solidFill>
+                      <a:prstDash val="solid"/>
+                      <a:round/>
+                      <a:headEnd type="none" w="med" len="med"/>
+                      <a:tailEnd type="none" w="med" len="med"/>
+                    </a:lnB>
+                    <a:solidFill>
+                      <a:schemeClr val="bg1"/>
+                    </a:solidFill>
+                  </a:tcPr>
+                </a:tc>
+                <a:tc>
+                  <a:txBody>
+                    <a:bodyPr/>
+                    <a:lstStyle/>
+                    <a:p>
+                      <a:r>
+                        <a:rPr lang="pt-BR" dirty="0"/>
+                        <a:t>5</a:t>
+                      </a:r>
+                    </a:p>
+                  </a:txBody>
+                  <a:tcPr>
+                    <a:lnL w="12700" cap="flat" cmpd="sng" algn="ctr">
+                      <a:solidFill>
+                        <a:schemeClr val="tx1"/>
+                      </a:solidFill>
+                      <a:prstDash val="solid"/>
+                      <a:round/>
+                      <a:headEnd type="none" w="med" len="med"/>
+                      <a:tailEnd type="none" w="med" len="med"/>
+                    </a:lnL>
+                    <a:lnR w="12700" cap="flat" cmpd="sng" algn="ctr">
+                      <a:solidFill>
+                        <a:schemeClr val="tx1"/>
+                      </a:solidFill>
+                      <a:prstDash val="solid"/>
+                      <a:round/>
+                      <a:headEnd type="none" w="med" len="med"/>
+                      <a:tailEnd type="none" w="med" len="med"/>
+                    </a:lnR>
+                    <a:lnT w="12700" cap="flat" cmpd="sng" algn="ctr">
+                      <a:solidFill>
+                        <a:schemeClr val="tx1"/>
+                      </a:solidFill>
+                      <a:prstDash val="solid"/>
+                      <a:round/>
+                      <a:headEnd type="none" w="med" len="med"/>
+                      <a:tailEnd type="none" w="med" len="med"/>
+                    </a:lnT>
+                    <a:lnB w="12700" cap="flat" cmpd="sng" algn="ctr">
+                      <a:solidFill>
+                        <a:schemeClr val="tx1"/>
+                      </a:solidFill>
+                      <a:prstDash val="solid"/>
+                      <a:round/>
+                      <a:headEnd type="none" w="med" len="med"/>
+                      <a:tailEnd type="none" w="med" len="med"/>
+                    </a:lnB>
+                    <a:solidFill>
+                      <a:schemeClr val="bg1"/>
+                    </a:solidFill>
+                  </a:tcPr>
+                </a:tc>
+                <a:extLst>
+                  <a:ext uri="{0D108BD9-81ED-4DB2-BD59-A6C34878D82A}">
+                    <a16:rowId xmlns:a16="http://schemas.microsoft.com/office/drawing/2014/main" val="870908605"/>
+                  </a:ext>
+                </a:extLst>
+              </a:tr>
+              <a:tr h="370840">
+                <a:tc>
+                  <a:txBody>
+                    <a:bodyPr/>
+                    <a:lstStyle/>
+                    <a:p>
+                      <a:r>
+                        <a:rPr lang="pt-BR" dirty="0"/>
+                        <a:t>3</a:t>
+                      </a:r>
+                    </a:p>
+                  </a:txBody>
+                  <a:tcPr>
+                    <a:lnL w="12700" cap="flat" cmpd="sng" algn="ctr">
+                      <a:solidFill>
+                        <a:schemeClr val="tx1"/>
+                      </a:solidFill>
+                      <a:prstDash val="solid"/>
+                      <a:round/>
+                      <a:headEnd type="none" w="med" len="med"/>
+                      <a:tailEnd type="none" w="med" len="med"/>
+                    </a:lnL>
+                    <a:lnR w="12700" cap="flat" cmpd="sng" algn="ctr">
+                      <a:solidFill>
+                        <a:schemeClr val="tx1"/>
+                      </a:solidFill>
+                      <a:prstDash val="solid"/>
+                      <a:round/>
+                      <a:headEnd type="none" w="med" len="med"/>
+                      <a:tailEnd type="none" w="med" len="med"/>
+                    </a:lnR>
+                    <a:lnT w="12700" cap="flat" cmpd="sng" algn="ctr">
+                      <a:solidFill>
+                        <a:schemeClr val="tx1"/>
+                      </a:solidFill>
+                      <a:prstDash val="solid"/>
+                      <a:round/>
+                      <a:headEnd type="none" w="med" len="med"/>
+                      <a:tailEnd type="none" w="med" len="med"/>
+                    </a:lnT>
+                    <a:lnB w="12700" cap="flat" cmpd="sng" algn="ctr">
+                      <a:solidFill>
+                        <a:schemeClr val="tx1"/>
+                      </a:solidFill>
+                      <a:prstDash val="solid"/>
+                      <a:round/>
+                      <a:headEnd type="none" w="med" len="med"/>
+                      <a:tailEnd type="none" w="med" len="med"/>
+                    </a:lnB>
+                    <a:solidFill>
+                      <a:schemeClr val="bg1"/>
+                    </a:solidFill>
+                  </a:tcPr>
+                </a:tc>
+                <a:tc>
+                  <a:txBody>
+                    <a:bodyPr/>
+                    <a:lstStyle/>
+                    <a:p>
+                      <a:r>
+                        <a:rPr lang="pt-BR" dirty="0" err="1"/>
+                        <a:t>Ladders</a:t>
+                      </a:r>
+                      <a:r>
+                        <a:rPr lang="pt-BR" dirty="0"/>
+                        <a:t> </a:t>
+                      </a:r>
+                      <a:r>
+                        <a:rPr lang="pt-BR" dirty="0" err="1"/>
+                        <a:t>of</a:t>
+                      </a:r>
+                      <a:r>
+                        <a:rPr lang="pt-BR" dirty="0"/>
+                        <a:t> Love</a:t>
+                      </a:r>
+                    </a:p>
+                  </a:txBody>
+                  <a:tcPr>
+                    <a:lnL w="12700" cap="flat" cmpd="sng" algn="ctr">
+                      <a:solidFill>
+                        <a:schemeClr val="tx1"/>
+                      </a:solidFill>
+                      <a:prstDash val="solid"/>
+                      <a:round/>
+                      <a:headEnd type="none" w="med" len="med"/>
+                      <a:tailEnd type="none" w="med" len="med"/>
+                    </a:lnL>
+                    <a:lnR w="12700" cap="flat" cmpd="sng" algn="ctr">
+                      <a:solidFill>
+                        <a:schemeClr val="tx1"/>
+                      </a:solidFill>
+                      <a:prstDash val="solid"/>
+                      <a:round/>
+                      <a:headEnd type="none" w="med" len="med"/>
+                      <a:tailEnd type="none" w="med" len="med"/>
+                    </a:lnR>
+                    <a:lnT w="12700" cap="flat" cmpd="sng" algn="ctr">
+                      <a:solidFill>
+                        <a:schemeClr val="tx1"/>
+                      </a:solidFill>
+                      <a:prstDash val="solid"/>
+                      <a:round/>
+                      <a:headEnd type="none" w="med" len="med"/>
+                      <a:tailEnd type="none" w="med" len="med"/>
+                    </a:lnT>
+                    <a:lnB w="12700" cap="flat" cmpd="sng" algn="ctr">
+                      <a:solidFill>
+                        <a:schemeClr val="tx1"/>
+                      </a:solidFill>
+                      <a:prstDash val="solid"/>
+                      <a:round/>
+                      <a:headEnd type="none" w="med" len="med"/>
+                      <a:tailEnd type="none" w="med" len="med"/>
+                    </a:lnB>
+                    <a:solidFill>
+                      <a:schemeClr val="bg1"/>
+                    </a:solidFill>
+                  </a:tcPr>
+                </a:tc>
+                <a:tc>
+                  <a:txBody>
+                    <a:bodyPr/>
+                    <a:lstStyle/>
+                    <a:p>
+                      <a:r>
+                        <a:rPr lang="pt-BR" dirty="0"/>
+                        <a:t>6</a:t>
+                      </a:r>
+                    </a:p>
+                  </a:txBody>
+                  <a:tcPr>
+                    <a:lnL w="12700" cap="flat" cmpd="sng" algn="ctr">
+                      <a:solidFill>
+                        <a:schemeClr val="tx1"/>
+                      </a:solidFill>
+                      <a:prstDash val="solid"/>
+                      <a:round/>
+                      <a:headEnd type="none" w="med" len="med"/>
+                      <a:tailEnd type="none" w="med" len="med"/>
+                    </a:lnL>
+                    <a:lnR w="12700" cap="flat" cmpd="sng" algn="ctr">
+                      <a:solidFill>
+                        <a:schemeClr val="tx1"/>
+                      </a:solidFill>
+                      <a:prstDash val="solid"/>
+                      <a:round/>
+                      <a:headEnd type="none" w="med" len="med"/>
+                      <a:tailEnd type="none" w="med" len="med"/>
+                    </a:lnR>
+                    <a:lnT w="12700" cap="flat" cmpd="sng" algn="ctr">
+                      <a:solidFill>
+                        <a:schemeClr val="tx1"/>
+                      </a:solidFill>
+                      <a:prstDash val="solid"/>
+                      <a:round/>
+                      <a:headEnd type="none" w="med" len="med"/>
+                      <a:tailEnd type="none" w="med" len="med"/>
+                    </a:lnT>
+                    <a:lnB w="12700" cap="flat" cmpd="sng" algn="ctr">
+                      <a:solidFill>
+                        <a:schemeClr val="tx1"/>
+                      </a:solidFill>
+                      <a:prstDash val="solid"/>
+                      <a:round/>
+                      <a:headEnd type="none" w="med" len="med"/>
+                      <a:tailEnd type="none" w="med" len="med"/>
+                    </a:lnB>
+                    <a:solidFill>
+                      <a:schemeClr val="bg1"/>
+                    </a:solidFill>
+                  </a:tcPr>
+                </a:tc>
+                <a:extLst>
+                  <a:ext uri="{0D108BD9-81ED-4DB2-BD59-A6C34878D82A}">
+                    <a16:rowId xmlns:a16="http://schemas.microsoft.com/office/drawing/2014/main" val="262447639"/>
+                  </a:ext>
+                </a:extLst>
+              </a:tr>
+            </a:tbl>
+          </a:graphicData>
+        </a:graphic>
+      </p:graphicFrame>
+      <p:sp>
+        <p:nvSpPr>
+          <p:cNvPr id="4" name="Espaço Reservado para Data 3">
+            <a:extLst>
+              <a:ext uri="{FF2B5EF4-FFF2-40B4-BE49-F238E27FC236}">
+                <a16:creationId xmlns:a16="http://schemas.microsoft.com/office/drawing/2014/main" id="{65114EC4-44A9-6CD5-D6E3-626A9DF246AA}"/>
+              </a:ext>
+            </a:extLst>
+          </p:cNvPr>
           <p:cNvSpPr>
             <a:spLocks noGrp="1"/>
           </p:cNvSpPr>
           <p:nvPr>
-            <p:ph idx="1"/>
+            <p:ph type="dt" sz="half" idx="10"/>
           </p:nvPr>
         </p:nvSpPr>
         <p:spPr/>
@@ -9707,223 +13654,25 @@
           <a:bodyPr/>
           <a:lstStyle/>
           <a:p>
-            <a:r>
-              <a:rPr lang="pt-BR" dirty="0" err="1"/>
-              <a:t>Criteria</a:t>
-            </a:r>
-            <a:endParaRPr lang="pt-BR" dirty="0"/>
-          </a:p>
-          <a:p>
-            <a:pPr lvl="1"/>
-            <a:r>
-              <a:rPr lang="pt-BR" dirty="0"/>
-              <a:t>Maior abstração</a:t>
-            </a:r>
-          </a:p>
-          <a:p>
-            <a:pPr lvl="1"/>
-            <a:r>
-              <a:rPr lang="pt-BR" dirty="0"/>
-              <a:t>Utiliza a estrutura definida nas entidades como roteiro da consulta.</a:t>
-            </a:r>
-          </a:p>
-          <a:p>
-            <a:pPr lvl="1"/>
-            <a:r>
-              <a:rPr lang="pt-BR" dirty="0" err="1"/>
-              <a:t>JpaRepository</a:t>
-            </a:r>
-            <a:endParaRPr lang="pt-BR" dirty="0"/>
-          </a:p>
-          <a:p>
-            <a:pPr lvl="1"/>
-            <a:endParaRPr lang="pt-BR" dirty="0"/>
-          </a:p>
-          <a:p>
-            <a:pPr lvl="1"/>
-            <a:endParaRPr lang="pt-BR" dirty="0"/>
-          </a:p>
-          <a:p>
-            <a:pPr lvl="1"/>
-            <a:endParaRPr lang="pt-BR" dirty="0"/>
-          </a:p>
-          <a:p>
-            <a:pPr lvl="1"/>
-            <a:endParaRPr lang="pt-BR" dirty="0"/>
-          </a:p>
-          <a:p>
-            <a:pPr lvl="1"/>
-            <a:endParaRPr lang="pt-BR" dirty="0"/>
-          </a:p>
-          <a:p>
-            <a:pPr lvl="1"/>
-            <a:endParaRPr lang="pt-BR" dirty="0"/>
-          </a:p>
-          <a:p>
-            <a:pPr lvl="1"/>
-            <a:endParaRPr lang="pt-BR" dirty="0"/>
-          </a:p>
-        </p:txBody>
-      </p:sp>
-      <p:sp>
-        <p:nvSpPr>
-          <p:cNvPr id="4" name="Espaço Reservado para Data 3">
-            <a:extLst>
-              <a:ext uri="{FF2B5EF4-FFF2-40B4-BE49-F238E27FC236}">
-                <a16:creationId xmlns:a16="http://schemas.microsoft.com/office/drawing/2014/main" id="{DDCF96BE-7208-4948-8915-F2C41819DD79}"/>
-              </a:ext>
-            </a:extLst>
-          </p:cNvPr>
-          <p:cNvSpPr>
-            <a:spLocks noGrp="1"/>
-          </p:cNvSpPr>
-          <p:nvPr>
-            <p:ph type="dt" sz="half" idx="10"/>
-          </p:nvPr>
-        </p:nvSpPr>
-        <p:spPr/>
-        <p:txBody>
-          <a:bodyPr/>
-          <a:lstStyle/>
-          <a:p>
             <a:pPr rtl="0"/>
             <a:fld id="{D6866A0C-EEE8-4DE1-9ECF-51EC9C0B8BE2}" type="datetime1">
               <a:rPr lang="pt-BR" smtClean="0"/>
-              <a:t>30/05/2021</a:t>
+              <a:t>15/08/2022</a:t>
             </a:fld>
             <a:endParaRPr lang="en-US" dirty="0"/>
           </a:p>
         </p:txBody>
       </p:sp>
-      <p:pic>
-        <p:nvPicPr>
-          <p:cNvPr id="6" name="Imagem 5">
-            <a:extLst>
-              <a:ext uri="{FF2B5EF4-FFF2-40B4-BE49-F238E27FC236}">
-                <a16:creationId xmlns:a16="http://schemas.microsoft.com/office/drawing/2014/main" id="{99AF2051-7CF6-42D0-8FDE-89CF4C0F7A3C}"/>
-              </a:ext>
-            </a:extLst>
-          </p:cNvPr>
-          <p:cNvPicPr>
-            <a:picLocks noChangeAspect="1"/>
-          </p:cNvPicPr>
-          <p:nvPr/>
-        </p:nvPicPr>
-        <p:blipFill>
-          <a:blip r:embed="rId2"/>
-          <a:stretch>
-            <a:fillRect/>
-          </a:stretch>
-        </p:blipFill>
-        <p:spPr>
-          <a:xfrm>
-            <a:off x="1338044" y="3935835"/>
-            <a:ext cx="3962400" cy="1066800"/>
-          </a:xfrm>
-          <a:prstGeom prst="rect">
-            <a:avLst/>
-          </a:prstGeom>
-        </p:spPr>
-        <p:style>
-          <a:lnRef idx="2">
-            <a:schemeClr val="dk1"/>
-          </a:lnRef>
-          <a:fillRef idx="1">
-            <a:schemeClr val="lt1"/>
-          </a:fillRef>
-          <a:effectRef idx="0">
-            <a:schemeClr val="dk1"/>
-          </a:effectRef>
-          <a:fontRef idx="minor">
-            <a:schemeClr val="dk1"/>
-          </a:fontRef>
-        </p:style>
-      </p:pic>
     </p:spTree>
     <p:extLst>
       <p:ext uri="{BB962C8B-B14F-4D97-AF65-F5344CB8AC3E}">
-        <p14:creationId xmlns:p14="http://schemas.microsoft.com/office/powerpoint/2010/main" val="4165617889"/>
+        <p14:creationId xmlns:p14="http://schemas.microsoft.com/office/powerpoint/2010/main" val="2028367499"/>
       </p:ext>
     </p:extLst>
   </p:cSld>
   <p:clrMapOvr>
     <a:masterClrMapping/>
   </p:clrMapOvr>
-  <p:timing>
-    <p:tnLst>
-      <p:par>
-        <p:cTn id="1" dur="indefinite" restart="never" nodeType="tmRoot">
-          <p:childTnLst>
-            <p:seq concurrent="1" nextAc="seek">
-              <p:cTn id="2" dur="indefinite" nodeType="mainSeq">
-                <p:childTnLst>
-                  <p:par>
-                    <p:cTn id="3" fill="hold">
-                      <p:stCondLst>
-                        <p:cond delay="indefinite"/>
-                      </p:stCondLst>
-                      <p:childTnLst>
-                        <p:par>
-                          <p:cTn id="4" fill="hold">
-                            <p:stCondLst>
-                              <p:cond delay="0"/>
-                            </p:stCondLst>
-                            <p:childTnLst>
-                              <p:par>
-                                <p:cTn id="5" presetID="1" presetClass="entr" presetSubtype="0" fill="hold" nodeType="clickEffect">
-                                  <p:stCondLst>
-                                    <p:cond delay="0"/>
-                                  </p:stCondLst>
-                                  <p:childTnLst>
-                                    <p:set>
-                                      <p:cBhvr>
-                                        <p:cTn id="6" dur="1" fill="hold">
-                                          <p:stCondLst>
-                                            <p:cond delay="0"/>
-                                          </p:stCondLst>
-                                        </p:cTn>
-                                        <p:tgtEl>
-                                          <p:spTgt spid="6"/>
-                                        </p:tgtEl>
-                                        <p:attrNameLst>
-                                          <p:attrName>style.visibility</p:attrName>
-                                        </p:attrNameLst>
-                                      </p:cBhvr>
-                                      <p:to>
-                                        <p:strVal val="visible"/>
-                                      </p:to>
-                                    </p:set>
-                                  </p:childTnLst>
-                                </p:cTn>
-                              </p:par>
-                            </p:childTnLst>
-                          </p:cTn>
-                        </p:par>
-                      </p:childTnLst>
-                    </p:cTn>
-                  </p:par>
-                </p:childTnLst>
-              </p:cTn>
-              <p:prevCondLst>
-                <p:cond evt="onPrev" delay="0">
-                  <p:tgtEl>
-                    <p:sldTgt/>
-                  </p:tgtEl>
-                </p:cond>
-              </p:prevCondLst>
-              <p:nextCondLst>
-                <p:cond evt="onNext" delay="0">
-                  <p:tgtEl>
-                    <p:sldTgt/>
-                  </p:tgtEl>
-                </p:cond>
-              </p:nextCondLst>
-            </p:seq>
-          </p:childTnLst>
-        </p:cTn>
-      </p:par>
-    </p:tnLst>
-  </p:timing>
 </p:sld>
 </file>
 
